--- a/CSSGuide/스프링프로젝트1.pptx
+++ b/CSSGuide/스프링프로젝트1.pptx
@@ -6,9 +6,10 @@
   </p:sldMasterIdLst>
   <p:sldIdLst>
     <p:sldId id="256" r:id="rId2"/>
-    <p:sldId id="257" r:id="rId3"/>
-    <p:sldId id="258" r:id="rId4"/>
-    <p:sldId id="259" r:id="rId5"/>
+    <p:sldId id="260" r:id="rId3"/>
+    <p:sldId id="257" r:id="rId4"/>
+    <p:sldId id="258" r:id="rId5"/>
+    <p:sldId id="259" r:id="rId6"/>
   </p:sldIdLst>
   <p:sldSz cx="18859500" cy="10287000"/>
   <p:notesSz cx="6858000" cy="9144000"/>
@@ -107,6 +108,11 @@
       </a:defRPr>
     </a:lvl9pPr>
   </p:defaultTextStyle>
+  <p:extLst>
+    <p:ext uri="{EFAFB233-063F-42B5-8137-9DF3F51BA10A}">
+      <p15:sldGuideLst xmlns:p15="http://schemas.microsoft.com/office/powerpoint/2012/main"/>
+    </p:ext>
+  </p:extLst>
 </p:presentation>
 </file>
 
@@ -241,7 +247,7 @@
           <a:p>
             <a:fld id="{BE6C9B85-A7C9-4C74-A618-4E1D3FF7A410}" type="datetimeFigureOut">
               <a:rPr lang="ko-KR" altLang="en-US" smtClean="0"/>
-              <a:t>2021-05-31</a:t>
+              <a:t>2021-06-01</a:t>
             </a:fld>
             <a:endParaRPr lang="ko-KR" altLang="en-US"/>
           </a:p>
@@ -411,7 +417,7 @@
           <a:p>
             <a:fld id="{BE6C9B85-A7C9-4C74-A618-4E1D3FF7A410}" type="datetimeFigureOut">
               <a:rPr lang="ko-KR" altLang="en-US" smtClean="0"/>
-              <a:t>2021-05-31</a:t>
+              <a:t>2021-06-01</a:t>
             </a:fld>
             <a:endParaRPr lang="ko-KR" altLang="en-US"/>
           </a:p>
@@ -591,7 +597,7 @@
           <a:p>
             <a:fld id="{BE6C9B85-A7C9-4C74-A618-4E1D3FF7A410}" type="datetimeFigureOut">
               <a:rPr lang="ko-KR" altLang="en-US" smtClean="0"/>
-              <a:t>2021-05-31</a:t>
+              <a:t>2021-06-01</a:t>
             </a:fld>
             <a:endParaRPr lang="ko-KR" altLang="en-US"/>
           </a:p>
@@ -761,7 +767,7 @@
           <a:p>
             <a:fld id="{BE6C9B85-A7C9-4C74-A618-4E1D3FF7A410}" type="datetimeFigureOut">
               <a:rPr lang="ko-KR" altLang="en-US" smtClean="0"/>
-              <a:t>2021-05-31</a:t>
+              <a:t>2021-06-01</a:t>
             </a:fld>
             <a:endParaRPr lang="ko-KR" altLang="en-US"/>
           </a:p>
@@ -1007,7 +1013,7 @@
           <a:p>
             <a:fld id="{BE6C9B85-A7C9-4C74-A618-4E1D3FF7A410}" type="datetimeFigureOut">
               <a:rPr lang="ko-KR" altLang="en-US" smtClean="0"/>
-              <a:t>2021-05-31</a:t>
+              <a:t>2021-06-01</a:t>
             </a:fld>
             <a:endParaRPr lang="ko-KR" altLang="en-US"/>
           </a:p>
@@ -1239,7 +1245,7 @@
           <a:p>
             <a:fld id="{BE6C9B85-A7C9-4C74-A618-4E1D3FF7A410}" type="datetimeFigureOut">
               <a:rPr lang="ko-KR" altLang="en-US" smtClean="0"/>
-              <a:t>2021-05-31</a:t>
+              <a:t>2021-06-01</a:t>
             </a:fld>
             <a:endParaRPr lang="ko-KR" altLang="en-US"/>
           </a:p>
@@ -1606,7 +1612,7 @@
           <a:p>
             <a:fld id="{BE6C9B85-A7C9-4C74-A618-4E1D3FF7A410}" type="datetimeFigureOut">
               <a:rPr lang="ko-KR" altLang="en-US" smtClean="0"/>
-              <a:t>2021-05-31</a:t>
+              <a:t>2021-06-01</a:t>
             </a:fld>
             <a:endParaRPr lang="ko-KR" altLang="en-US"/>
           </a:p>
@@ -1724,7 +1730,7 @@
           <a:p>
             <a:fld id="{BE6C9B85-A7C9-4C74-A618-4E1D3FF7A410}" type="datetimeFigureOut">
               <a:rPr lang="ko-KR" altLang="en-US" smtClean="0"/>
-              <a:t>2021-05-31</a:t>
+              <a:t>2021-06-01</a:t>
             </a:fld>
             <a:endParaRPr lang="ko-KR" altLang="en-US"/>
           </a:p>
@@ -1819,7 +1825,7 @@
           <a:p>
             <a:fld id="{BE6C9B85-A7C9-4C74-A618-4E1D3FF7A410}" type="datetimeFigureOut">
               <a:rPr lang="ko-KR" altLang="en-US" smtClean="0"/>
-              <a:t>2021-05-31</a:t>
+              <a:t>2021-06-01</a:t>
             </a:fld>
             <a:endParaRPr lang="ko-KR" altLang="en-US"/>
           </a:p>
@@ -2096,7 +2102,7 @@
           <a:p>
             <a:fld id="{BE6C9B85-A7C9-4C74-A618-4E1D3FF7A410}" type="datetimeFigureOut">
               <a:rPr lang="ko-KR" altLang="en-US" smtClean="0"/>
-              <a:t>2021-05-31</a:t>
+              <a:t>2021-06-01</a:t>
             </a:fld>
             <a:endParaRPr lang="ko-KR" altLang="en-US"/>
           </a:p>
@@ -2353,7 +2359,7 @@
           <a:p>
             <a:fld id="{BE6C9B85-A7C9-4C74-A618-4E1D3FF7A410}" type="datetimeFigureOut">
               <a:rPr lang="ko-KR" altLang="en-US" smtClean="0"/>
-              <a:t>2021-05-31</a:t>
+              <a:t>2021-06-01</a:t>
             </a:fld>
             <a:endParaRPr lang="ko-KR" altLang="en-US"/>
           </a:p>
@@ -2566,7 +2572,7 @@
           <a:p>
             <a:fld id="{BE6C9B85-A7C9-4C74-A618-4E1D3FF7A410}" type="datetimeFigureOut">
               <a:rPr lang="ko-KR" altLang="en-US" smtClean="0"/>
-              <a:t>2021-05-31</a:t>
+              <a:t>2021-06-01</a:t>
             </a:fld>
             <a:endParaRPr lang="ko-KR" altLang="en-US"/>
           </a:p>
@@ -3502,11 +3508,7 @@
             </a:r>
             <a:r>
               <a:rPr lang="en-US" altLang="ko-KR" dirty="0" err="1" smtClean="0"/>
-              <a:t>header_</a:t>
-            </a:r>
-            <a:r>
-              <a:rPr lang="en-US" altLang="ko-KR" dirty="0" err="1" smtClean="0"/>
-              <a:t>account</a:t>
+              <a:t>header_account</a:t>
             </a:r>
             <a:r>
               <a:rPr lang="en-US" altLang="ko-KR" dirty="0" smtClean="0"/>
@@ -3590,11 +3592,7 @@
             </a:r>
             <a:r>
               <a:rPr lang="en-US" altLang="ko-KR" dirty="0" err="1" smtClean="0"/>
-              <a:t>footer_</a:t>
-            </a:r>
-            <a:r>
-              <a:rPr lang="en-US" altLang="ko-KR" dirty="0" err="1" smtClean="0"/>
-              <a:t>info</a:t>
+              <a:t>footer_info</a:t>
             </a:r>
             <a:r>
               <a:rPr lang="en-US" altLang="ko-KR" dirty="0" smtClean="0"/>
@@ -3632,11 +3630,7 @@
             </a:r>
             <a:r>
               <a:rPr lang="en-US" altLang="ko-KR" dirty="0" err="1" smtClean="0"/>
-              <a:t>footer_</a:t>
-            </a:r>
-            <a:r>
-              <a:rPr lang="en-US" altLang="ko-KR" dirty="0" err="1" smtClean="0"/>
-              <a:t>menu</a:t>
+              <a:t>footer_menu</a:t>
             </a:r>
             <a:r>
               <a:rPr lang="en-US" altLang="ko-KR" dirty="0" smtClean="0"/>
@@ -3720,15 +3714,7 @@
             </a:r>
             <a:r>
               <a:rPr lang="en-US" altLang="ko-KR" dirty="0" err="1" smtClean="0"/>
-              <a:t>footer</a:t>
-            </a:r>
-            <a:r>
-              <a:rPr lang="en-US" altLang="ko-KR" dirty="0" err="1" smtClean="0"/>
-              <a:t>_</a:t>
-            </a:r>
-            <a:r>
-              <a:rPr lang="en-US" altLang="ko-KR" dirty="0" err="1" smtClean="0"/>
-              <a:t>question</a:t>
+              <a:t>footer_question</a:t>
             </a:r>
             <a:r>
               <a:rPr lang="en-US" altLang="ko-KR" dirty="0" smtClean="0"/>
@@ -3808,22 +3794,22 @@
       </p:grpSpPr>
       <p:sp>
         <p:nvSpPr>
-          <p:cNvPr id="7" name="직사각형 6"/>
+          <p:cNvPr id="12" name="직사각형 11"/>
           <p:cNvSpPr/>
           <p:nvPr/>
         </p:nvSpPr>
         <p:spPr>
           <a:xfrm>
-            <a:off x="182118" y="265176"/>
-            <a:ext cx="18495264" cy="646176"/>
+            <a:off x="0" y="1"/>
+            <a:ext cx="18859500" cy="865632"/>
           </a:xfrm>
           <a:prstGeom prst="rect">
             <a:avLst/>
           </a:prstGeom>
           <a:solidFill>
             <a:schemeClr val="accent1">
-              <a:lumMod val="20000"/>
-              <a:lumOff val="80000"/>
+              <a:lumMod val="40000"/>
+              <a:lumOff val="60000"/>
             </a:schemeClr>
           </a:solidFill>
         </p:spPr>
@@ -3860,8 +3846,8 @@
         </p:nvSpPr>
         <p:spPr>
           <a:xfrm>
-            <a:off x="182118" y="265176"/>
-            <a:ext cx="18495264" cy="9924288"/>
+            <a:off x="0" y="1"/>
+            <a:ext cx="18859500" cy="865632"/>
           </a:xfrm>
           <a:prstGeom prst="rect">
             <a:avLst/>
@@ -3885,64 +3871,38 @@
           </a:fontRef>
         </p:style>
         <p:txBody>
-          <a:bodyPr rtlCol="0" anchor="ctr"/>
+          <a:bodyPr rot="0" spcFirstLastPara="0" vertOverflow="overflow" horzOverflow="overflow" vert="horz" wrap="square" lIns="91440" tIns="45720" rIns="91440" bIns="45720" numCol="1" spcCol="0" rtlCol="0" fromWordArt="0" anchor="ctr" anchorCtr="0" forceAA="0" compatLnSpc="1">
+            <a:prstTxWarp prst="textNoShape">
+              <a:avLst/>
+            </a:prstTxWarp>
+            <a:noAutofit/>
+          </a:bodyPr>
           <a:lstStyle/>
           <a:p>
             <a:pPr algn="ctr"/>
-            <a:endParaRPr lang="ko-KR" altLang="en-US" dirty="0"/>
-          </a:p>
-        </p:txBody>
-      </p:sp>
-      <p:sp>
-        <p:nvSpPr>
-          <p:cNvPr id="5" name="TextBox 4"/>
-          <p:cNvSpPr txBox="1"/>
-          <p:nvPr/>
-        </p:nvSpPr>
-        <p:spPr>
-          <a:xfrm>
-            <a:off x="-86106" y="-63366"/>
-            <a:ext cx="1459054" cy="369332"/>
+            <a:endParaRPr lang="ko-KR" altLang="en-US" dirty="0">
+              <a:solidFill>
+                <a:schemeClr val="tx1"/>
+              </a:solidFill>
+            </a:endParaRPr>
+          </a:p>
+        </p:txBody>
+      </p:sp>
+      <p:sp>
+        <p:nvSpPr>
+          <p:cNvPr id="5" name="직사각형 4"/>
+          <p:cNvSpPr/>
+          <p:nvPr/>
+        </p:nvSpPr>
+        <p:spPr>
+          <a:xfrm>
+            <a:off x="0" y="8022336"/>
+            <a:ext cx="18859500" cy="2264665"/>
           </a:xfrm>
           <a:prstGeom prst="rect">
             <a:avLst/>
           </a:prstGeom>
           <a:noFill/>
-        </p:spPr>
-        <p:txBody>
-          <a:bodyPr wrap="none" rtlCol="0">
-            <a:spAutoFit/>
-          </a:bodyPr>
-          <a:lstStyle/>
-          <a:p>
-            <a:r>
-              <a:rPr lang="en-US" altLang="ko-KR" dirty="0" err="1" smtClean="0"/>
-              <a:t>Main_section</a:t>
-            </a:r>
-            <a:endParaRPr lang="ko-KR" altLang="en-US" dirty="0"/>
-          </a:p>
-        </p:txBody>
-      </p:sp>
-      <p:sp>
-        <p:nvSpPr>
-          <p:cNvPr id="8" name="직사각형 7"/>
-          <p:cNvSpPr/>
-          <p:nvPr/>
-        </p:nvSpPr>
-        <p:spPr>
-          <a:xfrm>
-            <a:off x="182118" y="911352"/>
-            <a:ext cx="4621386" cy="3451860"/>
-          </a:xfrm>
-          <a:prstGeom prst="rect">
-            <a:avLst/>
-          </a:prstGeom>
-          <a:solidFill>
-            <a:schemeClr val="accent1">
-              <a:lumMod val="40000"/>
-              <a:lumOff val="60000"/>
-            </a:schemeClr>
-          </a:solidFill>
         </p:spPr>
         <p:style>
           <a:lnRef idx="2">
@@ -3961,34 +3921,41 @@
           </a:fontRef>
         </p:style>
         <p:txBody>
-          <a:bodyPr rtlCol="0" anchor="ctr"/>
-          <a:lstStyle/>
-          <a:p>
-            <a:pPr algn="ctr"/>
-            <a:endParaRPr lang="ko-KR" altLang="en-US"/>
-          </a:p>
-        </p:txBody>
-      </p:sp>
-      <p:sp>
-        <p:nvSpPr>
-          <p:cNvPr id="9" name="직사각형 8"/>
+          <a:bodyPr rot="0" spcFirstLastPara="0" vertOverflow="overflow" horzOverflow="overflow" vert="horz" wrap="square" lIns="91440" tIns="45720" rIns="91440" bIns="45720" numCol="1" spcCol="0" rtlCol="0" fromWordArt="0" anchor="ctr" anchorCtr="0" forceAA="0" compatLnSpc="1">
+            <a:prstTxWarp prst="textNoShape">
+              <a:avLst/>
+            </a:prstTxWarp>
+            <a:noAutofit/>
+          </a:bodyPr>
+          <a:lstStyle/>
+          <a:p>
+            <a:pPr marL="342900" indent="-342900" algn="ctr">
+              <a:buFont typeface="+mj-lt"/>
+              <a:buAutoNum type="arabicPeriod"/>
+            </a:pPr>
+            <a:endParaRPr lang="ko-KR" altLang="en-US" dirty="0">
+              <a:solidFill>
+                <a:schemeClr val="tx1"/>
+              </a:solidFill>
+            </a:endParaRPr>
+          </a:p>
+        </p:txBody>
+      </p:sp>
+      <p:sp>
+        <p:nvSpPr>
+          <p:cNvPr id="6" name="직사각형 5"/>
           <p:cNvSpPr/>
           <p:nvPr/>
         </p:nvSpPr>
         <p:spPr>
           <a:xfrm>
-            <a:off x="14075436" y="911352"/>
-            <a:ext cx="4601946" cy="3451860"/>
-          </a:xfrm>
-          <a:prstGeom prst="rect">
-            <a:avLst/>
-          </a:prstGeom>
-          <a:solidFill>
-            <a:schemeClr val="accent1">
-              <a:lumMod val="40000"/>
-              <a:lumOff val="60000"/>
-            </a:schemeClr>
-          </a:solidFill>
+            <a:off x="0" y="871096"/>
+            <a:ext cx="18859500" cy="7151240"/>
+          </a:xfrm>
+          <a:prstGeom prst="rect">
+            <a:avLst/>
+          </a:prstGeom>
+          <a:noFill/>
         </p:spPr>
         <p:style>
           <a:lnRef idx="2">
@@ -4007,32 +3974,117 @@
           </a:fontRef>
         </p:style>
         <p:txBody>
-          <a:bodyPr rtlCol="0" anchor="ctr"/>
+          <a:bodyPr rot="0" spcFirstLastPara="0" vertOverflow="overflow" horzOverflow="overflow" vert="horz" wrap="square" lIns="91440" tIns="45720" rIns="91440" bIns="45720" numCol="1" spcCol="0" rtlCol="0" fromWordArt="0" anchor="ctr" anchorCtr="0" forceAA="0" compatLnSpc="1">
+            <a:prstTxWarp prst="textNoShape">
+              <a:avLst/>
+            </a:prstTxWarp>
+            <a:noAutofit/>
+          </a:bodyPr>
           <a:lstStyle/>
           <a:p>
             <a:pPr algn="ctr"/>
-            <a:endParaRPr lang="ko-KR" altLang="en-US"/>
-          </a:p>
-        </p:txBody>
-      </p:sp>
-      <p:sp>
-        <p:nvSpPr>
-          <p:cNvPr id="10" name="직사각형 9"/>
+            <a:endParaRPr lang="ko-KR" altLang="en-US" dirty="0">
+              <a:solidFill>
+                <a:schemeClr val="tx1"/>
+              </a:solidFill>
+            </a:endParaRPr>
+          </a:p>
+        </p:txBody>
+      </p:sp>
+      <p:sp>
+        <p:nvSpPr>
+          <p:cNvPr id="10" name="TextBox 9"/>
+          <p:cNvSpPr txBox="1"/>
+          <p:nvPr/>
+        </p:nvSpPr>
+        <p:spPr>
+          <a:xfrm>
+            <a:off x="8672492" y="250490"/>
+            <a:ext cx="1514517" cy="369332"/>
+          </a:xfrm>
+          <a:prstGeom prst="rect">
+            <a:avLst/>
+          </a:prstGeom>
+          <a:noFill/>
+        </p:spPr>
+        <p:txBody>
+          <a:bodyPr wrap="none" rtlCol="0">
+            <a:spAutoFit/>
+          </a:bodyPr>
+          <a:lstStyle/>
+          <a:p>
+            <a:r>
+              <a:rPr lang="en-US" altLang="ko-KR" dirty="0" smtClean="0"/>
+              <a:t>&lt;</a:t>
+            </a:r>
+            <a:r>
+              <a:rPr lang="en-US" altLang="ko-KR" dirty="0" err="1" smtClean="0"/>
+              <a:t>header_top</a:t>
+            </a:r>
+            <a:r>
+              <a:rPr lang="en-US" altLang="ko-KR" dirty="0" smtClean="0"/>
+              <a:t>&gt;</a:t>
+            </a:r>
+            <a:endParaRPr lang="ko-KR" altLang="en-US" dirty="0"/>
+          </a:p>
+        </p:txBody>
+      </p:sp>
+      <p:sp>
+        <p:nvSpPr>
+          <p:cNvPr id="3" name="TextBox 2"/>
+          <p:cNvSpPr txBox="1"/>
+          <p:nvPr/>
+        </p:nvSpPr>
+        <p:spPr>
+          <a:xfrm>
+            <a:off x="8792652" y="8027799"/>
+            <a:ext cx="1274195" cy="369332"/>
+          </a:xfrm>
+          <a:prstGeom prst="rect">
+            <a:avLst/>
+          </a:prstGeom>
+          <a:noFill/>
+        </p:spPr>
+        <p:txBody>
+          <a:bodyPr wrap="none" rtlCol="0">
+            <a:spAutoFit/>
+          </a:bodyPr>
+          <a:lstStyle/>
+          <a:p>
+            <a:r>
+              <a:rPr lang="en-US" altLang="ko-KR" dirty="0" smtClean="0"/>
+              <a:t>&lt;</a:t>
+            </a:r>
+            <a:r>
+              <a:rPr lang="en-US" altLang="ko-KR" dirty="0" err="1" smtClean="0"/>
+              <a:t>Copiright</a:t>
+            </a:r>
+            <a:r>
+              <a:rPr lang="en-US" altLang="ko-KR" dirty="0" smtClean="0"/>
+              <a:t>&gt;</a:t>
+            </a:r>
+            <a:endParaRPr lang="ko-KR" altLang="en-US" dirty="0"/>
+          </a:p>
+        </p:txBody>
+      </p:sp>
+      <p:sp>
+        <p:nvSpPr>
+          <p:cNvPr id="23" name="직사각형 22"/>
           <p:cNvSpPr/>
           <p:nvPr/>
         </p:nvSpPr>
         <p:spPr>
           <a:xfrm>
-            <a:off x="9444330" y="911352"/>
-            <a:ext cx="4621386" cy="3451860"/>
+            <a:off x="6564630" y="1194816"/>
+            <a:ext cx="5730240" cy="6412992"/>
           </a:xfrm>
           <a:prstGeom prst="rect">
             <a:avLst/>
           </a:prstGeom>
           <a:solidFill>
             <a:schemeClr val="accent1">
-              <a:lumMod val="40000"/>
-              <a:lumOff val="60000"/>
+              <a:lumMod val="20000"/>
+              <a:lumOff val="80000"/>
             </a:schemeClr>
           </a:solidFill>
         </p:spPr>
@@ -4063,14 +4115,44 @@
       </p:sp>
       <p:sp>
         <p:nvSpPr>
-          <p:cNvPr id="11" name="직사각형 10"/>
+          <p:cNvPr id="24" name="TextBox 23"/>
+          <p:cNvSpPr txBox="1"/>
+          <p:nvPr/>
+        </p:nvSpPr>
+        <p:spPr>
+          <a:xfrm>
+            <a:off x="6689532" y="1280161"/>
+            <a:ext cx="918841" cy="369332"/>
+          </a:xfrm>
+          <a:prstGeom prst="rect">
+            <a:avLst/>
+          </a:prstGeom>
+          <a:noFill/>
+        </p:spPr>
+        <p:txBody>
+          <a:bodyPr wrap="none" rtlCol="0">
+            <a:spAutoFit/>
+          </a:bodyPr>
+          <a:lstStyle/>
+          <a:p>
+            <a:r>
+              <a:rPr lang="en-US" altLang="ko-KR" dirty="0" smtClean="0"/>
+              <a:t>&lt;Login&gt;</a:t>
+            </a:r>
+            <a:endParaRPr lang="ko-KR" altLang="en-US" dirty="0"/>
+          </a:p>
+        </p:txBody>
+      </p:sp>
+      <p:sp>
+        <p:nvSpPr>
+          <p:cNvPr id="25" name="직사각형 24"/>
           <p:cNvSpPr/>
           <p:nvPr/>
         </p:nvSpPr>
         <p:spPr>
           <a:xfrm>
-            <a:off x="4813224" y="911352"/>
-            <a:ext cx="4621386" cy="3451860"/>
+            <a:off x="7101077" y="2773051"/>
+            <a:ext cx="4657344" cy="829056"/>
           </a:xfrm>
           <a:prstGeom prst="rect">
             <a:avLst/>
@@ -4109,150 +4191,22 @@
       </p:sp>
       <p:sp>
         <p:nvSpPr>
-          <p:cNvPr id="12" name="TextBox 11"/>
-          <p:cNvSpPr txBox="1"/>
-          <p:nvPr/>
-        </p:nvSpPr>
-        <p:spPr>
-          <a:xfrm>
-            <a:off x="1965720" y="390644"/>
-            <a:ext cx="2651688" cy="369332"/>
-          </a:xfrm>
-          <a:prstGeom prst="rect">
-            <a:avLst/>
-          </a:prstGeom>
-          <a:noFill/>
-        </p:spPr>
-        <p:txBody>
-          <a:bodyPr wrap="none" rtlCol="0">
-            <a:spAutoFit/>
-          </a:bodyPr>
-          <a:lstStyle/>
-          <a:p>
-            <a:r>
-              <a:rPr lang="en-US" altLang="ko-KR" dirty="0" smtClean="0"/>
-              <a:t>&lt;h2&gt;</a:t>
-            </a:r>
-            <a:r>
-              <a:rPr lang="ko-KR" altLang="en-US" dirty="0" smtClean="0"/>
-              <a:t>신규 프로젝트</a:t>
-            </a:r>
-            <a:r>
-              <a:rPr lang="en-US" altLang="ko-KR" dirty="0" smtClean="0"/>
-              <a:t>&lt;/h2&gt;</a:t>
-            </a:r>
-            <a:endParaRPr lang="ko-KR" altLang="en-US" dirty="0"/>
-          </a:p>
-        </p:txBody>
-      </p:sp>
-      <p:sp>
-        <p:nvSpPr>
-          <p:cNvPr id="14" name="TextBox 13"/>
-          <p:cNvSpPr txBox="1"/>
-          <p:nvPr/>
-        </p:nvSpPr>
-        <p:spPr>
-          <a:xfrm>
-            <a:off x="6251533" y="2456164"/>
-            <a:ext cx="1755545" cy="369332"/>
-          </a:xfrm>
-          <a:prstGeom prst="rect">
-            <a:avLst/>
-          </a:prstGeom>
-          <a:noFill/>
-        </p:spPr>
-        <p:txBody>
-          <a:bodyPr wrap="none" rtlCol="0">
-            <a:spAutoFit/>
-          </a:bodyPr>
-          <a:lstStyle/>
-          <a:p>
-            <a:r>
-              <a:rPr lang="en-US" altLang="ko-KR" dirty="0" smtClean="0"/>
-              <a:t>&lt;div new_proj2&gt;</a:t>
-            </a:r>
-            <a:endParaRPr lang="ko-KR" altLang="en-US" dirty="0"/>
-          </a:p>
-        </p:txBody>
-      </p:sp>
-      <p:sp>
-        <p:nvSpPr>
-          <p:cNvPr id="15" name="TextBox 14"/>
-          <p:cNvSpPr txBox="1"/>
-          <p:nvPr/>
-        </p:nvSpPr>
-        <p:spPr>
-          <a:xfrm>
-            <a:off x="10872919" y="2456164"/>
-            <a:ext cx="1755545" cy="369332"/>
-          </a:xfrm>
-          <a:prstGeom prst="rect">
-            <a:avLst/>
-          </a:prstGeom>
-          <a:noFill/>
-        </p:spPr>
-        <p:txBody>
-          <a:bodyPr wrap="none" rtlCol="0">
-            <a:spAutoFit/>
-          </a:bodyPr>
-          <a:lstStyle/>
-          <a:p>
-            <a:r>
-              <a:rPr lang="en-US" altLang="ko-KR" dirty="0" smtClean="0"/>
-              <a:t>&lt;div new_proj3&gt;</a:t>
-            </a:r>
-            <a:endParaRPr lang="ko-KR" altLang="en-US" dirty="0"/>
-          </a:p>
-        </p:txBody>
-      </p:sp>
-      <p:sp>
-        <p:nvSpPr>
-          <p:cNvPr id="16" name="TextBox 15"/>
-          <p:cNvSpPr txBox="1"/>
-          <p:nvPr/>
-        </p:nvSpPr>
-        <p:spPr>
-          <a:xfrm>
-            <a:off x="15498636" y="2457164"/>
-            <a:ext cx="1755545" cy="369332"/>
-          </a:xfrm>
-          <a:prstGeom prst="rect">
-            <a:avLst/>
-          </a:prstGeom>
-          <a:noFill/>
-        </p:spPr>
-        <p:txBody>
-          <a:bodyPr wrap="none" rtlCol="0">
-            <a:spAutoFit/>
-          </a:bodyPr>
-          <a:lstStyle/>
-          <a:p>
-            <a:r>
-              <a:rPr lang="en-US" altLang="ko-KR" dirty="0" smtClean="0"/>
-              <a:t>&lt;div new_proj4&gt;</a:t>
-            </a:r>
-            <a:endParaRPr lang="ko-KR" altLang="en-US" dirty="0"/>
-          </a:p>
-        </p:txBody>
-      </p:sp>
-      <p:sp>
-        <p:nvSpPr>
-          <p:cNvPr id="17" name="직사각형 16"/>
+          <p:cNvPr id="26" name="직사각형 25"/>
           <p:cNvSpPr/>
           <p:nvPr/>
         </p:nvSpPr>
         <p:spPr>
           <a:xfrm>
-            <a:off x="187062" y="4370308"/>
-            <a:ext cx="18495264" cy="646176"/>
+            <a:off x="7101077" y="3796283"/>
+            <a:ext cx="4657344" cy="829056"/>
           </a:xfrm>
           <a:prstGeom prst="rect">
             <a:avLst/>
           </a:prstGeom>
           <a:solidFill>
             <a:schemeClr val="accent1">
-              <a:lumMod val="20000"/>
-              <a:lumOff val="80000"/>
+              <a:lumMod val="40000"/>
+              <a:lumOff val="60000"/>
             </a:schemeClr>
           </a:solidFill>
         </p:spPr>
@@ -4283,22 +4237,22 @@
       </p:sp>
       <p:sp>
         <p:nvSpPr>
-          <p:cNvPr id="18" name="직사각형 17"/>
+          <p:cNvPr id="27" name="직사각형 26"/>
           <p:cNvSpPr/>
           <p:nvPr/>
         </p:nvSpPr>
         <p:spPr>
           <a:xfrm>
-            <a:off x="184590" y="5028676"/>
-            <a:ext cx="4621386" cy="3451860"/>
+            <a:off x="7101077" y="4928615"/>
+            <a:ext cx="4657344" cy="829056"/>
           </a:xfrm>
           <a:prstGeom prst="rect">
             <a:avLst/>
           </a:prstGeom>
           <a:solidFill>
-            <a:schemeClr val="accent1">
-              <a:lumMod val="40000"/>
-              <a:lumOff val="60000"/>
+            <a:schemeClr val="accent4">
+              <a:lumMod val="20000"/>
+              <a:lumOff val="80000"/>
             </a:schemeClr>
           </a:solidFill>
         </p:spPr>
@@ -4329,152 +4283,14 @@
       </p:sp>
       <p:sp>
         <p:nvSpPr>
-          <p:cNvPr id="19" name="직사각형 18"/>
-          <p:cNvSpPr/>
-          <p:nvPr/>
-        </p:nvSpPr>
-        <p:spPr>
-          <a:xfrm>
-            <a:off x="14077908" y="5028676"/>
-            <a:ext cx="4601946" cy="3451860"/>
-          </a:xfrm>
-          <a:prstGeom prst="rect">
-            <a:avLst/>
-          </a:prstGeom>
-          <a:solidFill>
-            <a:schemeClr val="accent1">
-              <a:lumMod val="40000"/>
-              <a:lumOff val="60000"/>
-            </a:schemeClr>
-          </a:solidFill>
-        </p:spPr>
-        <p:style>
-          <a:lnRef idx="2">
-            <a:schemeClr val="accent1">
-              <a:shade val="50000"/>
-            </a:schemeClr>
-          </a:lnRef>
-          <a:fillRef idx="1">
-            <a:schemeClr val="accent1"/>
-          </a:fillRef>
-          <a:effectRef idx="0">
-            <a:schemeClr val="accent1"/>
-          </a:effectRef>
-          <a:fontRef idx="minor">
-            <a:schemeClr val="lt1"/>
-          </a:fontRef>
-        </p:style>
-        <p:txBody>
-          <a:bodyPr rtlCol="0" anchor="ctr"/>
-          <a:lstStyle/>
-          <a:p>
-            <a:pPr algn="ctr"/>
-            <a:endParaRPr lang="ko-KR" altLang="en-US"/>
-          </a:p>
-        </p:txBody>
-      </p:sp>
-      <p:sp>
-        <p:nvSpPr>
-          <p:cNvPr id="20" name="직사각형 19"/>
-          <p:cNvSpPr/>
-          <p:nvPr/>
-        </p:nvSpPr>
-        <p:spPr>
-          <a:xfrm>
-            <a:off x="9446802" y="5028676"/>
-            <a:ext cx="4621386" cy="3451860"/>
-          </a:xfrm>
-          <a:prstGeom prst="rect">
-            <a:avLst/>
-          </a:prstGeom>
-          <a:solidFill>
-            <a:schemeClr val="accent1">
-              <a:lumMod val="40000"/>
-              <a:lumOff val="60000"/>
-            </a:schemeClr>
-          </a:solidFill>
-        </p:spPr>
-        <p:style>
-          <a:lnRef idx="2">
-            <a:schemeClr val="accent1">
-              <a:shade val="50000"/>
-            </a:schemeClr>
-          </a:lnRef>
-          <a:fillRef idx="1">
-            <a:schemeClr val="accent1"/>
-          </a:fillRef>
-          <a:effectRef idx="0">
-            <a:schemeClr val="accent1"/>
-          </a:effectRef>
-          <a:fontRef idx="minor">
-            <a:schemeClr val="lt1"/>
-          </a:fontRef>
-        </p:style>
-        <p:txBody>
-          <a:bodyPr rtlCol="0" anchor="ctr"/>
-          <a:lstStyle/>
-          <a:p>
-            <a:pPr algn="ctr"/>
-            <a:endParaRPr lang="ko-KR" altLang="en-US"/>
-          </a:p>
-        </p:txBody>
-      </p:sp>
-      <p:sp>
-        <p:nvSpPr>
-          <p:cNvPr id="21" name="직사각형 20"/>
-          <p:cNvSpPr/>
-          <p:nvPr/>
-        </p:nvSpPr>
-        <p:spPr>
-          <a:xfrm>
-            <a:off x="4815696" y="5028676"/>
-            <a:ext cx="4621386" cy="3451860"/>
-          </a:xfrm>
-          <a:prstGeom prst="rect">
-            <a:avLst/>
-          </a:prstGeom>
-          <a:solidFill>
-            <a:schemeClr val="accent1">
-              <a:lumMod val="40000"/>
-              <a:lumOff val="60000"/>
-            </a:schemeClr>
-          </a:solidFill>
-        </p:spPr>
-        <p:style>
-          <a:lnRef idx="2">
-            <a:schemeClr val="accent1">
-              <a:shade val="50000"/>
-            </a:schemeClr>
-          </a:lnRef>
-          <a:fillRef idx="1">
-            <a:schemeClr val="accent1"/>
-          </a:fillRef>
-          <a:effectRef idx="0">
-            <a:schemeClr val="accent1"/>
-          </a:effectRef>
-          <a:fontRef idx="minor">
-            <a:schemeClr val="lt1"/>
-          </a:fontRef>
-        </p:style>
-        <p:txBody>
-          <a:bodyPr rtlCol="0" anchor="ctr"/>
-          <a:lstStyle/>
-          <a:p>
-            <a:pPr algn="ctr"/>
-            <a:endParaRPr lang="ko-KR" altLang="en-US"/>
-          </a:p>
-        </p:txBody>
-      </p:sp>
-      <p:sp>
-        <p:nvSpPr>
-          <p:cNvPr id="22" name="TextBox 21"/>
+          <p:cNvPr id="28" name="TextBox 27"/>
           <p:cNvSpPr txBox="1"/>
           <p:nvPr/>
         </p:nvSpPr>
         <p:spPr>
           <a:xfrm>
-            <a:off x="1948806" y="4508730"/>
-            <a:ext cx="3397084" cy="369332"/>
+            <a:off x="9093022" y="3026353"/>
+            <a:ext cx="590226" cy="369332"/>
           </a:xfrm>
           <a:prstGeom prst="rect">
             <a:avLst/>
@@ -4489,15 +4305,7 @@
           <a:p>
             <a:r>
               <a:rPr lang="en-US" altLang="ko-KR" dirty="0" smtClean="0"/>
-              <a:t>&lt;h2&gt;</a:t>
-            </a:r>
-            <a:r>
-              <a:rPr lang="ko-KR" altLang="en-US" dirty="0" smtClean="0"/>
-              <a:t>주목할 만한 프로젝트</a:t>
-            </a:r>
-            <a:r>
-              <a:rPr lang="en-US" altLang="ko-KR" dirty="0" smtClean="0"/>
-              <a:t>&lt;/h2&gt;</a:t>
+              <a:t>&lt;id&gt;</a:t>
             </a:r>
             <a:endParaRPr lang="ko-KR" altLang="en-US" dirty="0"/>
           </a:p>
@@ -4505,14 +4313,14 @@
       </p:sp>
       <p:sp>
         <p:nvSpPr>
-          <p:cNvPr id="23" name="TextBox 22"/>
+          <p:cNvPr id="29" name="TextBox 28"/>
           <p:cNvSpPr txBox="1"/>
           <p:nvPr/>
         </p:nvSpPr>
         <p:spPr>
           <a:xfrm>
-            <a:off x="1519105" y="6561296"/>
-            <a:ext cx="1719830" cy="369332"/>
+            <a:off x="8733148" y="4006340"/>
+            <a:ext cx="1309974" cy="369332"/>
           </a:xfrm>
           <a:prstGeom prst="rect">
             <a:avLst/>
@@ -4527,7 +4335,7 @@
           <a:p>
             <a:r>
               <a:rPr lang="en-US" altLang="ko-KR" dirty="0" smtClean="0"/>
-              <a:t>&lt;div pop_proj1&gt;</a:t>
+              <a:t>&lt;password&gt;</a:t>
             </a:r>
             <a:endParaRPr lang="ko-KR" altLang="en-US" dirty="0"/>
           </a:p>
@@ -4535,14 +4343,14 @@
       </p:sp>
       <p:sp>
         <p:nvSpPr>
-          <p:cNvPr id="24" name="TextBox 23"/>
+          <p:cNvPr id="30" name="TextBox 29"/>
           <p:cNvSpPr txBox="1"/>
           <p:nvPr/>
         </p:nvSpPr>
         <p:spPr>
           <a:xfrm>
-            <a:off x="6241813" y="6561296"/>
-            <a:ext cx="1755545" cy="369332"/>
+            <a:off x="8928715" y="5158477"/>
+            <a:ext cx="918841" cy="369332"/>
           </a:xfrm>
           <a:prstGeom prst="rect">
             <a:avLst/>
@@ -4557,15 +4365,7 @@
           <a:p>
             <a:r>
               <a:rPr lang="en-US" altLang="ko-KR" dirty="0" smtClean="0"/>
-              <a:t>&lt;div </a:t>
-            </a:r>
-            <a:r>
-              <a:rPr lang="en-US" altLang="ko-KR" dirty="0" smtClean="0"/>
-              <a:t>pop</a:t>
-            </a:r>
-            <a:r>
-              <a:rPr lang="en-US" altLang="ko-KR" dirty="0" smtClean="0"/>
-              <a:t>_proj2&gt;</a:t>
+              <a:t>&lt;Login&gt;</a:t>
             </a:r>
             <a:endParaRPr lang="ko-KR" altLang="en-US" dirty="0"/>
           </a:p>
@@ -4573,14 +4373,14 @@
       </p:sp>
       <p:sp>
         <p:nvSpPr>
-          <p:cNvPr id="25" name="TextBox 24"/>
+          <p:cNvPr id="31" name="TextBox 30"/>
           <p:cNvSpPr txBox="1"/>
           <p:nvPr/>
         </p:nvSpPr>
         <p:spPr>
           <a:xfrm>
-            <a:off x="10863199" y="6561296"/>
-            <a:ext cx="1755545" cy="369332"/>
+            <a:off x="8298671" y="6166156"/>
+            <a:ext cx="2262158" cy="646331"/>
           </a:xfrm>
           <a:prstGeom prst="rect">
             <a:avLst/>
@@ -4593,424 +4393,42 @@
           </a:bodyPr>
           <a:lstStyle/>
           <a:p>
-            <a:r>
-              <a:rPr lang="en-US" altLang="ko-KR" dirty="0" smtClean="0"/>
-              <a:t>&lt;div </a:t>
-            </a:r>
-            <a:r>
-              <a:rPr lang="en-US" altLang="ko-KR" dirty="0" smtClean="0"/>
-              <a:t>pop</a:t>
-            </a:r>
-            <a:r>
-              <a:rPr lang="en-US" altLang="ko-KR" dirty="0" smtClean="0"/>
-              <a:t>_proj3&gt;</a:t>
+            <a:pPr algn="ctr"/>
+            <a:r>
+              <a:rPr lang="en-US" altLang="ko-KR" dirty="0" smtClean="0"/>
+              <a:t>&lt;id &amp; password </a:t>
+            </a:r>
+            <a:r>
+              <a:rPr lang="ko-KR" altLang="en-US" dirty="0" smtClean="0"/>
+              <a:t>찾기</a:t>
+            </a:r>
+            <a:r>
+              <a:rPr lang="en-US" altLang="ko-KR" dirty="0" smtClean="0"/>
+              <a:t>&gt;</a:t>
+            </a:r>
+          </a:p>
+          <a:p>
+            <a:pPr algn="ctr"/>
+            <a:r>
+              <a:rPr lang="en-US" altLang="ko-KR" dirty="0" smtClean="0"/>
+              <a:t>&lt;</a:t>
+            </a:r>
+            <a:r>
+              <a:rPr lang="ko-KR" altLang="en-US" dirty="0" smtClean="0"/>
+              <a:t>회원가입</a:t>
+            </a:r>
+            <a:r>
+              <a:rPr lang="en-US" altLang="ko-KR" dirty="0" smtClean="0"/>
+              <a:t>&gt;</a:t>
             </a:r>
             <a:endParaRPr lang="ko-KR" altLang="en-US" dirty="0"/>
-          </a:p>
-        </p:txBody>
-      </p:sp>
-      <p:sp>
-        <p:nvSpPr>
-          <p:cNvPr id="26" name="TextBox 25"/>
-          <p:cNvSpPr txBox="1"/>
-          <p:nvPr/>
-        </p:nvSpPr>
-        <p:spPr>
-          <a:xfrm>
-            <a:off x="15488916" y="6562296"/>
-            <a:ext cx="1755545" cy="369332"/>
-          </a:xfrm>
-          <a:prstGeom prst="rect">
-            <a:avLst/>
-          </a:prstGeom>
-          <a:noFill/>
-        </p:spPr>
-        <p:txBody>
-          <a:bodyPr wrap="none" rtlCol="0">
-            <a:spAutoFit/>
-          </a:bodyPr>
-          <a:lstStyle/>
-          <a:p>
-            <a:r>
-              <a:rPr lang="en-US" altLang="ko-KR" dirty="0" smtClean="0"/>
-              <a:t>&lt;div </a:t>
-            </a:r>
-            <a:r>
-              <a:rPr lang="en-US" altLang="ko-KR" dirty="0" smtClean="0"/>
-              <a:t>pop</a:t>
-            </a:r>
-            <a:r>
-              <a:rPr lang="en-US" altLang="ko-KR" dirty="0" smtClean="0"/>
-              <a:t>_proj4&gt;</a:t>
-            </a:r>
-            <a:endParaRPr lang="ko-KR" altLang="en-US" dirty="0"/>
-          </a:p>
-        </p:txBody>
-      </p:sp>
-      <p:sp>
-        <p:nvSpPr>
-          <p:cNvPr id="27" name="직사각형 26"/>
-          <p:cNvSpPr/>
-          <p:nvPr/>
-        </p:nvSpPr>
-        <p:spPr>
-          <a:xfrm>
-            <a:off x="187062" y="8499824"/>
-            <a:ext cx="18495264" cy="646176"/>
-          </a:xfrm>
-          <a:prstGeom prst="rect">
-            <a:avLst/>
-          </a:prstGeom>
-          <a:solidFill>
-            <a:schemeClr val="accent1">
-              <a:lumMod val="20000"/>
-              <a:lumOff val="80000"/>
-            </a:schemeClr>
-          </a:solidFill>
-        </p:spPr>
-        <p:style>
-          <a:lnRef idx="2">
-            <a:schemeClr val="accent1">
-              <a:shade val="50000"/>
-            </a:schemeClr>
-          </a:lnRef>
-          <a:fillRef idx="1">
-            <a:schemeClr val="accent1"/>
-          </a:fillRef>
-          <a:effectRef idx="0">
-            <a:schemeClr val="accent1"/>
-          </a:effectRef>
-          <a:fontRef idx="minor">
-            <a:schemeClr val="lt1"/>
-          </a:fontRef>
-        </p:style>
-        <p:txBody>
-          <a:bodyPr rtlCol="0" anchor="ctr"/>
-          <a:lstStyle/>
-          <a:p>
-            <a:pPr algn="ctr"/>
-            <a:endParaRPr lang="ko-KR" altLang="en-US"/>
-          </a:p>
-        </p:txBody>
-      </p:sp>
-      <p:sp>
-        <p:nvSpPr>
-          <p:cNvPr id="28" name="TextBox 27"/>
-          <p:cNvSpPr txBox="1"/>
-          <p:nvPr/>
-        </p:nvSpPr>
-        <p:spPr>
-          <a:xfrm>
-            <a:off x="1948806" y="8662630"/>
-            <a:ext cx="3166251" cy="369332"/>
-          </a:xfrm>
-          <a:prstGeom prst="rect">
-            <a:avLst/>
-          </a:prstGeom>
-          <a:noFill/>
-        </p:spPr>
-        <p:txBody>
-          <a:bodyPr wrap="none" rtlCol="0">
-            <a:spAutoFit/>
-          </a:bodyPr>
-          <a:lstStyle/>
-          <a:p>
-            <a:r>
-              <a:rPr lang="en-US" altLang="ko-KR" dirty="0" smtClean="0"/>
-              <a:t>&lt;h2&gt;</a:t>
-            </a:r>
-            <a:r>
-              <a:rPr lang="ko-KR" altLang="en-US" dirty="0" smtClean="0"/>
-              <a:t>마감 임박 프로젝트</a:t>
-            </a:r>
-            <a:r>
-              <a:rPr lang="en-US" altLang="ko-KR" dirty="0" smtClean="0"/>
-              <a:t>&lt;/h2&gt;</a:t>
-            </a:r>
-            <a:endParaRPr lang="ko-KR" altLang="en-US" dirty="0"/>
-          </a:p>
-        </p:txBody>
-      </p:sp>
-      <p:sp>
-        <p:nvSpPr>
-          <p:cNvPr id="30" name="직사각형 29"/>
-          <p:cNvSpPr/>
-          <p:nvPr/>
-        </p:nvSpPr>
-        <p:spPr>
-          <a:xfrm>
-            <a:off x="303718" y="1026604"/>
-            <a:ext cx="4386842" cy="2557844"/>
-          </a:xfrm>
-          <a:prstGeom prst="rect">
-            <a:avLst/>
-          </a:prstGeom>
-          <a:solidFill>
-            <a:schemeClr val="accent1">
-              <a:lumMod val="60000"/>
-              <a:lumOff val="40000"/>
-            </a:schemeClr>
-          </a:solidFill>
-        </p:spPr>
-        <p:style>
-          <a:lnRef idx="2">
-            <a:schemeClr val="accent1">
-              <a:shade val="50000"/>
-            </a:schemeClr>
-          </a:lnRef>
-          <a:fillRef idx="1">
-            <a:schemeClr val="accent1"/>
-          </a:fillRef>
-          <a:effectRef idx="0">
-            <a:schemeClr val="accent1"/>
-          </a:effectRef>
-          <a:fontRef idx="minor">
-            <a:schemeClr val="lt1"/>
-          </a:fontRef>
-        </p:style>
-        <p:txBody>
-          <a:bodyPr rtlCol="0" anchor="ctr"/>
-          <a:lstStyle/>
-          <a:p>
-            <a:pPr algn="ctr"/>
-            <a:endParaRPr lang="ko-KR" altLang="en-US"/>
-          </a:p>
-        </p:txBody>
-      </p:sp>
-      <p:sp>
-        <p:nvSpPr>
-          <p:cNvPr id="29" name="TextBox 28"/>
-          <p:cNvSpPr txBox="1"/>
-          <p:nvPr/>
-        </p:nvSpPr>
-        <p:spPr>
-          <a:xfrm>
-            <a:off x="7789069" y="9393150"/>
-            <a:ext cx="3310522" cy="369332"/>
-          </a:xfrm>
-          <a:prstGeom prst="rect">
-            <a:avLst/>
-          </a:prstGeom>
-          <a:noFill/>
-        </p:spPr>
-        <p:txBody>
-          <a:bodyPr wrap="none" rtlCol="0">
-            <a:spAutoFit/>
-          </a:bodyPr>
-          <a:lstStyle/>
-          <a:p>
-            <a:r>
-              <a:rPr lang="en-US" altLang="ko-KR" dirty="0" smtClean="0"/>
-              <a:t>… </a:t>
-            </a:r>
-            <a:r>
-              <a:rPr lang="ko-KR" altLang="en-US" dirty="0" smtClean="0"/>
-              <a:t>위 처럼 </a:t>
-            </a:r>
-            <a:r>
-              <a:rPr lang="ko-KR" altLang="en-US" dirty="0" err="1" smtClean="0"/>
-              <a:t>세개</a:t>
-            </a:r>
-            <a:r>
-              <a:rPr lang="en-US" altLang="ko-KR" dirty="0" smtClean="0"/>
-              <a:t>~</a:t>
-            </a:r>
-            <a:r>
-              <a:rPr lang="ko-KR" altLang="en-US" dirty="0" err="1" smtClean="0"/>
-              <a:t>네개의</a:t>
-            </a:r>
-            <a:r>
-              <a:rPr lang="ko-KR" altLang="en-US" dirty="0" smtClean="0"/>
-              <a:t> </a:t>
-            </a:r>
-            <a:r>
-              <a:rPr lang="en-US" altLang="ko-KR" dirty="0" smtClean="0"/>
-              <a:t>div </a:t>
-            </a:r>
-            <a:r>
-              <a:rPr lang="ko-KR" altLang="en-US" dirty="0" smtClean="0"/>
-              <a:t>사용</a:t>
-            </a:r>
-            <a:endParaRPr lang="ko-KR" altLang="en-US" dirty="0"/>
-          </a:p>
-        </p:txBody>
-      </p:sp>
-      <p:sp>
-        <p:nvSpPr>
-          <p:cNvPr id="13" name="TextBox 12"/>
-          <p:cNvSpPr txBox="1"/>
-          <p:nvPr/>
-        </p:nvSpPr>
-        <p:spPr>
-          <a:xfrm>
-            <a:off x="182118" y="841938"/>
-            <a:ext cx="1755545" cy="369332"/>
-          </a:xfrm>
-          <a:prstGeom prst="rect">
-            <a:avLst/>
-          </a:prstGeom>
-          <a:noFill/>
-        </p:spPr>
-        <p:txBody>
-          <a:bodyPr wrap="none" rtlCol="0">
-            <a:spAutoFit/>
-          </a:bodyPr>
-          <a:lstStyle/>
-          <a:p>
-            <a:r>
-              <a:rPr lang="en-US" altLang="ko-KR" dirty="0" smtClean="0"/>
-              <a:t>&lt;div new_proj1&gt;</a:t>
-            </a:r>
-            <a:endParaRPr lang="ko-KR" altLang="en-US" dirty="0"/>
-          </a:p>
-        </p:txBody>
-      </p:sp>
-      <p:sp>
-        <p:nvSpPr>
-          <p:cNvPr id="31" name="TextBox 30"/>
-          <p:cNvSpPr txBox="1"/>
-          <p:nvPr/>
-        </p:nvSpPr>
-        <p:spPr>
-          <a:xfrm>
-            <a:off x="1940438" y="2116574"/>
-            <a:ext cx="877163" cy="369332"/>
-          </a:xfrm>
-          <a:prstGeom prst="rect">
-            <a:avLst/>
-          </a:prstGeom>
-          <a:noFill/>
-        </p:spPr>
-        <p:txBody>
-          <a:bodyPr wrap="none" rtlCol="0">
-            <a:spAutoFit/>
-          </a:bodyPr>
-          <a:lstStyle/>
-          <a:p>
-            <a:r>
-              <a:rPr lang="ko-KR" altLang="en-US" smtClean="0"/>
-              <a:t>썸네일</a:t>
-            </a:r>
-            <a:endParaRPr lang="ko-KR" altLang="en-US" dirty="0"/>
-          </a:p>
-        </p:txBody>
-      </p:sp>
-      <p:sp>
-        <p:nvSpPr>
-          <p:cNvPr id="32" name="TextBox 31"/>
-          <p:cNvSpPr txBox="1"/>
-          <p:nvPr/>
-        </p:nvSpPr>
-        <p:spPr>
-          <a:xfrm>
-            <a:off x="290947" y="3640312"/>
-            <a:ext cx="2526654" cy="369332"/>
-          </a:xfrm>
-          <a:prstGeom prst="rect">
-            <a:avLst/>
-          </a:prstGeom>
-          <a:noFill/>
-        </p:spPr>
-        <p:txBody>
-          <a:bodyPr wrap="none" rtlCol="0">
-            <a:spAutoFit/>
-          </a:bodyPr>
-          <a:lstStyle/>
-          <a:p>
-            <a:r>
-              <a:rPr lang="ko-KR" altLang="en-US" dirty="0" smtClean="0"/>
-              <a:t>카테고리 </a:t>
-            </a:r>
-            <a:r>
-              <a:rPr lang="en-US" altLang="ko-KR" dirty="0" smtClean="0"/>
-              <a:t>| </a:t>
-            </a:r>
-            <a:r>
-              <a:rPr lang="ko-KR" altLang="en-US" dirty="0" smtClean="0"/>
-              <a:t>프로젝트 명</a:t>
-            </a:r>
-            <a:endParaRPr lang="ko-KR" altLang="en-US" dirty="0"/>
-          </a:p>
-        </p:txBody>
-      </p:sp>
-      <p:sp>
-        <p:nvSpPr>
-          <p:cNvPr id="33" name="TextBox 32"/>
-          <p:cNvSpPr txBox="1"/>
-          <p:nvPr/>
-        </p:nvSpPr>
-        <p:spPr>
-          <a:xfrm>
-            <a:off x="290947" y="3949053"/>
-            <a:ext cx="877163" cy="369332"/>
-          </a:xfrm>
-          <a:prstGeom prst="rect">
-            <a:avLst/>
-          </a:prstGeom>
-          <a:noFill/>
-        </p:spPr>
-        <p:txBody>
-          <a:bodyPr wrap="none" rtlCol="0">
-            <a:spAutoFit/>
-          </a:bodyPr>
-          <a:lstStyle/>
-          <a:p>
-            <a:r>
-              <a:rPr lang="ko-KR" altLang="en-US" dirty="0" err="1" smtClean="0"/>
-              <a:t>달성</a:t>
-            </a:r>
-            <a:r>
-              <a:rPr lang="ko-KR" altLang="en-US" dirty="0" err="1"/>
-              <a:t>률</a:t>
-            </a:r>
-            <a:endParaRPr lang="ko-KR" altLang="en-US" dirty="0"/>
-          </a:p>
-        </p:txBody>
-      </p:sp>
-      <p:sp>
-        <p:nvSpPr>
-          <p:cNvPr id="34" name="하트 33"/>
-          <p:cNvSpPr/>
-          <p:nvPr/>
-        </p:nvSpPr>
-        <p:spPr>
-          <a:xfrm>
-            <a:off x="4323672" y="980766"/>
-            <a:ext cx="423360" cy="375476"/>
-          </a:xfrm>
-          <a:prstGeom prst="heart">
-            <a:avLst/>
-          </a:prstGeom>
-        </p:spPr>
-        <p:style>
-          <a:lnRef idx="2">
-            <a:schemeClr val="accent1">
-              <a:shade val="50000"/>
-            </a:schemeClr>
-          </a:lnRef>
-          <a:fillRef idx="1">
-            <a:schemeClr val="accent1"/>
-          </a:fillRef>
-          <a:effectRef idx="0">
-            <a:schemeClr val="accent1"/>
-          </a:effectRef>
-          <a:fontRef idx="minor">
-            <a:schemeClr val="lt1"/>
-          </a:fontRef>
-        </p:style>
-        <p:txBody>
-          <a:bodyPr rtlCol="0" anchor="ctr"/>
-          <a:lstStyle/>
-          <a:p>
-            <a:pPr algn="ctr"/>
-            <a:endParaRPr lang="ko-KR" altLang="en-US"/>
           </a:p>
         </p:txBody>
       </p:sp>
     </p:spTree>
     <p:extLst>
       <p:ext uri="{BB962C8B-B14F-4D97-AF65-F5344CB8AC3E}">
-        <p14:creationId xmlns:p14="http://schemas.microsoft.com/office/powerpoint/2010/main" val="4021926463"/>
+        <p14:creationId xmlns:p14="http://schemas.microsoft.com/office/powerpoint/2010/main" val="474057211"/>
       </p:ext>
     </p:extLst>
   </p:cSld>
@@ -5039,22 +4457,22 @@
       </p:grpSpPr>
       <p:sp>
         <p:nvSpPr>
-          <p:cNvPr id="3" name="직사각형 2"/>
+          <p:cNvPr id="7" name="직사각형 6"/>
           <p:cNvSpPr/>
           <p:nvPr/>
         </p:nvSpPr>
         <p:spPr>
           <a:xfrm>
-            <a:off x="0" y="1"/>
-            <a:ext cx="18859500" cy="865632"/>
+            <a:off x="182118" y="265176"/>
+            <a:ext cx="18495264" cy="646176"/>
           </a:xfrm>
           <a:prstGeom prst="rect">
             <a:avLst/>
           </a:prstGeom>
           <a:solidFill>
             <a:schemeClr val="accent1">
-              <a:lumMod val="40000"/>
-              <a:lumOff val="60000"/>
+              <a:lumMod val="20000"/>
+              <a:lumOff val="80000"/>
             </a:schemeClr>
           </a:solidFill>
         </p:spPr>
@@ -5085,20 +4503,19 @@
       </p:sp>
       <p:sp>
         <p:nvSpPr>
-          <p:cNvPr id="14" name="실행 단추: 사용자 지정 13">
-            <a:hlinkClick r:id="" action="ppaction://noaction" highlightClick="1"/>
-          </p:cNvPr>
+          <p:cNvPr id="4" name="직사각형 3"/>
           <p:cNvSpPr/>
           <p:nvPr/>
         </p:nvSpPr>
         <p:spPr>
           <a:xfrm>
-            <a:off x="0" y="-12192"/>
-            <a:ext cx="1109472" cy="865633"/>
-          </a:xfrm>
-          <a:prstGeom prst="actionButtonBlank">
-            <a:avLst/>
-          </a:prstGeom>
+            <a:off x="182118" y="265176"/>
+            <a:ext cx="18495264" cy="9924288"/>
+          </a:xfrm>
+          <a:prstGeom prst="rect">
+            <a:avLst/>
+          </a:prstGeom>
+          <a:noFill/>
         </p:spPr>
         <p:style>
           <a:lnRef idx="2">
@@ -5121,25 +4538,60 @@
           <a:lstStyle/>
           <a:p>
             <a:pPr algn="ctr"/>
-            <a:endParaRPr lang="ko-KR" altLang="en-US"/>
-          </a:p>
-        </p:txBody>
-      </p:sp>
-      <p:sp>
-        <p:nvSpPr>
-          <p:cNvPr id="2" name="직사각형 1"/>
+            <a:endParaRPr lang="ko-KR" altLang="en-US" dirty="0"/>
+          </a:p>
+        </p:txBody>
+      </p:sp>
+      <p:sp>
+        <p:nvSpPr>
+          <p:cNvPr id="5" name="TextBox 4"/>
+          <p:cNvSpPr txBox="1"/>
+          <p:nvPr/>
+        </p:nvSpPr>
+        <p:spPr>
+          <a:xfrm>
+            <a:off x="-86106" y="-63366"/>
+            <a:ext cx="1459054" cy="369332"/>
+          </a:xfrm>
+          <a:prstGeom prst="rect">
+            <a:avLst/>
+          </a:prstGeom>
+          <a:noFill/>
+        </p:spPr>
+        <p:txBody>
+          <a:bodyPr wrap="none" rtlCol="0">
+            <a:spAutoFit/>
+          </a:bodyPr>
+          <a:lstStyle/>
+          <a:p>
+            <a:r>
+              <a:rPr lang="en-US" altLang="ko-KR" dirty="0" err="1" smtClean="0"/>
+              <a:t>Main_section</a:t>
+            </a:r>
+            <a:endParaRPr lang="ko-KR" altLang="en-US" dirty="0"/>
+          </a:p>
+        </p:txBody>
+      </p:sp>
+      <p:sp>
+        <p:nvSpPr>
+          <p:cNvPr id="8" name="직사각형 7"/>
           <p:cNvSpPr/>
           <p:nvPr/>
         </p:nvSpPr>
         <p:spPr>
           <a:xfrm>
-            <a:off x="0" y="1"/>
-            <a:ext cx="18859500" cy="865632"/>
-          </a:xfrm>
-          <a:prstGeom prst="rect">
-            <a:avLst/>
-          </a:prstGeom>
-          <a:noFill/>
+            <a:off x="182118" y="911352"/>
+            <a:ext cx="4621386" cy="3451860"/>
+          </a:xfrm>
+          <a:prstGeom prst="rect">
+            <a:avLst/>
+          </a:prstGeom>
+          <a:solidFill>
+            <a:schemeClr val="accent1">
+              <a:lumMod val="40000"/>
+              <a:lumOff val="60000"/>
+            </a:schemeClr>
+          </a:solidFill>
         </p:spPr>
         <p:style>
           <a:lnRef idx="2">
@@ -5158,125 +4610,11 @@
           </a:fontRef>
         </p:style>
         <p:txBody>
-          <a:bodyPr rot="0" spcFirstLastPara="0" vertOverflow="overflow" horzOverflow="overflow" vert="horz" wrap="square" lIns="91440" tIns="45720" rIns="91440" bIns="45720" numCol="1" spcCol="0" rtlCol="0" fromWordArt="0" anchor="ctr" anchorCtr="0" forceAA="0" compatLnSpc="1">
-            <a:prstTxWarp prst="textNoShape">
-              <a:avLst/>
-            </a:prstTxWarp>
-            <a:noAutofit/>
-          </a:bodyPr>
+          <a:bodyPr rtlCol="0" anchor="ctr"/>
           <a:lstStyle/>
           <a:p>
             <a:pPr algn="ctr"/>
-            <a:endParaRPr lang="ko-KR" altLang="en-US" dirty="0">
-              <a:solidFill>
-                <a:schemeClr val="tx1"/>
-              </a:solidFill>
-            </a:endParaRPr>
-          </a:p>
-        </p:txBody>
-      </p:sp>
-      <p:sp>
-        <p:nvSpPr>
-          <p:cNvPr id="5" name="TextBox 4"/>
-          <p:cNvSpPr txBox="1"/>
-          <p:nvPr/>
-        </p:nvSpPr>
-        <p:spPr>
-          <a:xfrm>
-            <a:off x="8672492" y="250490"/>
-            <a:ext cx="1514517" cy="369332"/>
-          </a:xfrm>
-          <a:prstGeom prst="rect">
-            <a:avLst/>
-          </a:prstGeom>
-          <a:noFill/>
-        </p:spPr>
-        <p:txBody>
-          <a:bodyPr wrap="none" rtlCol="0">
-            <a:spAutoFit/>
-          </a:bodyPr>
-          <a:lstStyle/>
-          <a:p>
-            <a:r>
-              <a:rPr lang="en-US" altLang="ko-KR" dirty="0" smtClean="0"/>
-              <a:t>&lt;</a:t>
-            </a:r>
-            <a:r>
-              <a:rPr lang="en-US" altLang="ko-KR" dirty="0" err="1" smtClean="0"/>
-              <a:t>header_top</a:t>
-            </a:r>
-            <a:r>
-              <a:rPr lang="en-US" altLang="ko-KR" dirty="0" smtClean="0"/>
-              <a:t>&gt;</a:t>
-            </a:r>
-            <a:endParaRPr lang="ko-KR" altLang="en-US" dirty="0"/>
-          </a:p>
-        </p:txBody>
-      </p:sp>
-      <p:sp>
-        <p:nvSpPr>
-          <p:cNvPr id="6" name="TextBox 5"/>
-          <p:cNvSpPr txBox="1"/>
-          <p:nvPr/>
-        </p:nvSpPr>
-        <p:spPr>
-          <a:xfrm>
-            <a:off x="18118592" y="19028"/>
-            <a:ext cx="740908" cy="369332"/>
-          </a:xfrm>
-          <a:prstGeom prst="rect">
-            <a:avLst/>
-          </a:prstGeom>
-          <a:noFill/>
-        </p:spPr>
-        <p:txBody>
-          <a:bodyPr wrap="none" rtlCol="0">
-            <a:spAutoFit/>
-          </a:bodyPr>
-          <a:lstStyle/>
-          <a:p>
-            <a:r>
-              <a:rPr lang="en-US" altLang="ko-KR" dirty="0" smtClean="0"/>
-              <a:t>Menu</a:t>
-            </a:r>
-            <a:endParaRPr lang="ko-KR" altLang="en-US" dirty="0"/>
-          </a:p>
-        </p:txBody>
-      </p:sp>
-      <p:sp>
-        <p:nvSpPr>
-          <p:cNvPr id="8" name="TextBox 7"/>
-          <p:cNvSpPr txBox="1"/>
-          <p:nvPr/>
-        </p:nvSpPr>
-        <p:spPr>
-          <a:xfrm>
-            <a:off x="144559" y="124814"/>
-            <a:ext cx="820353" cy="646331"/>
-          </a:xfrm>
-          <a:prstGeom prst="rect">
-            <a:avLst/>
-          </a:prstGeom>
-          <a:noFill/>
-        </p:spPr>
-        <p:txBody>
-          <a:bodyPr wrap="none" rtlCol="0">
-            <a:spAutoFit/>
-          </a:bodyPr>
-          <a:lstStyle/>
-          <a:p>
-            <a:r>
-              <a:rPr lang="en-US" altLang="ko-KR" dirty="0" err="1" smtClean="0"/>
-              <a:t>Cancle</a:t>
-            </a:r>
-            <a:endParaRPr lang="en-US" altLang="ko-KR" dirty="0" smtClean="0"/>
-          </a:p>
-          <a:p>
-            <a:r>
-              <a:rPr lang="en-US" altLang="ko-KR" dirty="0" smtClean="0"/>
-              <a:t>button</a:t>
-            </a:r>
-            <a:endParaRPr lang="ko-KR" altLang="en-US" dirty="0"/>
+            <a:endParaRPr lang="ko-KR" altLang="en-US"/>
           </a:p>
         </p:txBody>
       </p:sp>
@@ -5288,13 +4626,18 @@
         </p:nvSpPr>
         <p:spPr>
           <a:xfrm>
-            <a:off x="0" y="865633"/>
-            <a:ext cx="18859500" cy="865632"/>
-          </a:xfrm>
-          <a:prstGeom prst="rect">
-            <a:avLst/>
-          </a:prstGeom>
-          <a:noFill/>
+            <a:off x="14075436" y="911352"/>
+            <a:ext cx="4601946" cy="3451860"/>
+          </a:xfrm>
+          <a:prstGeom prst="rect">
+            <a:avLst/>
+          </a:prstGeom>
+          <a:solidFill>
+            <a:schemeClr val="accent1">
+              <a:lumMod val="40000"/>
+              <a:lumOff val="60000"/>
+            </a:schemeClr>
+          </a:solidFill>
         </p:spPr>
         <p:style>
           <a:lnRef idx="2">
@@ -5313,20 +4656,11 @@
           </a:fontRef>
         </p:style>
         <p:txBody>
-          <a:bodyPr rot="0" spcFirstLastPara="0" vertOverflow="overflow" horzOverflow="overflow" vert="horz" wrap="square" lIns="91440" tIns="45720" rIns="91440" bIns="45720" numCol="1" spcCol="0" rtlCol="0" fromWordArt="0" anchor="ctr" anchorCtr="0" forceAA="0" compatLnSpc="1">
-            <a:prstTxWarp prst="textNoShape">
-              <a:avLst/>
-            </a:prstTxWarp>
-            <a:noAutofit/>
-          </a:bodyPr>
+          <a:bodyPr rtlCol="0" anchor="ctr"/>
           <a:lstStyle/>
           <a:p>
             <a:pPr algn="ctr"/>
-            <a:endParaRPr lang="ko-KR" altLang="en-US" dirty="0">
-              <a:solidFill>
-                <a:schemeClr val="tx1"/>
-              </a:solidFill>
-            </a:endParaRPr>
+            <a:endParaRPr lang="ko-KR" altLang="en-US"/>
           </a:p>
         </p:txBody>
       </p:sp>
@@ -5338,13 +4672,18 @@
         </p:nvSpPr>
         <p:spPr>
           <a:xfrm>
-            <a:off x="0" y="1731265"/>
-            <a:ext cx="18859500" cy="8555735"/>
-          </a:xfrm>
-          <a:prstGeom prst="rect">
-            <a:avLst/>
-          </a:prstGeom>
-          <a:noFill/>
+            <a:off x="9444330" y="911352"/>
+            <a:ext cx="4621386" cy="3451860"/>
+          </a:xfrm>
+          <a:prstGeom prst="rect">
+            <a:avLst/>
+          </a:prstGeom>
+          <a:solidFill>
+            <a:schemeClr val="accent1">
+              <a:lumMod val="40000"/>
+              <a:lumOff val="60000"/>
+            </a:schemeClr>
+          </a:solidFill>
         </p:spPr>
         <p:style>
           <a:lnRef idx="2">
@@ -5363,33 +4702,70 @@
           </a:fontRef>
         </p:style>
         <p:txBody>
-          <a:bodyPr rot="0" spcFirstLastPara="0" vertOverflow="overflow" horzOverflow="overflow" vert="horz" wrap="square" lIns="91440" tIns="45720" rIns="91440" bIns="45720" numCol="1" spcCol="0" rtlCol="0" fromWordArt="0" anchor="ctr" anchorCtr="0" forceAA="0" compatLnSpc="1">
-            <a:prstTxWarp prst="textNoShape">
-              <a:avLst/>
-            </a:prstTxWarp>
-            <a:noAutofit/>
-          </a:bodyPr>
+          <a:bodyPr rtlCol="0" anchor="ctr"/>
           <a:lstStyle/>
           <a:p>
             <a:pPr algn="ctr"/>
-            <a:endParaRPr lang="ko-KR" altLang="en-US" dirty="0">
-              <a:solidFill>
-                <a:schemeClr val="tx1"/>
-              </a:solidFill>
-            </a:endParaRPr>
-          </a:p>
-        </p:txBody>
-      </p:sp>
-      <p:sp>
-        <p:nvSpPr>
-          <p:cNvPr id="11" name="TextBox 10"/>
+            <a:endParaRPr lang="ko-KR" altLang="en-US"/>
+          </a:p>
+        </p:txBody>
+      </p:sp>
+      <p:sp>
+        <p:nvSpPr>
+          <p:cNvPr id="11" name="직사각형 10"/>
+          <p:cNvSpPr/>
+          <p:nvPr/>
+        </p:nvSpPr>
+        <p:spPr>
+          <a:xfrm>
+            <a:off x="4813224" y="911352"/>
+            <a:ext cx="4621386" cy="3451860"/>
+          </a:xfrm>
+          <a:prstGeom prst="rect">
+            <a:avLst/>
+          </a:prstGeom>
+          <a:solidFill>
+            <a:schemeClr val="accent1">
+              <a:lumMod val="40000"/>
+              <a:lumOff val="60000"/>
+            </a:schemeClr>
+          </a:solidFill>
+        </p:spPr>
+        <p:style>
+          <a:lnRef idx="2">
+            <a:schemeClr val="accent1">
+              <a:shade val="50000"/>
+            </a:schemeClr>
+          </a:lnRef>
+          <a:fillRef idx="1">
+            <a:schemeClr val="accent1"/>
+          </a:fillRef>
+          <a:effectRef idx="0">
+            <a:schemeClr val="accent1"/>
+          </a:effectRef>
+          <a:fontRef idx="minor">
+            <a:schemeClr val="lt1"/>
+          </a:fontRef>
+        </p:style>
+        <p:txBody>
+          <a:bodyPr rtlCol="0" anchor="ctr"/>
+          <a:lstStyle/>
+          <a:p>
+            <a:pPr algn="ctr"/>
+            <a:endParaRPr lang="ko-KR" altLang="en-US"/>
+          </a:p>
+        </p:txBody>
+      </p:sp>
+      <p:sp>
+        <p:nvSpPr>
+          <p:cNvPr id="12" name="TextBox 11"/>
           <p:cNvSpPr txBox="1"/>
           <p:nvPr/>
         </p:nvSpPr>
         <p:spPr>
           <a:xfrm>
-            <a:off x="187231" y="1105349"/>
-            <a:ext cx="1248868" cy="369332"/>
+            <a:off x="1965720" y="390644"/>
+            <a:ext cx="2651688" cy="369332"/>
           </a:xfrm>
           <a:prstGeom prst="rect">
             <a:avLst/>
@@ -5404,15 +4780,15 @@
           <a:p>
             <a:r>
               <a:rPr lang="en-US" altLang="ko-KR" dirty="0" smtClean="0"/>
-              <a:t>&lt;div </a:t>
-            </a:r>
-            <a:r>
-              <a:rPr lang="en-US" altLang="ko-KR" dirty="0" err="1" smtClean="0"/>
-              <a:t>serch</a:t>
-            </a:r>
-            <a:r>
-              <a:rPr lang="en-US" altLang="ko-KR" dirty="0" smtClean="0"/>
-              <a:t>&gt;</a:t>
+              <a:t>&lt;h2&gt;</a:t>
+            </a:r>
+            <a:r>
+              <a:rPr lang="ko-KR" altLang="en-US" dirty="0" smtClean="0"/>
+              <a:t>신규 프로젝트</a:t>
+            </a:r>
+            <a:r>
+              <a:rPr lang="en-US" altLang="ko-KR" dirty="0" smtClean="0"/>
+              <a:t>&lt;/h2&gt;</a:t>
             </a:r>
             <a:endParaRPr lang="ko-KR" altLang="en-US" dirty="0"/>
           </a:p>
@@ -5420,14 +4796,14 @@
       </p:sp>
       <p:sp>
         <p:nvSpPr>
-          <p:cNvPr id="12" name="TextBox 11"/>
+          <p:cNvPr id="14" name="TextBox 13"/>
           <p:cNvSpPr txBox="1"/>
           <p:nvPr/>
         </p:nvSpPr>
         <p:spPr>
           <a:xfrm>
-            <a:off x="187231" y="1825753"/>
-            <a:ext cx="4042582" cy="5864106"/>
+            <a:off x="6251533" y="2456164"/>
+            <a:ext cx="1755545" cy="369332"/>
           </a:xfrm>
           <a:prstGeom prst="rect">
             <a:avLst/>
@@ -5440,232 +4816,826 @@
           </a:bodyPr>
           <a:lstStyle/>
           <a:p>
-            <a:pPr>
-              <a:lnSpc>
-                <a:spcPct val="150000"/>
-              </a:lnSpc>
-            </a:pPr>
-            <a:r>
-              <a:rPr lang="en-US" altLang="ko-KR" dirty="0" smtClean="0"/>
-              <a:t>&lt;div </a:t>
-            </a:r>
-            <a:r>
-              <a:rPr lang="en-US" altLang="ko-KR" dirty="0" err="1" smtClean="0"/>
-              <a:t>project_all</a:t>
-            </a:r>
-            <a:r>
-              <a:rPr lang="en-US" altLang="ko-KR" dirty="0" smtClean="0"/>
-              <a:t>&gt; </a:t>
+            <a:r>
+              <a:rPr lang="en-US" altLang="ko-KR" dirty="0" smtClean="0"/>
+              <a:t>&lt;div new_proj2&gt;</a:t>
+            </a:r>
+            <a:endParaRPr lang="ko-KR" altLang="en-US" dirty="0"/>
+          </a:p>
+        </p:txBody>
+      </p:sp>
+      <p:sp>
+        <p:nvSpPr>
+          <p:cNvPr id="15" name="TextBox 14"/>
+          <p:cNvSpPr txBox="1"/>
+          <p:nvPr/>
+        </p:nvSpPr>
+        <p:spPr>
+          <a:xfrm>
+            <a:off x="10872919" y="2456164"/>
+            <a:ext cx="1755545" cy="369332"/>
+          </a:xfrm>
+          <a:prstGeom prst="rect">
+            <a:avLst/>
+          </a:prstGeom>
+          <a:noFill/>
+        </p:spPr>
+        <p:txBody>
+          <a:bodyPr wrap="none" rtlCol="0">
+            <a:spAutoFit/>
+          </a:bodyPr>
+          <a:lstStyle/>
+          <a:p>
+            <a:r>
+              <a:rPr lang="en-US" altLang="ko-KR" dirty="0" smtClean="0"/>
+              <a:t>&lt;div new_proj3&gt;</a:t>
+            </a:r>
+            <a:endParaRPr lang="ko-KR" altLang="en-US" dirty="0"/>
+          </a:p>
+        </p:txBody>
+      </p:sp>
+      <p:sp>
+        <p:nvSpPr>
+          <p:cNvPr id="16" name="TextBox 15"/>
+          <p:cNvSpPr txBox="1"/>
+          <p:nvPr/>
+        </p:nvSpPr>
+        <p:spPr>
+          <a:xfrm>
+            <a:off x="15498636" y="2457164"/>
+            <a:ext cx="1755545" cy="369332"/>
+          </a:xfrm>
+          <a:prstGeom prst="rect">
+            <a:avLst/>
+          </a:prstGeom>
+          <a:noFill/>
+        </p:spPr>
+        <p:txBody>
+          <a:bodyPr wrap="none" rtlCol="0">
+            <a:spAutoFit/>
+          </a:bodyPr>
+          <a:lstStyle/>
+          <a:p>
+            <a:r>
+              <a:rPr lang="en-US" altLang="ko-KR" dirty="0" smtClean="0"/>
+              <a:t>&lt;div new_proj4&gt;</a:t>
+            </a:r>
+            <a:endParaRPr lang="ko-KR" altLang="en-US" dirty="0"/>
+          </a:p>
+        </p:txBody>
+      </p:sp>
+      <p:sp>
+        <p:nvSpPr>
+          <p:cNvPr id="17" name="직사각형 16"/>
+          <p:cNvSpPr/>
+          <p:nvPr/>
+        </p:nvSpPr>
+        <p:spPr>
+          <a:xfrm>
+            <a:off x="187062" y="4370308"/>
+            <a:ext cx="18495264" cy="646176"/>
+          </a:xfrm>
+          <a:prstGeom prst="rect">
+            <a:avLst/>
+          </a:prstGeom>
+          <a:solidFill>
+            <a:schemeClr val="accent1">
+              <a:lumMod val="20000"/>
+              <a:lumOff val="80000"/>
+            </a:schemeClr>
+          </a:solidFill>
+        </p:spPr>
+        <p:style>
+          <a:lnRef idx="2">
+            <a:schemeClr val="accent1">
+              <a:shade val="50000"/>
+            </a:schemeClr>
+          </a:lnRef>
+          <a:fillRef idx="1">
+            <a:schemeClr val="accent1"/>
+          </a:fillRef>
+          <a:effectRef idx="0">
+            <a:schemeClr val="accent1"/>
+          </a:effectRef>
+          <a:fontRef idx="minor">
+            <a:schemeClr val="lt1"/>
+          </a:fontRef>
+        </p:style>
+        <p:txBody>
+          <a:bodyPr rtlCol="0" anchor="ctr"/>
+          <a:lstStyle/>
+          <a:p>
+            <a:pPr algn="ctr"/>
+            <a:endParaRPr lang="ko-KR" altLang="en-US"/>
+          </a:p>
+        </p:txBody>
+      </p:sp>
+      <p:sp>
+        <p:nvSpPr>
+          <p:cNvPr id="18" name="직사각형 17"/>
+          <p:cNvSpPr/>
+          <p:nvPr/>
+        </p:nvSpPr>
+        <p:spPr>
+          <a:xfrm>
+            <a:off x="184590" y="5028676"/>
+            <a:ext cx="4621386" cy="3451860"/>
+          </a:xfrm>
+          <a:prstGeom prst="rect">
+            <a:avLst/>
+          </a:prstGeom>
+          <a:solidFill>
+            <a:schemeClr val="accent1">
+              <a:lumMod val="40000"/>
+              <a:lumOff val="60000"/>
+            </a:schemeClr>
+          </a:solidFill>
+        </p:spPr>
+        <p:style>
+          <a:lnRef idx="2">
+            <a:schemeClr val="accent1">
+              <a:shade val="50000"/>
+            </a:schemeClr>
+          </a:lnRef>
+          <a:fillRef idx="1">
+            <a:schemeClr val="accent1"/>
+          </a:fillRef>
+          <a:effectRef idx="0">
+            <a:schemeClr val="accent1"/>
+          </a:effectRef>
+          <a:fontRef idx="minor">
+            <a:schemeClr val="lt1"/>
+          </a:fontRef>
+        </p:style>
+        <p:txBody>
+          <a:bodyPr rtlCol="0" anchor="ctr"/>
+          <a:lstStyle/>
+          <a:p>
+            <a:pPr algn="ctr"/>
+            <a:endParaRPr lang="ko-KR" altLang="en-US"/>
+          </a:p>
+        </p:txBody>
+      </p:sp>
+      <p:sp>
+        <p:nvSpPr>
+          <p:cNvPr id="19" name="직사각형 18"/>
+          <p:cNvSpPr/>
+          <p:nvPr/>
+        </p:nvSpPr>
+        <p:spPr>
+          <a:xfrm>
+            <a:off x="14077908" y="5028676"/>
+            <a:ext cx="4601946" cy="3451860"/>
+          </a:xfrm>
+          <a:prstGeom prst="rect">
+            <a:avLst/>
+          </a:prstGeom>
+          <a:solidFill>
+            <a:schemeClr val="accent1">
+              <a:lumMod val="40000"/>
+              <a:lumOff val="60000"/>
+            </a:schemeClr>
+          </a:solidFill>
+        </p:spPr>
+        <p:style>
+          <a:lnRef idx="2">
+            <a:schemeClr val="accent1">
+              <a:shade val="50000"/>
+            </a:schemeClr>
+          </a:lnRef>
+          <a:fillRef idx="1">
+            <a:schemeClr val="accent1"/>
+          </a:fillRef>
+          <a:effectRef idx="0">
+            <a:schemeClr val="accent1"/>
+          </a:effectRef>
+          <a:fontRef idx="minor">
+            <a:schemeClr val="lt1"/>
+          </a:fontRef>
+        </p:style>
+        <p:txBody>
+          <a:bodyPr rtlCol="0" anchor="ctr"/>
+          <a:lstStyle/>
+          <a:p>
+            <a:pPr algn="ctr"/>
+            <a:endParaRPr lang="ko-KR" altLang="en-US"/>
+          </a:p>
+        </p:txBody>
+      </p:sp>
+      <p:sp>
+        <p:nvSpPr>
+          <p:cNvPr id="20" name="직사각형 19"/>
+          <p:cNvSpPr/>
+          <p:nvPr/>
+        </p:nvSpPr>
+        <p:spPr>
+          <a:xfrm>
+            <a:off x="9446802" y="5028676"/>
+            <a:ext cx="4621386" cy="3451860"/>
+          </a:xfrm>
+          <a:prstGeom prst="rect">
+            <a:avLst/>
+          </a:prstGeom>
+          <a:solidFill>
+            <a:schemeClr val="accent1">
+              <a:lumMod val="40000"/>
+              <a:lumOff val="60000"/>
+            </a:schemeClr>
+          </a:solidFill>
+        </p:spPr>
+        <p:style>
+          <a:lnRef idx="2">
+            <a:schemeClr val="accent1">
+              <a:shade val="50000"/>
+            </a:schemeClr>
+          </a:lnRef>
+          <a:fillRef idx="1">
+            <a:schemeClr val="accent1"/>
+          </a:fillRef>
+          <a:effectRef idx="0">
+            <a:schemeClr val="accent1"/>
+          </a:effectRef>
+          <a:fontRef idx="minor">
+            <a:schemeClr val="lt1"/>
+          </a:fontRef>
+        </p:style>
+        <p:txBody>
+          <a:bodyPr rtlCol="0" anchor="ctr"/>
+          <a:lstStyle/>
+          <a:p>
+            <a:pPr algn="ctr"/>
+            <a:endParaRPr lang="ko-KR" altLang="en-US"/>
+          </a:p>
+        </p:txBody>
+      </p:sp>
+      <p:sp>
+        <p:nvSpPr>
+          <p:cNvPr id="21" name="직사각형 20"/>
+          <p:cNvSpPr/>
+          <p:nvPr/>
+        </p:nvSpPr>
+        <p:spPr>
+          <a:xfrm>
+            <a:off x="4815696" y="5028676"/>
+            <a:ext cx="4621386" cy="3451860"/>
+          </a:xfrm>
+          <a:prstGeom prst="rect">
+            <a:avLst/>
+          </a:prstGeom>
+          <a:solidFill>
+            <a:schemeClr val="accent1">
+              <a:lumMod val="40000"/>
+              <a:lumOff val="60000"/>
+            </a:schemeClr>
+          </a:solidFill>
+        </p:spPr>
+        <p:style>
+          <a:lnRef idx="2">
+            <a:schemeClr val="accent1">
+              <a:shade val="50000"/>
+            </a:schemeClr>
+          </a:lnRef>
+          <a:fillRef idx="1">
+            <a:schemeClr val="accent1"/>
+          </a:fillRef>
+          <a:effectRef idx="0">
+            <a:schemeClr val="accent1"/>
+          </a:effectRef>
+          <a:fontRef idx="minor">
+            <a:schemeClr val="lt1"/>
+          </a:fontRef>
+        </p:style>
+        <p:txBody>
+          <a:bodyPr rtlCol="0" anchor="ctr"/>
+          <a:lstStyle/>
+          <a:p>
+            <a:pPr algn="ctr"/>
+            <a:endParaRPr lang="ko-KR" altLang="en-US"/>
+          </a:p>
+        </p:txBody>
+      </p:sp>
+      <p:sp>
+        <p:nvSpPr>
+          <p:cNvPr id="22" name="TextBox 21"/>
+          <p:cNvSpPr txBox="1"/>
+          <p:nvPr/>
+        </p:nvSpPr>
+        <p:spPr>
+          <a:xfrm>
+            <a:off x="1948806" y="4508730"/>
+            <a:ext cx="3397084" cy="369332"/>
+          </a:xfrm>
+          <a:prstGeom prst="rect">
+            <a:avLst/>
+          </a:prstGeom>
+          <a:noFill/>
+        </p:spPr>
+        <p:txBody>
+          <a:bodyPr wrap="none" rtlCol="0">
+            <a:spAutoFit/>
+          </a:bodyPr>
+          <a:lstStyle/>
+          <a:p>
+            <a:r>
+              <a:rPr lang="en-US" altLang="ko-KR" dirty="0" smtClean="0"/>
+              <a:t>&lt;h2&gt;</a:t>
             </a:r>
             <a:r>
               <a:rPr lang="ko-KR" altLang="en-US" dirty="0" smtClean="0"/>
-              <a:t>모든 프로젝트</a:t>
-            </a:r>
-          </a:p>
-          <a:p>
-            <a:pPr>
-              <a:lnSpc>
-                <a:spcPct val="150000"/>
-              </a:lnSpc>
-            </a:pPr>
-            <a:endParaRPr lang="en-US" altLang="ko-KR" dirty="0" smtClean="0"/>
-          </a:p>
-          <a:p>
-            <a:pPr>
-              <a:lnSpc>
-                <a:spcPct val="150000"/>
-              </a:lnSpc>
-            </a:pPr>
-            <a:r>
-              <a:rPr lang="en-US" altLang="ko-KR" dirty="0" smtClean="0"/>
-              <a:t>&lt;div </a:t>
-            </a:r>
-            <a:r>
-              <a:rPr lang="en-US" altLang="ko-KR" dirty="0" err="1" smtClean="0"/>
-              <a:t>project_rec</a:t>
-            </a:r>
-            <a:r>
-              <a:rPr lang="en-US" altLang="ko-KR" dirty="0" smtClean="0"/>
-              <a:t>&gt; </a:t>
+              <a:t>주목할 만한 프로젝트</a:t>
+            </a:r>
+            <a:r>
+              <a:rPr lang="en-US" altLang="ko-KR" dirty="0" smtClean="0"/>
+              <a:t>&lt;/h2&gt;</a:t>
+            </a:r>
+            <a:endParaRPr lang="ko-KR" altLang="en-US" dirty="0"/>
+          </a:p>
+        </p:txBody>
+      </p:sp>
+      <p:sp>
+        <p:nvSpPr>
+          <p:cNvPr id="23" name="TextBox 22"/>
+          <p:cNvSpPr txBox="1"/>
+          <p:nvPr/>
+        </p:nvSpPr>
+        <p:spPr>
+          <a:xfrm>
+            <a:off x="1519105" y="6561296"/>
+            <a:ext cx="1719830" cy="369332"/>
+          </a:xfrm>
+          <a:prstGeom prst="rect">
+            <a:avLst/>
+          </a:prstGeom>
+          <a:noFill/>
+        </p:spPr>
+        <p:txBody>
+          <a:bodyPr wrap="none" rtlCol="0">
+            <a:spAutoFit/>
+          </a:bodyPr>
+          <a:lstStyle/>
+          <a:p>
+            <a:r>
+              <a:rPr lang="en-US" altLang="ko-KR" dirty="0" smtClean="0"/>
+              <a:t>&lt;div pop_proj1&gt;</a:t>
+            </a:r>
+            <a:endParaRPr lang="ko-KR" altLang="en-US" dirty="0"/>
+          </a:p>
+        </p:txBody>
+      </p:sp>
+      <p:sp>
+        <p:nvSpPr>
+          <p:cNvPr id="24" name="TextBox 23"/>
+          <p:cNvSpPr txBox="1"/>
+          <p:nvPr/>
+        </p:nvSpPr>
+        <p:spPr>
+          <a:xfrm>
+            <a:off x="6241813" y="6561296"/>
+            <a:ext cx="1755545" cy="369332"/>
+          </a:xfrm>
+          <a:prstGeom prst="rect">
+            <a:avLst/>
+          </a:prstGeom>
+          <a:noFill/>
+        </p:spPr>
+        <p:txBody>
+          <a:bodyPr wrap="none" rtlCol="0">
+            <a:spAutoFit/>
+          </a:bodyPr>
+          <a:lstStyle/>
+          <a:p>
+            <a:r>
+              <a:rPr lang="en-US" altLang="ko-KR" dirty="0" smtClean="0"/>
+              <a:t>&lt;div pop_proj2&gt;</a:t>
+            </a:r>
+            <a:endParaRPr lang="ko-KR" altLang="en-US" dirty="0"/>
+          </a:p>
+        </p:txBody>
+      </p:sp>
+      <p:sp>
+        <p:nvSpPr>
+          <p:cNvPr id="25" name="TextBox 24"/>
+          <p:cNvSpPr txBox="1"/>
+          <p:nvPr/>
+        </p:nvSpPr>
+        <p:spPr>
+          <a:xfrm>
+            <a:off x="10863199" y="6561296"/>
+            <a:ext cx="1755545" cy="369332"/>
+          </a:xfrm>
+          <a:prstGeom prst="rect">
+            <a:avLst/>
+          </a:prstGeom>
+          <a:noFill/>
+        </p:spPr>
+        <p:txBody>
+          <a:bodyPr wrap="none" rtlCol="0">
+            <a:spAutoFit/>
+          </a:bodyPr>
+          <a:lstStyle/>
+          <a:p>
+            <a:r>
+              <a:rPr lang="en-US" altLang="ko-KR" dirty="0" smtClean="0"/>
+              <a:t>&lt;div pop_proj3&gt;</a:t>
+            </a:r>
+            <a:endParaRPr lang="ko-KR" altLang="en-US" dirty="0"/>
+          </a:p>
+        </p:txBody>
+      </p:sp>
+      <p:sp>
+        <p:nvSpPr>
+          <p:cNvPr id="26" name="TextBox 25"/>
+          <p:cNvSpPr txBox="1"/>
+          <p:nvPr/>
+        </p:nvSpPr>
+        <p:spPr>
+          <a:xfrm>
+            <a:off x="15488916" y="6562296"/>
+            <a:ext cx="1755545" cy="369332"/>
+          </a:xfrm>
+          <a:prstGeom prst="rect">
+            <a:avLst/>
+          </a:prstGeom>
+          <a:noFill/>
+        </p:spPr>
+        <p:txBody>
+          <a:bodyPr wrap="none" rtlCol="0">
+            <a:spAutoFit/>
+          </a:bodyPr>
+          <a:lstStyle/>
+          <a:p>
+            <a:r>
+              <a:rPr lang="en-US" altLang="ko-KR" dirty="0" smtClean="0"/>
+              <a:t>&lt;div pop_proj4&gt;</a:t>
+            </a:r>
+            <a:endParaRPr lang="ko-KR" altLang="en-US" dirty="0"/>
+          </a:p>
+        </p:txBody>
+      </p:sp>
+      <p:sp>
+        <p:nvSpPr>
+          <p:cNvPr id="27" name="직사각형 26"/>
+          <p:cNvSpPr/>
+          <p:nvPr/>
+        </p:nvSpPr>
+        <p:spPr>
+          <a:xfrm>
+            <a:off x="187062" y="8499824"/>
+            <a:ext cx="18495264" cy="646176"/>
+          </a:xfrm>
+          <a:prstGeom prst="rect">
+            <a:avLst/>
+          </a:prstGeom>
+          <a:solidFill>
+            <a:schemeClr val="accent1">
+              <a:lumMod val="20000"/>
+              <a:lumOff val="80000"/>
+            </a:schemeClr>
+          </a:solidFill>
+        </p:spPr>
+        <p:style>
+          <a:lnRef idx="2">
+            <a:schemeClr val="accent1">
+              <a:shade val="50000"/>
+            </a:schemeClr>
+          </a:lnRef>
+          <a:fillRef idx="1">
+            <a:schemeClr val="accent1"/>
+          </a:fillRef>
+          <a:effectRef idx="0">
+            <a:schemeClr val="accent1"/>
+          </a:effectRef>
+          <a:fontRef idx="minor">
+            <a:schemeClr val="lt1"/>
+          </a:fontRef>
+        </p:style>
+        <p:txBody>
+          <a:bodyPr rtlCol="0" anchor="ctr"/>
+          <a:lstStyle/>
+          <a:p>
+            <a:pPr algn="ctr"/>
+            <a:endParaRPr lang="ko-KR" altLang="en-US"/>
+          </a:p>
+        </p:txBody>
+      </p:sp>
+      <p:sp>
+        <p:nvSpPr>
+          <p:cNvPr id="28" name="TextBox 27"/>
+          <p:cNvSpPr txBox="1"/>
+          <p:nvPr/>
+        </p:nvSpPr>
+        <p:spPr>
+          <a:xfrm>
+            <a:off x="1948806" y="8662630"/>
+            <a:ext cx="3166251" cy="369332"/>
+          </a:xfrm>
+          <a:prstGeom prst="rect">
+            <a:avLst/>
+          </a:prstGeom>
+          <a:noFill/>
+        </p:spPr>
+        <p:txBody>
+          <a:bodyPr wrap="none" rtlCol="0">
+            <a:spAutoFit/>
+          </a:bodyPr>
+          <a:lstStyle/>
+          <a:p>
+            <a:r>
+              <a:rPr lang="en-US" altLang="ko-KR" dirty="0" smtClean="0"/>
+              <a:t>&lt;h2&gt;</a:t>
             </a:r>
             <a:r>
               <a:rPr lang="ko-KR" altLang="en-US" dirty="0" smtClean="0"/>
-              <a:t>추천 프로젝트</a:t>
-            </a:r>
-          </a:p>
-          <a:p>
-            <a:pPr>
-              <a:lnSpc>
-                <a:spcPct val="150000"/>
-              </a:lnSpc>
-            </a:pPr>
-            <a:endParaRPr lang="en-US" altLang="ko-KR" dirty="0" smtClean="0"/>
-          </a:p>
-          <a:p>
-            <a:pPr>
-              <a:lnSpc>
-                <a:spcPct val="150000"/>
-              </a:lnSpc>
-            </a:pPr>
-            <a:r>
-              <a:rPr lang="en-US" altLang="ko-KR" dirty="0" smtClean="0"/>
-              <a:t>&lt;div </a:t>
-            </a:r>
-            <a:r>
-              <a:rPr lang="en-US" altLang="ko-KR" dirty="0" err="1" smtClean="0"/>
-              <a:t>project_finish</a:t>
-            </a:r>
-            <a:r>
-              <a:rPr lang="en-US" altLang="ko-KR" dirty="0" smtClean="0"/>
-              <a:t>&gt; </a:t>
+              <a:t>마감 임박 프로젝트</a:t>
+            </a:r>
+            <a:r>
+              <a:rPr lang="en-US" altLang="ko-KR" dirty="0" smtClean="0"/>
+              <a:t>&lt;/h2&gt;</a:t>
+            </a:r>
+            <a:endParaRPr lang="ko-KR" altLang="en-US" dirty="0"/>
+          </a:p>
+        </p:txBody>
+      </p:sp>
+      <p:sp>
+        <p:nvSpPr>
+          <p:cNvPr id="30" name="직사각형 29"/>
+          <p:cNvSpPr/>
+          <p:nvPr/>
+        </p:nvSpPr>
+        <p:spPr>
+          <a:xfrm>
+            <a:off x="303718" y="1026604"/>
+            <a:ext cx="4386842" cy="2557844"/>
+          </a:xfrm>
+          <a:prstGeom prst="rect">
+            <a:avLst/>
+          </a:prstGeom>
+          <a:solidFill>
+            <a:schemeClr val="accent1">
+              <a:lumMod val="60000"/>
+              <a:lumOff val="40000"/>
+            </a:schemeClr>
+          </a:solidFill>
+        </p:spPr>
+        <p:style>
+          <a:lnRef idx="2">
+            <a:schemeClr val="accent1">
+              <a:shade val="50000"/>
+            </a:schemeClr>
+          </a:lnRef>
+          <a:fillRef idx="1">
+            <a:schemeClr val="accent1"/>
+          </a:fillRef>
+          <a:effectRef idx="0">
+            <a:schemeClr val="accent1"/>
+          </a:effectRef>
+          <a:fontRef idx="minor">
+            <a:schemeClr val="lt1"/>
+          </a:fontRef>
+        </p:style>
+        <p:txBody>
+          <a:bodyPr rtlCol="0" anchor="ctr"/>
+          <a:lstStyle/>
+          <a:p>
+            <a:pPr algn="ctr"/>
+            <a:endParaRPr lang="ko-KR" altLang="en-US"/>
+          </a:p>
+        </p:txBody>
+      </p:sp>
+      <p:sp>
+        <p:nvSpPr>
+          <p:cNvPr id="29" name="TextBox 28"/>
+          <p:cNvSpPr txBox="1"/>
+          <p:nvPr/>
+        </p:nvSpPr>
+        <p:spPr>
+          <a:xfrm>
+            <a:off x="7789069" y="9393150"/>
+            <a:ext cx="3310522" cy="369332"/>
+          </a:xfrm>
+          <a:prstGeom prst="rect">
+            <a:avLst/>
+          </a:prstGeom>
+          <a:noFill/>
+        </p:spPr>
+        <p:txBody>
+          <a:bodyPr wrap="none" rtlCol="0">
+            <a:spAutoFit/>
+          </a:bodyPr>
+          <a:lstStyle/>
+          <a:p>
+            <a:r>
+              <a:rPr lang="en-US" altLang="ko-KR" dirty="0" smtClean="0"/>
+              <a:t>… </a:t>
             </a:r>
             <a:r>
               <a:rPr lang="ko-KR" altLang="en-US" dirty="0" smtClean="0"/>
-              <a:t>성공 임박 프로젝트</a:t>
-            </a:r>
-          </a:p>
-          <a:p>
-            <a:pPr>
-              <a:lnSpc>
-                <a:spcPct val="150000"/>
-              </a:lnSpc>
-            </a:pPr>
-            <a:endParaRPr lang="en-US" altLang="ko-KR" dirty="0" smtClean="0"/>
-          </a:p>
-          <a:p>
-            <a:pPr>
-              <a:lnSpc>
-                <a:spcPct val="150000"/>
-              </a:lnSpc>
-            </a:pPr>
-            <a:r>
-              <a:rPr lang="en-US" altLang="ko-KR" dirty="0" smtClean="0"/>
-              <a:t>&lt;div </a:t>
-            </a:r>
-            <a:r>
-              <a:rPr lang="en-US" altLang="ko-KR" dirty="0" err="1" smtClean="0"/>
-              <a:t>project_new</a:t>
-            </a:r>
-            <a:r>
-              <a:rPr lang="en-US" altLang="ko-KR" dirty="0" smtClean="0"/>
-              <a:t>&gt; </a:t>
+              <a:t>위 처럼 </a:t>
+            </a:r>
+            <a:r>
+              <a:rPr lang="ko-KR" altLang="en-US" dirty="0" err="1" smtClean="0"/>
+              <a:t>세개</a:t>
+            </a:r>
+            <a:r>
+              <a:rPr lang="en-US" altLang="ko-KR" dirty="0" smtClean="0"/>
+              <a:t>~</a:t>
+            </a:r>
+            <a:r>
+              <a:rPr lang="ko-KR" altLang="en-US" dirty="0" err="1" smtClean="0"/>
+              <a:t>네개의</a:t>
             </a:r>
             <a:r>
               <a:rPr lang="ko-KR" altLang="en-US" dirty="0" smtClean="0"/>
-              <a:t>신규 프로젝트</a:t>
-            </a:r>
-            <a:endParaRPr lang="en-US" altLang="ko-KR" dirty="0" smtClean="0"/>
-          </a:p>
-          <a:p>
-            <a:pPr>
-              <a:lnSpc>
-                <a:spcPct val="150000"/>
-              </a:lnSpc>
-            </a:pPr>
-            <a:endParaRPr lang="en-US" altLang="ko-KR" dirty="0" smtClean="0"/>
-          </a:p>
-          <a:p>
-            <a:pPr>
-              <a:lnSpc>
-                <a:spcPct val="150000"/>
-              </a:lnSpc>
-            </a:pPr>
-            <a:r>
-              <a:rPr lang="en-US" altLang="ko-KR" dirty="0" smtClean="0"/>
-              <a:t>&lt;h4&gt;</a:t>
+              <a:t> </a:t>
+            </a:r>
+            <a:r>
+              <a:rPr lang="en-US" altLang="ko-KR" dirty="0" smtClean="0"/>
+              <a:t>div </a:t>
             </a:r>
             <a:r>
               <a:rPr lang="ko-KR" altLang="en-US" dirty="0" smtClean="0"/>
-              <a:t>카테고리</a:t>
-            </a:r>
-            <a:r>
-              <a:rPr lang="en-US" altLang="ko-KR" dirty="0" smtClean="0"/>
-              <a:t>&lt;/h4&gt;</a:t>
-            </a:r>
-            <a:endParaRPr lang="en-US" altLang="ko-KR" dirty="0" smtClean="0"/>
-          </a:p>
-          <a:p>
-            <a:pPr>
-              <a:lnSpc>
-                <a:spcPct val="150000"/>
-              </a:lnSpc>
-            </a:pPr>
-            <a:r>
-              <a:rPr lang="en-US" altLang="ko-KR" dirty="0" smtClean="0"/>
-              <a:t>&lt;div project_cate1&gt; </a:t>
-            </a:r>
+              <a:t>사용</a:t>
+            </a:r>
+            <a:endParaRPr lang="ko-KR" altLang="en-US" dirty="0"/>
+          </a:p>
+        </p:txBody>
+      </p:sp>
+      <p:sp>
+        <p:nvSpPr>
+          <p:cNvPr id="13" name="TextBox 12"/>
+          <p:cNvSpPr txBox="1"/>
+          <p:nvPr/>
+        </p:nvSpPr>
+        <p:spPr>
+          <a:xfrm>
+            <a:off x="182118" y="841938"/>
+            <a:ext cx="1755545" cy="369332"/>
+          </a:xfrm>
+          <a:prstGeom prst="rect">
+            <a:avLst/>
+          </a:prstGeom>
+          <a:noFill/>
+        </p:spPr>
+        <p:txBody>
+          <a:bodyPr wrap="none" rtlCol="0">
+            <a:spAutoFit/>
+          </a:bodyPr>
+          <a:lstStyle/>
+          <a:p>
+            <a:r>
+              <a:rPr lang="en-US" altLang="ko-KR" dirty="0" smtClean="0"/>
+              <a:t>&lt;div new_proj1&gt;</a:t>
+            </a:r>
+            <a:endParaRPr lang="ko-KR" altLang="en-US" dirty="0"/>
+          </a:p>
+        </p:txBody>
+      </p:sp>
+      <p:sp>
+        <p:nvSpPr>
+          <p:cNvPr id="31" name="TextBox 30"/>
+          <p:cNvSpPr txBox="1"/>
+          <p:nvPr/>
+        </p:nvSpPr>
+        <p:spPr>
+          <a:xfrm>
+            <a:off x="1940438" y="2116574"/>
+            <a:ext cx="877163" cy="369332"/>
+          </a:xfrm>
+          <a:prstGeom prst="rect">
+            <a:avLst/>
+          </a:prstGeom>
+          <a:noFill/>
+        </p:spPr>
+        <p:txBody>
+          <a:bodyPr wrap="none" rtlCol="0">
+            <a:spAutoFit/>
+          </a:bodyPr>
+          <a:lstStyle/>
+          <a:p>
+            <a:r>
+              <a:rPr lang="ko-KR" altLang="en-US" smtClean="0"/>
+              <a:t>썸네일</a:t>
+            </a:r>
+            <a:endParaRPr lang="ko-KR" altLang="en-US" dirty="0"/>
+          </a:p>
+        </p:txBody>
+      </p:sp>
+      <p:sp>
+        <p:nvSpPr>
+          <p:cNvPr id="32" name="TextBox 31"/>
+          <p:cNvSpPr txBox="1"/>
+          <p:nvPr/>
+        </p:nvSpPr>
+        <p:spPr>
+          <a:xfrm>
+            <a:off x="290947" y="3640312"/>
+            <a:ext cx="2526654" cy="369332"/>
+          </a:xfrm>
+          <a:prstGeom prst="rect">
+            <a:avLst/>
+          </a:prstGeom>
+          <a:noFill/>
+        </p:spPr>
+        <p:txBody>
+          <a:bodyPr wrap="none" rtlCol="0">
+            <a:spAutoFit/>
+          </a:bodyPr>
+          <a:lstStyle/>
+          <a:p>
             <a:r>
               <a:rPr lang="ko-KR" altLang="en-US" dirty="0" smtClean="0"/>
-              <a:t>카테고리</a:t>
-            </a:r>
-            <a:r>
-              <a:rPr lang="en-US" altLang="ko-KR" dirty="0" smtClean="0"/>
-              <a:t>1</a:t>
-            </a:r>
-            <a:endParaRPr lang="ko-KR" altLang="en-US" dirty="0" smtClean="0"/>
-          </a:p>
-          <a:p>
-            <a:pPr>
-              <a:lnSpc>
-                <a:spcPct val="150000"/>
-              </a:lnSpc>
-            </a:pPr>
-            <a:endParaRPr lang="ko-KR" altLang="en-US" dirty="0" smtClean="0"/>
-          </a:p>
-          <a:p>
-            <a:pPr>
-              <a:lnSpc>
-                <a:spcPct val="150000"/>
-              </a:lnSpc>
-            </a:pPr>
-            <a:r>
-              <a:rPr lang="en-US" altLang="ko-KR" dirty="0" smtClean="0"/>
-              <a:t>&lt;div project_cate2&gt; </a:t>
+              <a:t>카테고리 </a:t>
+            </a:r>
+            <a:r>
+              <a:rPr lang="en-US" altLang="ko-KR" dirty="0" smtClean="0"/>
+              <a:t>| </a:t>
             </a:r>
             <a:r>
               <a:rPr lang="ko-KR" altLang="en-US" dirty="0" smtClean="0"/>
-              <a:t>카테고리</a:t>
-            </a:r>
-            <a:r>
-              <a:rPr lang="en-US" altLang="ko-KR" dirty="0"/>
-              <a:t>2</a:t>
-            </a:r>
-            <a:endParaRPr lang="ko-KR" altLang="en-US" dirty="0" smtClean="0"/>
-          </a:p>
-          <a:p>
-            <a:pPr>
-              <a:lnSpc>
-                <a:spcPct val="150000"/>
-              </a:lnSpc>
-            </a:pPr>
-            <a:endParaRPr lang="en-US" altLang="ko-KR" dirty="0" smtClean="0"/>
-          </a:p>
-          <a:p>
-            <a:pPr>
-              <a:lnSpc>
-                <a:spcPct val="150000"/>
-              </a:lnSpc>
-            </a:pPr>
-            <a:r>
-              <a:rPr lang="en-US" altLang="ko-KR" dirty="0" smtClean="0"/>
-              <a:t>&lt;div project_cate3&gt; </a:t>
-            </a:r>
-            <a:r>
-              <a:rPr lang="ko-KR" altLang="en-US" dirty="0" smtClean="0"/>
-              <a:t>카테고리</a:t>
-            </a:r>
-            <a:r>
-              <a:rPr lang="en-US" altLang="ko-KR" dirty="0"/>
-              <a:t>3</a:t>
-            </a:r>
-            <a:endParaRPr lang="ko-KR" altLang="en-US" dirty="0" smtClean="0"/>
+              <a:t>프로젝트 명</a:t>
+            </a:r>
+            <a:endParaRPr lang="ko-KR" altLang="en-US" dirty="0"/>
+          </a:p>
+        </p:txBody>
+      </p:sp>
+      <p:sp>
+        <p:nvSpPr>
+          <p:cNvPr id="33" name="TextBox 32"/>
+          <p:cNvSpPr txBox="1"/>
+          <p:nvPr/>
+        </p:nvSpPr>
+        <p:spPr>
+          <a:xfrm>
+            <a:off x="290947" y="3949053"/>
+            <a:ext cx="877163" cy="369332"/>
+          </a:xfrm>
+          <a:prstGeom prst="rect">
+            <a:avLst/>
+          </a:prstGeom>
+          <a:noFill/>
+        </p:spPr>
+        <p:txBody>
+          <a:bodyPr wrap="none" rtlCol="0">
+            <a:spAutoFit/>
+          </a:bodyPr>
+          <a:lstStyle/>
+          <a:p>
+            <a:r>
+              <a:rPr lang="ko-KR" altLang="en-US" dirty="0" err="1" smtClean="0"/>
+              <a:t>달성</a:t>
+            </a:r>
+            <a:r>
+              <a:rPr lang="ko-KR" altLang="en-US" dirty="0" err="1"/>
+              <a:t>률</a:t>
+            </a:r>
+            <a:endParaRPr lang="ko-KR" altLang="en-US" dirty="0"/>
+          </a:p>
+        </p:txBody>
+      </p:sp>
+      <p:sp>
+        <p:nvSpPr>
+          <p:cNvPr id="34" name="하트 33"/>
+          <p:cNvSpPr/>
+          <p:nvPr/>
+        </p:nvSpPr>
+        <p:spPr>
+          <a:xfrm>
+            <a:off x="4323672" y="980766"/>
+            <a:ext cx="423360" cy="375476"/>
+          </a:xfrm>
+          <a:prstGeom prst="heart">
+            <a:avLst/>
+          </a:prstGeom>
+        </p:spPr>
+        <p:style>
+          <a:lnRef idx="2">
+            <a:schemeClr val="accent1">
+              <a:shade val="50000"/>
+            </a:schemeClr>
+          </a:lnRef>
+          <a:fillRef idx="1">
+            <a:schemeClr val="accent1"/>
+          </a:fillRef>
+          <a:effectRef idx="0">
+            <a:schemeClr val="accent1"/>
+          </a:effectRef>
+          <a:fontRef idx="minor">
+            <a:schemeClr val="lt1"/>
+          </a:fontRef>
+        </p:style>
+        <p:txBody>
+          <a:bodyPr rtlCol="0" anchor="ctr"/>
+          <a:lstStyle/>
+          <a:p>
+            <a:pPr algn="ctr"/>
+            <a:endParaRPr lang="ko-KR" altLang="en-US"/>
           </a:p>
         </p:txBody>
       </p:sp>
     </p:spTree>
     <p:extLst>
       <p:ext uri="{BB962C8B-B14F-4D97-AF65-F5344CB8AC3E}">
-        <p14:creationId xmlns:p14="http://schemas.microsoft.com/office/powerpoint/2010/main" val="1129576940"/>
+        <p14:creationId xmlns:p14="http://schemas.microsoft.com/office/powerpoint/2010/main" val="4021926463"/>
       </p:ext>
     </p:extLst>
   </p:cSld>
@@ -5694,22 +5664,22 @@
       </p:grpSpPr>
       <p:sp>
         <p:nvSpPr>
-          <p:cNvPr id="7" name="직사각형 6"/>
+          <p:cNvPr id="3" name="직사각형 2"/>
           <p:cNvSpPr/>
           <p:nvPr/>
         </p:nvSpPr>
         <p:spPr>
           <a:xfrm>
-            <a:off x="182118" y="265176"/>
-            <a:ext cx="18495264" cy="646176"/>
+            <a:off x="0" y="1"/>
+            <a:ext cx="18859500" cy="865632"/>
           </a:xfrm>
           <a:prstGeom prst="rect">
             <a:avLst/>
           </a:prstGeom>
           <a:solidFill>
             <a:schemeClr val="accent1">
-              <a:lumMod val="20000"/>
-              <a:lumOff val="80000"/>
+              <a:lumMod val="40000"/>
+              <a:lumOff val="60000"/>
             </a:schemeClr>
           </a:solidFill>
         </p:spPr>
@@ -5740,19 +5710,20 @@
       </p:sp>
       <p:sp>
         <p:nvSpPr>
-          <p:cNvPr id="4" name="직사각형 3"/>
+          <p:cNvPr id="14" name="실행 단추: 사용자 지정 13">
+            <a:hlinkClick r:id="" action="ppaction://noaction" highlightClick="1"/>
+          </p:cNvPr>
           <p:cNvSpPr/>
           <p:nvPr/>
         </p:nvSpPr>
         <p:spPr>
           <a:xfrm>
-            <a:off x="182118" y="265176"/>
-            <a:ext cx="18495264" cy="9924288"/>
-          </a:xfrm>
-          <a:prstGeom prst="rect">
-            <a:avLst/>
-          </a:prstGeom>
-          <a:noFill/>
+            <a:off x="0" y="-12192"/>
+            <a:ext cx="1109472" cy="865633"/>
+          </a:xfrm>
+          <a:prstGeom prst="actionButtonBlank">
+            <a:avLst/>
+          </a:prstGeom>
         </p:spPr>
         <p:style>
           <a:lnRef idx="2">
@@ -5775,60 +5746,25 @@
           <a:lstStyle/>
           <a:p>
             <a:pPr algn="ctr"/>
-            <a:endParaRPr lang="ko-KR" altLang="en-US" dirty="0"/>
-          </a:p>
-        </p:txBody>
-      </p:sp>
-      <p:sp>
-        <p:nvSpPr>
-          <p:cNvPr id="5" name="TextBox 4"/>
-          <p:cNvSpPr txBox="1"/>
-          <p:nvPr/>
-        </p:nvSpPr>
-        <p:spPr>
-          <a:xfrm>
-            <a:off x="-2322" y="-88392"/>
-            <a:ext cx="1291379" cy="369332"/>
+            <a:endParaRPr lang="ko-KR" altLang="en-US"/>
+          </a:p>
+        </p:txBody>
+      </p:sp>
+      <p:sp>
+        <p:nvSpPr>
+          <p:cNvPr id="2" name="직사각형 1"/>
+          <p:cNvSpPr/>
+          <p:nvPr/>
+        </p:nvSpPr>
+        <p:spPr>
+          <a:xfrm>
+            <a:off x="0" y="1"/>
+            <a:ext cx="18859500" cy="865632"/>
           </a:xfrm>
           <a:prstGeom prst="rect">
             <a:avLst/>
           </a:prstGeom>
           <a:noFill/>
-        </p:spPr>
-        <p:txBody>
-          <a:bodyPr wrap="none" rtlCol="0">
-            <a:spAutoFit/>
-          </a:bodyPr>
-          <a:lstStyle/>
-          <a:p>
-            <a:r>
-              <a:rPr lang="en-US" altLang="ko-KR" dirty="0" err="1" smtClean="0"/>
-              <a:t>List_section</a:t>
-            </a:r>
-            <a:endParaRPr lang="ko-KR" altLang="en-US" dirty="0"/>
-          </a:p>
-        </p:txBody>
-      </p:sp>
-      <p:sp>
-        <p:nvSpPr>
-          <p:cNvPr id="8" name="직사각형 7"/>
-          <p:cNvSpPr/>
-          <p:nvPr/>
-        </p:nvSpPr>
-        <p:spPr>
-          <a:xfrm>
-            <a:off x="184590" y="1559528"/>
-            <a:ext cx="4621386" cy="3451860"/>
-          </a:xfrm>
-          <a:prstGeom prst="rect">
-            <a:avLst/>
-          </a:prstGeom>
-          <a:solidFill>
-            <a:schemeClr val="accent1">
-              <a:lumMod val="40000"/>
-              <a:lumOff val="60000"/>
-            </a:schemeClr>
-          </a:solidFill>
         </p:spPr>
         <p:style>
           <a:lnRef idx="2">
@@ -5847,11 +5783,125 @@
           </a:fontRef>
         </p:style>
         <p:txBody>
-          <a:bodyPr rtlCol="0" anchor="ctr"/>
+          <a:bodyPr rot="0" spcFirstLastPara="0" vertOverflow="overflow" horzOverflow="overflow" vert="horz" wrap="square" lIns="91440" tIns="45720" rIns="91440" bIns="45720" numCol="1" spcCol="0" rtlCol="0" fromWordArt="0" anchor="ctr" anchorCtr="0" forceAA="0" compatLnSpc="1">
+            <a:prstTxWarp prst="textNoShape">
+              <a:avLst/>
+            </a:prstTxWarp>
+            <a:noAutofit/>
+          </a:bodyPr>
           <a:lstStyle/>
           <a:p>
             <a:pPr algn="ctr"/>
-            <a:endParaRPr lang="ko-KR" altLang="en-US"/>
+            <a:endParaRPr lang="ko-KR" altLang="en-US" dirty="0">
+              <a:solidFill>
+                <a:schemeClr val="tx1"/>
+              </a:solidFill>
+            </a:endParaRPr>
+          </a:p>
+        </p:txBody>
+      </p:sp>
+      <p:sp>
+        <p:nvSpPr>
+          <p:cNvPr id="5" name="TextBox 4"/>
+          <p:cNvSpPr txBox="1"/>
+          <p:nvPr/>
+        </p:nvSpPr>
+        <p:spPr>
+          <a:xfrm>
+            <a:off x="8672492" y="250490"/>
+            <a:ext cx="1514517" cy="369332"/>
+          </a:xfrm>
+          <a:prstGeom prst="rect">
+            <a:avLst/>
+          </a:prstGeom>
+          <a:noFill/>
+        </p:spPr>
+        <p:txBody>
+          <a:bodyPr wrap="none" rtlCol="0">
+            <a:spAutoFit/>
+          </a:bodyPr>
+          <a:lstStyle/>
+          <a:p>
+            <a:r>
+              <a:rPr lang="en-US" altLang="ko-KR" dirty="0" smtClean="0"/>
+              <a:t>&lt;</a:t>
+            </a:r>
+            <a:r>
+              <a:rPr lang="en-US" altLang="ko-KR" dirty="0" err="1" smtClean="0"/>
+              <a:t>header_top</a:t>
+            </a:r>
+            <a:r>
+              <a:rPr lang="en-US" altLang="ko-KR" dirty="0" smtClean="0"/>
+              <a:t>&gt;</a:t>
+            </a:r>
+            <a:endParaRPr lang="ko-KR" altLang="en-US" dirty="0"/>
+          </a:p>
+        </p:txBody>
+      </p:sp>
+      <p:sp>
+        <p:nvSpPr>
+          <p:cNvPr id="6" name="TextBox 5"/>
+          <p:cNvSpPr txBox="1"/>
+          <p:nvPr/>
+        </p:nvSpPr>
+        <p:spPr>
+          <a:xfrm>
+            <a:off x="18118592" y="19028"/>
+            <a:ext cx="740908" cy="369332"/>
+          </a:xfrm>
+          <a:prstGeom prst="rect">
+            <a:avLst/>
+          </a:prstGeom>
+          <a:noFill/>
+        </p:spPr>
+        <p:txBody>
+          <a:bodyPr wrap="none" rtlCol="0">
+            <a:spAutoFit/>
+          </a:bodyPr>
+          <a:lstStyle/>
+          <a:p>
+            <a:r>
+              <a:rPr lang="en-US" altLang="ko-KR" dirty="0" smtClean="0"/>
+              <a:t>Menu</a:t>
+            </a:r>
+            <a:endParaRPr lang="ko-KR" altLang="en-US" dirty="0"/>
+          </a:p>
+        </p:txBody>
+      </p:sp>
+      <p:sp>
+        <p:nvSpPr>
+          <p:cNvPr id="8" name="TextBox 7"/>
+          <p:cNvSpPr txBox="1"/>
+          <p:nvPr/>
+        </p:nvSpPr>
+        <p:spPr>
+          <a:xfrm>
+            <a:off x="144559" y="124814"/>
+            <a:ext cx="820353" cy="646331"/>
+          </a:xfrm>
+          <a:prstGeom prst="rect">
+            <a:avLst/>
+          </a:prstGeom>
+          <a:noFill/>
+        </p:spPr>
+        <p:txBody>
+          <a:bodyPr wrap="none" rtlCol="0">
+            <a:spAutoFit/>
+          </a:bodyPr>
+          <a:lstStyle/>
+          <a:p>
+            <a:r>
+              <a:rPr lang="en-US" altLang="ko-KR" dirty="0" err="1" smtClean="0"/>
+              <a:t>Cancle</a:t>
+            </a:r>
+            <a:endParaRPr lang="en-US" altLang="ko-KR" dirty="0" smtClean="0"/>
+          </a:p>
+          <a:p>
+            <a:r>
+              <a:rPr lang="en-US" altLang="ko-KR" dirty="0" smtClean="0"/>
+              <a:t>button</a:t>
+            </a:r>
+            <a:endParaRPr lang="ko-KR" altLang="en-US" dirty="0"/>
           </a:p>
         </p:txBody>
       </p:sp>
@@ -5863,18 +5913,13 @@
         </p:nvSpPr>
         <p:spPr>
           <a:xfrm>
-            <a:off x="14077908" y="1559528"/>
-            <a:ext cx="4601946" cy="3451860"/>
-          </a:xfrm>
-          <a:prstGeom prst="rect">
-            <a:avLst/>
-          </a:prstGeom>
-          <a:solidFill>
-            <a:schemeClr val="accent1">
-              <a:lumMod val="40000"/>
-              <a:lumOff val="60000"/>
-            </a:schemeClr>
-          </a:solidFill>
+            <a:off x="0" y="865633"/>
+            <a:ext cx="18859500" cy="865632"/>
+          </a:xfrm>
+          <a:prstGeom prst="rect">
+            <a:avLst/>
+          </a:prstGeom>
+          <a:noFill/>
         </p:spPr>
         <p:style>
           <a:lnRef idx="2">
@@ -5893,11 +5938,20 @@
           </a:fontRef>
         </p:style>
         <p:txBody>
-          <a:bodyPr rtlCol="0" anchor="ctr"/>
+          <a:bodyPr rot="0" spcFirstLastPara="0" vertOverflow="overflow" horzOverflow="overflow" vert="horz" wrap="square" lIns="91440" tIns="45720" rIns="91440" bIns="45720" numCol="1" spcCol="0" rtlCol="0" fromWordArt="0" anchor="ctr" anchorCtr="0" forceAA="0" compatLnSpc="1">
+            <a:prstTxWarp prst="textNoShape">
+              <a:avLst/>
+            </a:prstTxWarp>
+            <a:noAutofit/>
+          </a:bodyPr>
           <a:lstStyle/>
           <a:p>
             <a:pPr algn="ctr"/>
-            <a:endParaRPr lang="ko-KR" altLang="en-US"/>
+            <a:endParaRPr lang="ko-KR" altLang="en-US" dirty="0">
+              <a:solidFill>
+                <a:schemeClr val="tx1"/>
+              </a:solidFill>
+            </a:endParaRPr>
           </a:p>
         </p:txBody>
       </p:sp>
@@ -5909,18 +5963,13 @@
         </p:nvSpPr>
         <p:spPr>
           <a:xfrm>
-            <a:off x="9446802" y="1559528"/>
-            <a:ext cx="4621386" cy="3451860"/>
-          </a:xfrm>
-          <a:prstGeom prst="rect">
-            <a:avLst/>
-          </a:prstGeom>
-          <a:solidFill>
-            <a:schemeClr val="accent1">
-              <a:lumMod val="40000"/>
-              <a:lumOff val="60000"/>
-            </a:schemeClr>
-          </a:solidFill>
+            <a:off x="0" y="1731265"/>
+            <a:ext cx="18859500" cy="8555735"/>
+          </a:xfrm>
+          <a:prstGeom prst="rect">
+            <a:avLst/>
+          </a:prstGeom>
+          <a:noFill/>
         </p:spPr>
         <p:style>
           <a:lnRef idx="2">
@@ -5939,32 +5988,352 @@
           </a:fontRef>
         </p:style>
         <p:txBody>
-          <a:bodyPr rtlCol="0" anchor="ctr"/>
+          <a:bodyPr rot="0" spcFirstLastPara="0" vertOverflow="overflow" horzOverflow="overflow" vert="horz" wrap="square" lIns="91440" tIns="45720" rIns="91440" bIns="45720" numCol="1" spcCol="0" rtlCol="0" fromWordArt="0" anchor="ctr" anchorCtr="0" forceAA="0" compatLnSpc="1">
+            <a:prstTxWarp prst="textNoShape">
+              <a:avLst/>
+            </a:prstTxWarp>
+            <a:noAutofit/>
+          </a:bodyPr>
           <a:lstStyle/>
           <a:p>
             <a:pPr algn="ctr"/>
-            <a:endParaRPr lang="ko-KR" altLang="en-US"/>
-          </a:p>
-        </p:txBody>
-      </p:sp>
-      <p:sp>
-        <p:nvSpPr>
-          <p:cNvPr id="11" name="직사각형 10"/>
+            <a:endParaRPr lang="ko-KR" altLang="en-US" dirty="0">
+              <a:solidFill>
+                <a:schemeClr val="tx1"/>
+              </a:solidFill>
+            </a:endParaRPr>
+          </a:p>
+        </p:txBody>
+      </p:sp>
+      <p:sp>
+        <p:nvSpPr>
+          <p:cNvPr id="11" name="TextBox 10"/>
+          <p:cNvSpPr txBox="1"/>
+          <p:nvPr/>
+        </p:nvSpPr>
+        <p:spPr>
+          <a:xfrm>
+            <a:off x="187231" y="1105349"/>
+            <a:ext cx="1248868" cy="369332"/>
+          </a:xfrm>
+          <a:prstGeom prst="rect">
+            <a:avLst/>
+          </a:prstGeom>
+          <a:noFill/>
+        </p:spPr>
+        <p:txBody>
+          <a:bodyPr wrap="none" rtlCol="0">
+            <a:spAutoFit/>
+          </a:bodyPr>
+          <a:lstStyle/>
+          <a:p>
+            <a:r>
+              <a:rPr lang="en-US" altLang="ko-KR" dirty="0" smtClean="0"/>
+              <a:t>&lt;div </a:t>
+            </a:r>
+            <a:r>
+              <a:rPr lang="en-US" altLang="ko-KR" dirty="0" err="1" smtClean="0"/>
+              <a:t>serch</a:t>
+            </a:r>
+            <a:r>
+              <a:rPr lang="en-US" altLang="ko-KR" dirty="0" smtClean="0"/>
+              <a:t>&gt;</a:t>
+            </a:r>
+            <a:endParaRPr lang="ko-KR" altLang="en-US" dirty="0"/>
+          </a:p>
+        </p:txBody>
+      </p:sp>
+      <p:sp>
+        <p:nvSpPr>
+          <p:cNvPr id="12" name="TextBox 11"/>
+          <p:cNvSpPr txBox="1"/>
+          <p:nvPr/>
+        </p:nvSpPr>
+        <p:spPr>
+          <a:xfrm>
+            <a:off x="187231" y="1825753"/>
+            <a:ext cx="4042582" cy="5864106"/>
+          </a:xfrm>
+          <a:prstGeom prst="rect">
+            <a:avLst/>
+          </a:prstGeom>
+          <a:noFill/>
+        </p:spPr>
+        <p:txBody>
+          <a:bodyPr wrap="none" rtlCol="0">
+            <a:spAutoFit/>
+          </a:bodyPr>
+          <a:lstStyle/>
+          <a:p>
+            <a:pPr>
+              <a:lnSpc>
+                <a:spcPct val="150000"/>
+              </a:lnSpc>
+            </a:pPr>
+            <a:r>
+              <a:rPr lang="en-US" altLang="ko-KR" dirty="0" smtClean="0"/>
+              <a:t>&lt;div </a:t>
+            </a:r>
+            <a:r>
+              <a:rPr lang="en-US" altLang="ko-KR" dirty="0" err="1" smtClean="0"/>
+              <a:t>project_all</a:t>
+            </a:r>
+            <a:r>
+              <a:rPr lang="en-US" altLang="ko-KR" dirty="0" smtClean="0"/>
+              <a:t>&gt; </a:t>
+            </a:r>
+            <a:r>
+              <a:rPr lang="ko-KR" altLang="en-US" dirty="0" smtClean="0"/>
+              <a:t>모든 프로젝트</a:t>
+            </a:r>
+          </a:p>
+          <a:p>
+            <a:pPr>
+              <a:lnSpc>
+                <a:spcPct val="150000"/>
+              </a:lnSpc>
+            </a:pPr>
+            <a:endParaRPr lang="en-US" altLang="ko-KR" dirty="0" smtClean="0"/>
+          </a:p>
+          <a:p>
+            <a:pPr>
+              <a:lnSpc>
+                <a:spcPct val="150000"/>
+              </a:lnSpc>
+            </a:pPr>
+            <a:r>
+              <a:rPr lang="en-US" altLang="ko-KR" dirty="0" smtClean="0"/>
+              <a:t>&lt;div </a:t>
+            </a:r>
+            <a:r>
+              <a:rPr lang="en-US" altLang="ko-KR" dirty="0" err="1" smtClean="0"/>
+              <a:t>project_rec</a:t>
+            </a:r>
+            <a:r>
+              <a:rPr lang="en-US" altLang="ko-KR" dirty="0" smtClean="0"/>
+              <a:t>&gt; </a:t>
+            </a:r>
+            <a:r>
+              <a:rPr lang="ko-KR" altLang="en-US" dirty="0" smtClean="0"/>
+              <a:t>추천 프로젝트</a:t>
+            </a:r>
+          </a:p>
+          <a:p>
+            <a:pPr>
+              <a:lnSpc>
+                <a:spcPct val="150000"/>
+              </a:lnSpc>
+            </a:pPr>
+            <a:endParaRPr lang="en-US" altLang="ko-KR" dirty="0" smtClean="0"/>
+          </a:p>
+          <a:p>
+            <a:pPr>
+              <a:lnSpc>
+                <a:spcPct val="150000"/>
+              </a:lnSpc>
+            </a:pPr>
+            <a:r>
+              <a:rPr lang="en-US" altLang="ko-KR" dirty="0" smtClean="0"/>
+              <a:t>&lt;div </a:t>
+            </a:r>
+            <a:r>
+              <a:rPr lang="en-US" altLang="ko-KR" dirty="0" err="1" smtClean="0"/>
+              <a:t>project_finish</a:t>
+            </a:r>
+            <a:r>
+              <a:rPr lang="en-US" altLang="ko-KR" dirty="0" smtClean="0"/>
+              <a:t>&gt; </a:t>
+            </a:r>
+            <a:r>
+              <a:rPr lang="ko-KR" altLang="en-US" dirty="0" smtClean="0"/>
+              <a:t>성공 임박 프로젝트</a:t>
+            </a:r>
+          </a:p>
+          <a:p>
+            <a:pPr>
+              <a:lnSpc>
+                <a:spcPct val="150000"/>
+              </a:lnSpc>
+            </a:pPr>
+            <a:endParaRPr lang="en-US" altLang="ko-KR" dirty="0" smtClean="0"/>
+          </a:p>
+          <a:p>
+            <a:pPr>
+              <a:lnSpc>
+                <a:spcPct val="150000"/>
+              </a:lnSpc>
+            </a:pPr>
+            <a:r>
+              <a:rPr lang="en-US" altLang="ko-KR" dirty="0" smtClean="0"/>
+              <a:t>&lt;div </a:t>
+            </a:r>
+            <a:r>
+              <a:rPr lang="en-US" altLang="ko-KR" dirty="0" err="1" smtClean="0"/>
+              <a:t>project_new</a:t>
+            </a:r>
+            <a:r>
+              <a:rPr lang="en-US" altLang="ko-KR" dirty="0" smtClean="0"/>
+              <a:t>&gt; </a:t>
+            </a:r>
+            <a:r>
+              <a:rPr lang="ko-KR" altLang="en-US" dirty="0" smtClean="0"/>
+              <a:t>신규 프로젝트</a:t>
+            </a:r>
+            <a:endParaRPr lang="en-US" altLang="ko-KR" dirty="0" smtClean="0"/>
+          </a:p>
+          <a:p>
+            <a:pPr>
+              <a:lnSpc>
+                <a:spcPct val="150000"/>
+              </a:lnSpc>
+            </a:pPr>
+            <a:endParaRPr lang="en-US" altLang="ko-KR" dirty="0" smtClean="0"/>
+          </a:p>
+          <a:p>
+            <a:pPr>
+              <a:lnSpc>
+                <a:spcPct val="150000"/>
+              </a:lnSpc>
+            </a:pPr>
+            <a:r>
+              <a:rPr lang="en-US" altLang="ko-KR" dirty="0" smtClean="0"/>
+              <a:t>&lt;h4&gt;</a:t>
+            </a:r>
+            <a:r>
+              <a:rPr lang="ko-KR" altLang="en-US" dirty="0" smtClean="0"/>
+              <a:t>카테고리</a:t>
+            </a:r>
+            <a:r>
+              <a:rPr lang="en-US" altLang="ko-KR" dirty="0" smtClean="0"/>
+              <a:t>&lt;/h4&gt;</a:t>
+            </a:r>
+          </a:p>
+          <a:p>
+            <a:pPr>
+              <a:lnSpc>
+                <a:spcPct val="150000"/>
+              </a:lnSpc>
+            </a:pPr>
+            <a:r>
+              <a:rPr lang="en-US" altLang="ko-KR" dirty="0" smtClean="0"/>
+              <a:t>&lt;div project_cate1&gt; </a:t>
+            </a:r>
+            <a:r>
+              <a:rPr lang="ko-KR" altLang="en-US" dirty="0" smtClean="0"/>
+              <a:t>카테고리</a:t>
+            </a:r>
+            <a:r>
+              <a:rPr lang="en-US" altLang="ko-KR" dirty="0" smtClean="0"/>
+              <a:t>1</a:t>
+            </a:r>
+            <a:endParaRPr lang="ko-KR" altLang="en-US" dirty="0" smtClean="0"/>
+          </a:p>
+          <a:p>
+            <a:pPr>
+              <a:lnSpc>
+                <a:spcPct val="150000"/>
+              </a:lnSpc>
+            </a:pPr>
+            <a:endParaRPr lang="ko-KR" altLang="en-US" dirty="0" smtClean="0"/>
+          </a:p>
+          <a:p>
+            <a:pPr>
+              <a:lnSpc>
+                <a:spcPct val="150000"/>
+              </a:lnSpc>
+            </a:pPr>
+            <a:r>
+              <a:rPr lang="en-US" altLang="ko-KR" dirty="0" smtClean="0"/>
+              <a:t>&lt;div project_cate2&gt; </a:t>
+            </a:r>
+            <a:r>
+              <a:rPr lang="ko-KR" altLang="en-US" dirty="0" smtClean="0"/>
+              <a:t>카테고리</a:t>
+            </a:r>
+            <a:r>
+              <a:rPr lang="en-US" altLang="ko-KR" dirty="0"/>
+              <a:t>2</a:t>
+            </a:r>
+            <a:endParaRPr lang="ko-KR" altLang="en-US" dirty="0" smtClean="0"/>
+          </a:p>
+          <a:p>
+            <a:pPr>
+              <a:lnSpc>
+                <a:spcPct val="150000"/>
+              </a:lnSpc>
+            </a:pPr>
+            <a:endParaRPr lang="en-US" altLang="ko-KR" dirty="0" smtClean="0"/>
+          </a:p>
+          <a:p>
+            <a:pPr>
+              <a:lnSpc>
+                <a:spcPct val="150000"/>
+              </a:lnSpc>
+            </a:pPr>
+            <a:r>
+              <a:rPr lang="en-US" altLang="ko-KR" dirty="0" smtClean="0"/>
+              <a:t>&lt;div project_cate3&gt; </a:t>
+            </a:r>
+            <a:r>
+              <a:rPr lang="ko-KR" altLang="en-US" dirty="0" smtClean="0"/>
+              <a:t>카테고리</a:t>
+            </a:r>
+            <a:r>
+              <a:rPr lang="en-US" altLang="ko-KR" dirty="0"/>
+              <a:t>3</a:t>
+            </a:r>
+            <a:endParaRPr lang="ko-KR" altLang="en-US" dirty="0" smtClean="0"/>
+          </a:p>
+        </p:txBody>
+      </p:sp>
+    </p:spTree>
+    <p:extLst>
+      <p:ext uri="{BB962C8B-B14F-4D97-AF65-F5344CB8AC3E}">
+        <p14:creationId xmlns:p14="http://schemas.microsoft.com/office/powerpoint/2010/main" val="1129576940"/>
+      </p:ext>
+    </p:extLst>
+  </p:cSld>
+  <p:clrMapOvr>
+    <a:masterClrMapping/>
+  </p:clrMapOvr>
+</p:sld>
+</file>
+
+<file path=ppt/slides/slide5.xml><?xml version="1.0" encoding="utf-8"?>
+<p:sld xmlns:a="http://schemas.openxmlformats.org/drawingml/2006/main" xmlns:r="http://schemas.openxmlformats.org/officeDocument/2006/relationships" xmlns:p="http://schemas.openxmlformats.org/presentationml/2006/main">
+  <p:cSld>
+    <p:spTree>
+      <p:nvGrpSpPr>
+        <p:cNvPr id="1" name=""/>
+        <p:cNvGrpSpPr/>
+        <p:nvPr/>
+      </p:nvGrpSpPr>
+      <p:grpSpPr>
+        <a:xfrm>
+          <a:off x="0" y="0"/>
+          <a:ext cx="0" cy="0"/>
+          <a:chOff x="0" y="0"/>
+          <a:chExt cx="0" cy="0"/>
+        </a:xfrm>
+      </p:grpSpPr>
+      <p:sp>
+        <p:nvSpPr>
+          <p:cNvPr id="7" name="직사각형 6"/>
           <p:cNvSpPr/>
           <p:nvPr/>
         </p:nvSpPr>
         <p:spPr>
           <a:xfrm>
-            <a:off x="4815696" y="1559528"/>
-            <a:ext cx="4621386" cy="3451860"/>
+            <a:off x="182118" y="265176"/>
+            <a:ext cx="18495264" cy="646176"/>
           </a:xfrm>
           <a:prstGeom prst="rect">
             <a:avLst/>
           </a:prstGeom>
           <a:solidFill>
             <a:schemeClr val="accent1">
-              <a:lumMod val="40000"/>
-              <a:lumOff val="60000"/>
+              <a:lumMod val="20000"/>
+              <a:lumOff val="80000"/>
             </a:schemeClr>
           </a:solidFill>
         </p:spPr>
@@ -5995,152 +6364,19 @@
       </p:sp>
       <p:sp>
         <p:nvSpPr>
-          <p:cNvPr id="12" name="TextBox 11"/>
-          <p:cNvSpPr txBox="1"/>
-          <p:nvPr/>
-        </p:nvSpPr>
-        <p:spPr>
-          <a:xfrm>
-            <a:off x="16072864" y="366022"/>
-            <a:ext cx="2362634" cy="369332"/>
+          <p:cNvPr id="4" name="직사각형 3"/>
+          <p:cNvSpPr/>
+          <p:nvPr/>
+        </p:nvSpPr>
+        <p:spPr>
+          <a:xfrm>
+            <a:off x="182118" y="265176"/>
+            <a:ext cx="18495264" cy="9924288"/>
           </a:xfrm>
           <a:prstGeom prst="rect">
             <a:avLst/>
           </a:prstGeom>
           <a:noFill/>
-        </p:spPr>
-        <p:txBody>
-          <a:bodyPr wrap="none" rtlCol="0">
-            <a:spAutoFit/>
-          </a:bodyPr>
-          <a:lstStyle/>
-          <a:p>
-            <a:r>
-              <a:rPr lang="en-US" altLang="ko-KR" dirty="0" smtClean="0"/>
-              <a:t>&lt;div </a:t>
-            </a:r>
-            <a:r>
-              <a:rPr lang="en-US" altLang="ko-KR" dirty="0" err="1" smtClean="0"/>
-              <a:t>search_condition</a:t>
-            </a:r>
-            <a:r>
-              <a:rPr lang="en-US" altLang="ko-KR" dirty="0" smtClean="0"/>
-              <a:t>&gt;</a:t>
-            </a:r>
-            <a:endParaRPr lang="ko-KR" altLang="en-US" dirty="0"/>
-          </a:p>
-        </p:txBody>
-      </p:sp>
-      <p:sp>
-        <p:nvSpPr>
-          <p:cNvPr id="14" name="TextBox 13"/>
-          <p:cNvSpPr txBox="1"/>
-          <p:nvPr/>
-        </p:nvSpPr>
-        <p:spPr>
-          <a:xfrm>
-            <a:off x="6254005" y="3104340"/>
-            <a:ext cx="1755545" cy="369332"/>
-          </a:xfrm>
-          <a:prstGeom prst="rect">
-            <a:avLst/>
-          </a:prstGeom>
-          <a:noFill/>
-        </p:spPr>
-        <p:txBody>
-          <a:bodyPr wrap="none" rtlCol="0">
-            <a:spAutoFit/>
-          </a:bodyPr>
-          <a:lstStyle/>
-          <a:p>
-            <a:r>
-              <a:rPr lang="en-US" altLang="ko-KR" dirty="0" smtClean="0"/>
-              <a:t>&lt;div new_proj2&gt;</a:t>
-            </a:r>
-            <a:endParaRPr lang="ko-KR" altLang="en-US" dirty="0"/>
-          </a:p>
-        </p:txBody>
-      </p:sp>
-      <p:sp>
-        <p:nvSpPr>
-          <p:cNvPr id="15" name="TextBox 14"/>
-          <p:cNvSpPr txBox="1"/>
-          <p:nvPr/>
-        </p:nvSpPr>
-        <p:spPr>
-          <a:xfrm>
-            <a:off x="10875391" y="3104340"/>
-            <a:ext cx="1755545" cy="369332"/>
-          </a:xfrm>
-          <a:prstGeom prst="rect">
-            <a:avLst/>
-          </a:prstGeom>
-          <a:noFill/>
-        </p:spPr>
-        <p:txBody>
-          <a:bodyPr wrap="none" rtlCol="0">
-            <a:spAutoFit/>
-          </a:bodyPr>
-          <a:lstStyle/>
-          <a:p>
-            <a:r>
-              <a:rPr lang="en-US" altLang="ko-KR" dirty="0" smtClean="0"/>
-              <a:t>&lt;div new_proj3&gt;</a:t>
-            </a:r>
-            <a:endParaRPr lang="ko-KR" altLang="en-US" dirty="0"/>
-          </a:p>
-        </p:txBody>
-      </p:sp>
-      <p:sp>
-        <p:nvSpPr>
-          <p:cNvPr id="16" name="TextBox 15"/>
-          <p:cNvSpPr txBox="1"/>
-          <p:nvPr/>
-        </p:nvSpPr>
-        <p:spPr>
-          <a:xfrm>
-            <a:off x="15501108" y="3105340"/>
-            <a:ext cx="1755545" cy="369332"/>
-          </a:xfrm>
-          <a:prstGeom prst="rect">
-            <a:avLst/>
-          </a:prstGeom>
-          <a:noFill/>
-        </p:spPr>
-        <p:txBody>
-          <a:bodyPr wrap="none" rtlCol="0">
-            <a:spAutoFit/>
-          </a:bodyPr>
-          <a:lstStyle/>
-          <a:p>
-            <a:r>
-              <a:rPr lang="en-US" altLang="ko-KR" dirty="0" smtClean="0"/>
-              <a:t>&lt;div new_proj4&gt;</a:t>
-            </a:r>
-            <a:endParaRPr lang="ko-KR" altLang="en-US" dirty="0"/>
-          </a:p>
-        </p:txBody>
-      </p:sp>
-      <p:sp>
-        <p:nvSpPr>
-          <p:cNvPr id="18" name="직사각형 17"/>
-          <p:cNvSpPr/>
-          <p:nvPr/>
-        </p:nvSpPr>
-        <p:spPr>
-          <a:xfrm>
-            <a:off x="184590" y="5028676"/>
-            <a:ext cx="4621386" cy="3451860"/>
-          </a:xfrm>
-          <a:prstGeom prst="rect">
-            <a:avLst/>
-          </a:prstGeom>
-          <a:solidFill>
-            <a:schemeClr val="accent1">
-              <a:lumMod val="40000"/>
-              <a:lumOff val="60000"/>
-            </a:schemeClr>
-          </a:solidFill>
         </p:spPr>
         <p:style>
           <a:lnRef idx="2">
@@ -6163,20 +6399,50 @@
           <a:lstStyle/>
           <a:p>
             <a:pPr algn="ctr"/>
-            <a:endParaRPr lang="ko-KR" altLang="en-US"/>
-          </a:p>
-        </p:txBody>
-      </p:sp>
-      <p:sp>
-        <p:nvSpPr>
-          <p:cNvPr id="19" name="직사각형 18"/>
+            <a:endParaRPr lang="ko-KR" altLang="en-US" dirty="0"/>
+          </a:p>
+        </p:txBody>
+      </p:sp>
+      <p:sp>
+        <p:nvSpPr>
+          <p:cNvPr id="5" name="TextBox 4"/>
+          <p:cNvSpPr txBox="1"/>
+          <p:nvPr/>
+        </p:nvSpPr>
+        <p:spPr>
+          <a:xfrm>
+            <a:off x="-2322" y="-88392"/>
+            <a:ext cx="1291379" cy="369332"/>
+          </a:xfrm>
+          <a:prstGeom prst="rect">
+            <a:avLst/>
+          </a:prstGeom>
+          <a:noFill/>
+        </p:spPr>
+        <p:txBody>
+          <a:bodyPr wrap="none" rtlCol="0">
+            <a:spAutoFit/>
+          </a:bodyPr>
+          <a:lstStyle/>
+          <a:p>
+            <a:r>
+              <a:rPr lang="en-US" altLang="ko-KR" dirty="0" err="1" smtClean="0"/>
+              <a:t>List_section</a:t>
+            </a:r>
+            <a:endParaRPr lang="ko-KR" altLang="en-US" dirty="0"/>
+          </a:p>
+        </p:txBody>
+      </p:sp>
+      <p:sp>
+        <p:nvSpPr>
+          <p:cNvPr id="8" name="직사각형 7"/>
           <p:cNvSpPr/>
           <p:nvPr/>
         </p:nvSpPr>
         <p:spPr>
           <a:xfrm>
-            <a:off x="14077908" y="5028676"/>
-            <a:ext cx="4601946" cy="3451860"/>
+            <a:off x="184590" y="1559528"/>
+            <a:ext cx="4621386" cy="3451860"/>
           </a:xfrm>
           <a:prstGeom prst="rect">
             <a:avLst/>
@@ -6215,14 +6481,14 @@
       </p:sp>
       <p:sp>
         <p:nvSpPr>
-          <p:cNvPr id="20" name="직사각형 19"/>
+          <p:cNvPr id="9" name="직사각형 8"/>
           <p:cNvSpPr/>
           <p:nvPr/>
         </p:nvSpPr>
         <p:spPr>
           <a:xfrm>
-            <a:off x="9446802" y="5028676"/>
-            <a:ext cx="4621386" cy="3451860"/>
+            <a:off x="14077908" y="1559528"/>
+            <a:ext cx="4601946" cy="3451860"/>
           </a:xfrm>
           <a:prstGeom prst="rect">
             <a:avLst/>
@@ -6261,13 +6527,13 @@
       </p:sp>
       <p:sp>
         <p:nvSpPr>
-          <p:cNvPr id="21" name="직사각형 20"/>
+          <p:cNvPr id="10" name="직사각형 9"/>
           <p:cNvSpPr/>
           <p:nvPr/>
         </p:nvSpPr>
         <p:spPr>
           <a:xfrm>
-            <a:off x="4815696" y="5028676"/>
+            <a:off x="9446802" y="1559528"/>
             <a:ext cx="4621386" cy="3451860"/>
           </a:xfrm>
           <a:prstGeom prst="rect">
@@ -6307,14 +6573,60 @@
       </p:sp>
       <p:sp>
         <p:nvSpPr>
-          <p:cNvPr id="23" name="TextBox 22"/>
+          <p:cNvPr id="11" name="직사각형 10"/>
+          <p:cNvSpPr/>
+          <p:nvPr/>
+        </p:nvSpPr>
+        <p:spPr>
+          <a:xfrm>
+            <a:off x="4815696" y="1559528"/>
+            <a:ext cx="4621386" cy="3451860"/>
+          </a:xfrm>
+          <a:prstGeom prst="rect">
+            <a:avLst/>
+          </a:prstGeom>
+          <a:solidFill>
+            <a:schemeClr val="accent1">
+              <a:lumMod val="40000"/>
+              <a:lumOff val="60000"/>
+            </a:schemeClr>
+          </a:solidFill>
+        </p:spPr>
+        <p:style>
+          <a:lnRef idx="2">
+            <a:schemeClr val="accent1">
+              <a:shade val="50000"/>
+            </a:schemeClr>
+          </a:lnRef>
+          <a:fillRef idx="1">
+            <a:schemeClr val="accent1"/>
+          </a:fillRef>
+          <a:effectRef idx="0">
+            <a:schemeClr val="accent1"/>
+          </a:effectRef>
+          <a:fontRef idx="minor">
+            <a:schemeClr val="lt1"/>
+          </a:fontRef>
+        </p:style>
+        <p:txBody>
+          <a:bodyPr rtlCol="0" anchor="ctr"/>
+          <a:lstStyle/>
+          <a:p>
+            <a:pPr algn="ctr"/>
+            <a:endParaRPr lang="ko-KR" altLang="en-US"/>
+          </a:p>
+        </p:txBody>
+      </p:sp>
+      <p:sp>
+        <p:nvSpPr>
+          <p:cNvPr id="12" name="TextBox 11"/>
           <p:cNvSpPr txBox="1"/>
           <p:nvPr/>
         </p:nvSpPr>
         <p:spPr>
           <a:xfrm>
-            <a:off x="1519105" y="6561296"/>
-            <a:ext cx="1719830" cy="369332"/>
+            <a:off x="16072864" y="366022"/>
+            <a:ext cx="2362634" cy="369332"/>
           </a:xfrm>
           <a:prstGeom prst="rect">
             <a:avLst/>
@@ -6329,7 +6641,15 @@
           <a:p>
             <a:r>
               <a:rPr lang="en-US" altLang="ko-KR" dirty="0" smtClean="0"/>
-              <a:t>&lt;div pop_proj1&gt;</a:t>
+              <a:t>&lt;div </a:t>
+            </a:r>
+            <a:r>
+              <a:rPr lang="en-US" altLang="ko-KR" dirty="0" err="1" smtClean="0"/>
+              <a:t>search_condition</a:t>
+            </a:r>
+            <a:r>
+              <a:rPr lang="en-US" altLang="ko-KR" dirty="0" smtClean="0"/>
+              <a:t>&gt;</a:t>
             </a:r>
             <a:endParaRPr lang="ko-KR" altLang="en-US" dirty="0"/>
           </a:p>
@@ -6337,13 +6657,13 @@
       </p:sp>
       <p:sp>
         <p:nvSpPr>
-          <p:cNvPr id="24" name="TextBox 23"/>
+          <p:cNvPr id="14" name="TextBox 13"/>
           <p:cNvSpPr txBox="1"/>
           <p:nvPr/>
         </p:nvSpPr>
         <p:spPr>
           <a:xfrm>
-            <a:off x="6241813" y="6561296"/>
+            <a:off x="6254005" y="3104340"/>
             <a:ext cx="1755545" cy="369332"/>
           </a:xfrm>
           <a:prstGeom prst="rect">
@@ -6359,15 +6679,7 @@
           <a:p>
             <a:r>
               <a:rPr lang="en-US" altLang="ko-KR" dirty="0" smtClean="0"/>
-              <a:t>&lt;div </a:t>
-            </a:r>
-            <a:r>
-              <a:rPr lang="en-US" altLang="ko-KR" dirty="0" smtClean="0"/>
-              <a:t>pop</a:t>
-            </a:r>
-            <a:r>
-              <a:rPr lang="en-US" altLang="ko-KR" dirty="0" smtClean="0"/>
-              <a:t>_proj2&gt;</a:t>
+              <a:t>&lt;div new_proj2&gt;</a:t>
             </a:r>
             <a:endParaRPr lang="ko-KR" altLang="en-US" dirty="0"/>
           </a:p>
@@ -6375,13 +6687,13 @@
       </p:sp>
       <p:sp>
         <p:nvSpPr>
-          <p:cNvPr id="25" name="TextBox 24"/>
+          <p:cNvPr id="15" name="TextBox 14"/>
           <p:cNvSpPr txBox="1"/>
           <p:nvPr/>
         </p:nvSpPr>
         <p:spPr>
           <a:xfrm>
-            <a:off x="10863199" y="6561296"/>
+            <a:off x="10875391" y="3104340"/>
             <a:ext cx="1755545" cy="369332"/>
           </a:xfrm>
           <a:prstGeom prst="rect">
@@ -6397,15 +6709,7 @@
           <a:p>
             <a:r>
               <a:rPr lang="en-US" altLang="ko-KR" dirty="0" smtClean="0"/>
-              <a:t>&lt;div </a:t>
-            </a:r>
-            <a:r>
-              <a:rPr lang="en-US" altLang="ko-KR" dirty="0" smtClean="0"/>
-              <a:t>pop</a:t>
-            </a:r>
-            <a:r>
-              <a:rPr lang="en-US" altLang="ko-KR" dirty="0" smtClean="0"/>
-              <a:t>_proj3&gt;</a:t>
+              <a:t>&lt;div new_proj3&gt;</a:t>
             </a:r>
             <a:endParaRPr lang="ko-KR" altLang="en-US" dirty="0"/>
           </a:p>
@@ -6413,13 +6717,13 @@
       </p:sp>
       <p:sp>
         <p:nvSpPr>
-          <p:cNvPr id="26" name="TextBox 25"/>
+          <p:cNvPr id="16" name="TextBox 15"/>
           <p:cNvSpPr txBox="1"/>
           <p:nvPr/>
         </p:nvSpPr>
         <p:spPr>
           <a:xfrm>
-            <a:off x="15488916" y="6562296"/>
+            <a:off x="15501108" y="3105340"/>
             <a:ext cx="1755545" cy="369332"/>
           </a:xfrm>
           <a:prstGeom prst="rect">
@@ -6435,15 +6739,311 @@
           <a:p>
             <a:r>
               <a:rPr lang="en-US" altLang="ko-KR" dirty="0" smtClean="0"/>
-              <a:t>&lt;div </a:t>
-            </a:r>
-            <a:r>
-              <a:rPr lang="en-US" altLang="ko-KR" dirty="0" smtClean="0"/>
-              <a:t>pop</a:t>
-            </a:r>
-            <a:r>
-              <a:rPr lang="en-US" altLang="ko-KR" dirty="0" smtClean="0"/>
-              <a:t>_proj4&gt;</a:t>
+              <a:t>&lt;div new_proj4&gt;</a:t>
+            </a:r>
+            <a:endParaRPr lang="ko-KR" altLang="en-US" dirty="0"/>
+          </a:p>
+        </p:txBody>
+      </p:sp>
+      <p:sp>
+        <p:nvSpPr>
+          <p:cNvPr id="18" name="직사각형 17"/>
+          <p:cNvSpPr/>
+          <p:nvPr/>
+        </p:nvSpPr>
+        <p:spPr>
+          <a:xfrm>
+            <a:off x="184590" y="5028676"/>
+            <a:ext cx="4621386" cy="3451860"/>
+          </a:xfrm>
+          <a:prstGeom prst="rect">
+            <a:avLst/>
+          </a:prstGeom>
+          <a:solidFill>
+            <a:schemeClr val="accent1">
+              <a:lumMod val="40000"/>
+              <a:lumOff val="60000"/>
+            </a:schemeClr>
+          </a:solidFill>
+        </p:spPr>
+        <p:style>
+          <a:lnRef idx="2">
+            <a:schemeClr val="accent1">
+              <a:shade val="50000"/>
+            </a:schemeClr>
+          </a:lnRef>
+          <a:fillRef idx="1">
+            <a:schemeClr val="accent1"/>
+          </a:fillRef>
+          <a:effectRef idx="0">
+            <a:schemeClr val="accent1"/>
+          </a:effectRef>
+          <a:fontRef idx="minor">
+            <a:schemeClr val="lt1"/>
+          </a:fontRef>
+        </p:style>
+        <p:txBody>
+          <a:bodyPr rtlCol="0" anchor="ctr"/>
+          <a:lstStyle/>
+          <a:p>
+            <a:pPr algn="ctr"/>
+            <a:endParaRPr lang="ko-KR" altLang="en-US"/>
+          </a:p>
+        </p:txBody>
+      </p:sp>
+      <p:sp>
+        <p:nvSpPr>
+          <p:cNvPr id="19" name="직사각형 18"/>
+          <p:cNvSpPr/>
+          <p:nvPr/>
+        </p:nvSpPr>
+        <p:spPr>
+          <a:xfrm>
+            <a:off x="14077908" y="5028676"/>
+            <a:ext cx="4601946" cy="3451860"/>
+          </a:xfrm>
+          <a:prstGeom prst="rect">
+            <a:avLst/>
+          </a:prstGeom>
+          <a:solidFill>
+            <a:schemeClr val="accent1">
+              <a:lumMod val="40000"/>
+              <a:lumOff val="60000"/>
+            </a:schemeClr>
+          </a:solidFill>
+        </p:spPr>
+        <p:style>
+          <a:lnRef idx="2">
+            <a:schemeClr val="accent1">
+              <a:shade val="50000"/>
+            </a:schemeClr>
+          </a:lnRef>
+          <a:fillRef idx="1">
+            <a:schemeClr val="accent1"/>
+          </a:fillRef>
+          <a:effectRef idx="0">
+            <a:schemeClr val="accent1"/>
+          </a:effectRef>
+          <a:fontRef idx="minor">
+            <a:schemeClr val="lt1"/>
+          </a:fontRef>
+        </p:style>
+        <p:txBody>
+          <a:bodyPr rtlCol="0" anchor="ctr"/>
+          <a:lstStyle/>
+          <a:p>
+            <a:pPr algn="ctr"/>
+            <a:endParaRPr lang="ko-KR" altLang="en-US"/>
+          </a:p>
+        </p:txBody>
+      </p:sp>
+      <p:sp>
+        <p:nvSpPr>
+          <p:cNvPr id="20" name="직사각형 19"/>
+          <p:cNvSpPr/>
+          <p:nvPr/>
+        </p:nvSpPr>
+        <p:spPr>
+          <a:xfrm>
+            <a:off x="9446802" y="5028676"/>
+            <a:ext cx="4621386" cy="3451860"/>
+          </a:xfrm>
+          <a:prstGeom prst="rect">
+            <a:avLst/>
+          </a:prstGeom>
+          <a:solidFill>
+            <a:schemeClr val="accent1">
+              <a:lumMod val="40000"/>
+              <a:lumOff val="60000"/>
+            </a:schemeClr>
+          </a:solidFill>
+        </p:spPr>
+        <p:style>
+          <a:lnRef idx="2">
+            <a:schemeClr val="accent1">
+              <a:shade val="50000"/>
+            </a:schemeClr>
+          </a:lnRef>
+          <a:fillRef idx="1">
+            <a:schemeClr val="accent1"/>
+          </a:fillRef>
+          <a:effectRef idx="0">
+            <a:schemeClr val="accent1"/>
+          </a:effectRef>
+          <a:fontRef idx="minor">
+            <a:schemeClr val="lt1"/>
+          </a:fontRef>
+        </p:style>
+        <p:txBody>
+          <a:bodyPr rtlCol="0" anchor="ctr"/>
+          <a:lstStyle/>
+          <a:p>
+            <a:pPr algn="ctr"/>
+            <a:endParaRPr lang="ko-KR" altLang="en-US"/>
+          </a:p>
+        </p:txBody>
+      </p:sp>
+      <p:sp>
+        <p:nvSpPr>
+          <p:cNvPr id="21" name="직사각형 20"/>
+          <p:cNvSpPr/>
+          <p:nvPr/>
+        </p:nvSpPr>
+        <p:spPr>
+          <a:xfrm>
+            <a:off x="4815696" y="5028676"/>
+            <a:ext cx="4621386" cy="3451860"/>
+          </a:xfrm>
+          <a:prstGeom prst="rect">
+            <a:avLst/>
+          </a:prstGeom>
+          <a:solidFill>
+            <a:schemeClr val="accent1">
+              <a:lumMod val="40000"/>
+              <a:lumOff val="60000"/>
+            </a:schemeClr>
+          </a:solidFill>
+        </p:spPr>
+        <p:style>
+          <a:lnRef idx="2">
+            <a:schemeClr val="accent1">
+              <a:shade val="50000"/>
+            </a:schemeClr>
+          </a:lnRef>
+          <a:fillRef idx="1">
+            <a:schemeClr val="accent1"/>
+          </a:fillRef>
+          <a:effectRef idx="0">
+            <a:schemeClr val="accent1"/>
+          </a:effectRef>
+          <a:fontRef idx="minor">
+            <a:schemeClr val="lt1"/>
+          </a:fontRef>
+        </p:style>
+        <p:txBody>
+          <a:bodyPr rtlCol="0" anchor="ctr"/>
+          <a:lstStyle/>
+          <a:p>
+            <a:pPr algn="ctr"/>
+            <a:endParaRPr lang="ko-KR" altLang="en-US"/>
+          </a:p>
+        </p:txBody>
+      </p:sp>
+      <p:sp>
+        <p:nvSpPr>
+          <p:cNvPr id="23" name="TextBox 22"/>
+          <p:cNvSpPr txBox="1"/>
+          <p:nvPr/>
+        </p:nvSpPr>
+        <p:spPr>
+          <a:xfrm>
+            <a:off x="1519105" y="6561296"/>
+            <a:ext cx="1719830" cy="369332"/>
+          </a:xfrm>
+          <a:prstGeom prst="rect">
+            <a:avLst/>
+          </a:prstGeom>
+          <a:noFill/>
+        </p:spPr>
+        <p:txBody>
+          <a:bodyPr wrap="none" rtlCol="0">
+            <a:spAutoFit/>
+          </a:bodyPr>
+          <a:lstStyle/>
+          <a:p>
+            <a:r>
+              <a:rPr lang="en-US" altLang="ko-KR" dirty="0" smtClean="0"/>
+              <a:t>&lt;div pop_proj1&gt;</a:t>
+            </a:r>
+            <a:endParaRPr lang="ko-KR" altLang="en-US" dirty="0"/>
+          </a:p>
+        </p:txBody>
+      </p:sp>
+      <p:sp>
+        <p:nvSpPr>
+          <p:cNvPr id="24" name="TextBox 23"/>
+          <p:cNvSpPr txBox="1"/>
+          <p:nvPr/>
+        </p:nvSpPr>
+        <p:spPr>
+          <a:xfrm>
+            <a:off x="6241813" y="6561296"/>
+            <a:ext cx="1755545" cy="369332"/>
+          </a:xfrm>
+          <a:prstGeom prst="rect">
+            <a:avLst/>
+          </a:prstGeom>
+          <a:noFill/>
+        </p:spPr>
+        <p:txBody>
+          <a:bodyPr wrap="none" rtlCol="0">
+            <a:spAutoFit/>
+          </a:bodyPr>
+          <a:lstStyle/>
+          <a:p>
+            <a:r>
+              <a:rPr lang="en-US" altLang="ko-KR" dirty="0" smtClean="0"/>
+              <a:t>&lt;div pop_proj2&gt;</a:t>
+            </a:r>
+            <a:endParaRPr lang="ko-KR" altLang="en-US" dirty="0"/>
+          </a:p>
+        </p:txBody>
+      </p:sp>
+      <p:sp>
+        <p:nvSpPr>
+          <p:cNvPr id="25" name="TextBox 24"/>
+          <p:cNvSpPr txBox="1"/>
+          <p:nvPr/>
+        </p:nvSpPr>
+        <p:spPr>
+          <a:xfrm>
+            <a:off x="10863199" y="6561296"/>
+            <a:ext cx="1755545" cy="369332"/>
+          </a:xfrm>
+          <a:prstGeom prst="rect">
+            <a:avLst/>
+          </a:prstGeom>
+          <a:noFill/>
+        </p:spPr>
+        <p:txBody>
+          <a:bodyPr wrap="none" rtlCol="0">
+            <a:spAutoFit/>
+          </a:bodyPr>
+          <a:lstStyle/>
+          <a:p>
+            <a:r>
+              <a:rPr lang="en-US" altLang="ko-KR" dirty="0" smtClean="0"/>
+              <a:t>&lt;div pop_proj3&gt;</a:t>
+            </a:r>
+            <a:endParaRPr lang="ko-KR" altLang="en-US" dirty="0"/>
+          </a:p>
+        </p:txBody>
+      </p:sp>
+      <p:sp>
+        <p:nvSpPr>
+          <p:cNvPr id="26" name="TextBox 25"/>
+          <p:cNvSpPr txBox="1"/>
+          <p:nvPr/>
+        </p:nvSpPr>
+        <p:spPr>
+          <a:xfrm>
+            <a:off x="15488916" y="6562296"/>
+            <a:ext cx="1755545" cy="369332"/>
+          </a:xfrm>
+          <a:prstGeom prst="rect">
+            <a:avLst/>
+          </a:prstGeom>
+          <a:noFill/>
+        </p:spPr>
+        <p:txBody>
+          <a:bodyPr wrap="none" rtlCol="0">
+            <a:spAutoFit/>
+          </a:bodyPr>
+          <a:lstStyle/>
+          <a:p>
+            <a:r>
+              <a:rPr lang="en-US" altLang="ko-KR" dirty="0" smtClean="0"/>
+              <a:t>&lt;div pop_proj4&gt;</a:t>
             </a:r>
             <a:endParaRPr lang="ko-KR" altLang="en-US" dirty="0"/>
           </a:p>

--- a/CSSGuide/스프링프로젝트1.pptx
+++ b/CSSGuide/스프링프로젝트1.pptx
@@ -6,10 +6,9 @@
   </p:sldMasterIdLst>
   <p:sldIdLst>
     <p:sldId id="256" r:id="rId2"/>
-    <p:sldId id="260" r:id="rId3"/>
-    <p:sldId id="257" r:id="rId4"/>
-    <p:sldId id="258" r:id="rId5"/>
-    <p:sldId id="259" r:id="rId6"/>
+    <p:sldId id="257" r:id="rId3"/>
+    <p:sldId id="258" r:id="rId4"/>
+    <p:sldId id="259" r:id="rId5"/>
   </p:sldIdLst>
   <p:sldSz cx="18859500" cy="10287000"/>
   <p:notesSz cx="6858000" cy="9144000"/>
@@ -108,11 +107,6 @@
       </a:defRPr>
     </a:lvl9pPr>
   </p:defaultTextStyle>
-  <p:extLst>
-    <p:ext uri="{EFAFB233-063F-42B5-8137-9DF3F51BA10A}">
-      <p15:sldGuideLst xmlns:p15="http://schemas.microsoft.com/office/powerpoint/2012/main"/>
-    </p:ext>
-  </p:extLst>
 </p:presentation>
 </file>
 
@@ -247,7 +241,7 @@
           <a:p>
             <a:fld id="{BE6C9B85-A7C9-4C74-A618-4E1D3FF7A410}" type="datetimeFigureOut">
               <a:rPr lang="ko-KR" altLang="en-US" smtClean="0"/>
-              <a:t>2021-06-01</a:t>
+              <a:t>2021-05-31</a:t>
             </a:fld>
             <a:endParaRPr lang="ko-KR" altLang="en-US"/>
           </a:p>
@@ -417,7 +411,7 @@
           <a:p>
             <a:fld id="{BE6C9B85-A7C9-4C74-A618-4E1D3FF7A410}" type="datetimeFigureOut">
               <a:rPr lang="ko-KR" altLang="en-US" smtClean="0"/>
-              <a:t>2021-06-01</a:t>
+              <a:t>2021-05-31</a:t>
             </a:fld>
             <a:endParaRPr lang="ko-KR" altLang="en-US"/>
           </a:p>
@@ -597,7 +591,7 @@
           <a:p>
             <a:fld id="{BE6C9B85-A7C9-4C74-A618-4E1D3FF7A410}" type="datetimeFigureOut">
               <a:rPr lang="ko-KR" altLang="en-US" smtClean="0"/>
-              <a:t>2021-06-01</a:t>
+              <a:t>2021-05-31</a:t>
             </a:fld>
             <a:endParaRPr lang="ko-KR" altLang="en-US"/>
           </a:p>
@@ -767,7 +761,7 @@
           <a:p>
             <a:fld id="{BE6C9B85-A7C9-4C74-A618-4E1D3FF7A410}" type="datetimeFigureOut">
               <a:rPr lang="ko-KR" altLang="en-US" smtClean="0"/>
-              <a:t>2021-06-01</a:t>
+              <a:t>2021-05-31</a:t>
             </a:fld>
             <a:endParaRPr lang="ko-KR" altLang="en-US"/>
           </a:p>
@@ -1013,7 +1007,7 @@
           <a:p>
             <a:fld id="{BE6C9B85-A7C9-4C74-A618-4E1D3FF7A410}" type="datetimeFigureOut">
               <a:rPr lang="ko-KR" altLang="en-US" smtClean="0"/>
-              <a:t>2021-06-01</a:t>
+              <a:t>2021-05-31</a:t>
             </a:fld>
             <a:endParaRPr lang="ko-KR" altLang="en-US"/>
           </a:p>
@@ -1245,7 +1239,7 @@
           <a:p>
             <a:fld id="{BE6C9B85-A7C9-4C74-A618-4E1D3FF7A410}" type="datetimeFigureOut">
               <a:rPr lang="ko-KR" altLang="en-US" smtClean="0"/>
-              <a:t>2021-06-01</a:t>
+              <a:t>2021-05-31</a:t>
             </a:fld>
             <a:endParaRPr lang="ko-KR" altLang="en-US"/>
           </a:p>
@@ -1612,7 +1606,7 @@
           <a:p>
             <a:fld id="{BE6C9B85-A7C9-4C74-A618-4E1D3FF7A410}" type="datetimeFigureOut">
               <a:rPr lang="ko-KR" altLang="en-US" smtClean="0"/>
-              <a:t>2021-06-01</a:t>
+              <a:t>2021-05-31</a:t>
             </a:fld>
             <a:endParaRPr lang="ko-KR" altLang="en-US"/>
           </a:p>
@@ -1730,7 +1724,7 @@
           <a:p>
             <a:fld id="{BE6C9B85-A7C9-4C74-A618-4E1D3FF7A410}" type="datetimeFigureOut">
               <a:rPr lang="ko-KR" altLang="en-US" smtClean="0"/>
-              <a:t>2021-06-01</a:t>
+              <a:t>2021-05-31</a:t>
             </a:fld>
             <a:endParaRPr lang="ko-KR" altLang="en-US"/>
           </a:p>
@@ -1825,7 +1819,7 @@
           <a:p>
             <a:fld id="{BE6C9B85-A7C9-4C74-A618-4E1D3FF7A410}" type="datetimeFigureOut">
               <a:rPr lang="ko-KR" altLang="en-US" smtClean="0"/>
-              <a:t>2021-06-01</a:t>
+              <a:t>2021-05-31</a:t>
             </a:fld>
             <a:endParaRPr lang="ko-KR" altLang="en-US"/>
           </a:p>
@@ -2102,7 +2096,7 @@
           <a:p>
             <a:fld id="{BE6C9B85-A7C9-4C74-A618-4E1D3FF7A410}" type="datetimeFigureOut">
               <a:rPr lang="ko-KR" altLang="en-US" smtClean="0"/>
-              <a:t>2021-06-01</a:t>
+              <a:t>2021-05-31</a:t>
             </a:fld>
             <a:endParaRPr lang="ko-KR" altLang="en-US"/>
           </a:p>
@@ -2359,7 +2353,7 @@
           <a:p>
             <a:fld id="{BE6C9B85-A7C9-4C74-A618-4E1D3FF7A410}" type="datetimeFigureOut">
               <a:rPr lang="ko-KR" altLang="en-US" smtClean="0"/>
-              <a:t>2021-06-01</a:t>
+              <a:t>2021-05-31</a:t>
             </a:fld>
             <a:endParaRPr lang="ko-KR" altLang="en-US"/>
           </a:p>
@@ -2572,7 +2566,7 @@
           <a:p>
             <a:fld id="{BE6C9B85-A7C9-4C74-A618-4E1D3FF7A410}" type="datetimeFigureOut">
               <a:rPr lang="ko-KR" altLang="en-US" smtClean="0"/>
-              <a:t>2021-06-01</a:t>
+              <a:t>2021-05-31</a:t>
             </a:fld>
             <a:endParaRPr lang="ko-KR" altLang="en-US"/>
           </a:p>
@@ -3508,7 +3502,11 @@
             </a:r>
             <a:r>
               <a:rPr lang="en-US" altLang="ko-KR" dirty="0" err="1" smtClean="0"/>
-              <a:t>header_account</a:t>
+              <a:t>header_</a:t>
+            </a:r>
+            <a:r>
+              <a:rPr lang="en-US" altLang="ko-KR" dirty="0" err="1" smtClean="0"/>
+              <a:t>account</a:t>
             </a:r>
             <a:r>
               <a:rPr lang="en-US" altLang="ko-KR" dirty="0" smtClean="0"/>
@@ -3592,7 +3590,11 @@
             </a:r>
             <a:r>
               <a:rPr lang="en-US" altLang="ko-KR" dirty="0" err="1" smtClean="0"/>
-              <a:t>footer_info</a:t>
+              <a:t>footer_</a:t>
+            </a:r>
+            <a:r>
+              <a:rPr lang="en-US" altLang="ko-KR" dirty="0" err="1" smtClean="0"/>
+              <a:t>info</a:t>
             </a:r>
             <a:r>
               <a:rPr lang="en-US" altLang="ko-KR" dirty="0" smtClean="0"/>
@@ -3630,7 +3632,11 @@
             </a:r>
             <a:r>
               <a:rPr lang="en-US" altLang="ko-KR" dirty="0" err="1" smtClean="0"/>
-              <a:t>footer_menu</a:t>
+              <a:t>footer_</a:t>
+            </a:r>
+            <a:r>
+              <a:rPr lang="en-US" altLang="ko-KR" dirty="0" err="1" smtClean="0"/>
+              <a:t>menu</a:t>
             </a:r>
             <a:r>
               <a:rPr lang="en-US" altLang="ko-KR" dirty="0" smtClean="0"/>
@@ -3714,7 +3720,15 @@
             </a:r>
             <a:r>
               <a:rPr lang="en-US" altLang="ko-KR" dirty="0" err="1" smtClean="0"/>
-              <a:t>footer_question</a:t>
+              <a:t>footer</a:t>
+            </a:r>
+            <a:r>
+              <a:rPr lang="en-US" altLang="ko-KR" dirty="0" err="1" smtClean="0"/>
+              <a:t>_</a:t>
+            </a:r>
+            <a:r>
+              <a:rPr lang="en-US" altLang="ko-KR" dirty="0" err="1" smtClean="0"/>
+              <a:t>question</a:t>
             </a:r>
             <a:r>
               <a:rPr lang="en-US" altLang="ko-KR" dirty="0" smtClean="0"/>
@@ -3794,22 +3808,22 @@
       </p:grpSpPr>
       <p:sp>
         <p:nvSpPr>
-          <p:cNvPr id="12" name="직사각형 11"/>
+          <p:cNvPr id="7" name="직사각형 6"/>
           <p:cNvSpPr/>
           <p:nvPr/>
         </p:nvSpPr>
         <p:spPr>
           <a:xfrm>
-            <a:off x="0" y="1"/>
-            <a:ext cx="18859500" cy="865632"/>
+            <a:off x="182118" y="265176"/>
+            <a:ext cx="18495264" cy="646176"/>
           </a:xfrm>
           <a:prstGeom prst="rect">
             <a:avLst/>
           </a:prstGeom>
           <a:solidFill>
             <a:schemeClr val="accent1">
-              <a:lumMod val="40000"/>
-              <a:lumOff val="60000"/>
+              <a:lumMod val="20000"/>
+              <a:lumOff val="80000"/>
             </a:schemeClr>
           </a:solidFill>
         </p:spPr>
@@ -3846,8 +3860,8 @@
         </p:nvSpPr>
         <p:spPr>
           <a:xfrm>
-            <a:off x="0" y="1"/>
-            <a:ext cx="18859500" cy="865632"/>
+            <a:off x="182118" y="265176"/>
+            <a:ext cx="18495264" cy="9924288"/>
           </a:xfrm>
           <a:prstGeom prst="rect">
             <a:avLst/>
@@ -3871,38 +3885,64 @@
           </a:fontRef>
         </p:style>
         <p:txBody>
-          <a:bodyPr rot="0" spcFirstLastPara="0" vertOverflow="overflow" horzOverflow="overflow" vert="horz" wrap="square" lIns="91440" tIns="45720" rIns="91440" bIns="45720" numCol="1" spcCol="0" rtlCol="0" fromWordArt="0" anchor="ctr" anchorCtr="0" forceAA="0" compatLnSpc="1">
-            <a:prstTxWarp prst="textNoShape">
-              <a:avLst/>
-            </a:prstTxWarp>
-            <a:noAutofit/>
+          <a:bodyPr rtlCol="0" anchor="ctr"/>
+          <a:lstStyle/>
+          <a:p>
+            <a:pPr algn="ctr"/>
+            <a:endParaRPr lang="ko-KR" altLang="en-US" dirty="0"/>
+          </a:p>
+        </p:txBody>
+      </p:sp>
+      <p:sp>
+        <p:nvSpPr>
+          <p:cNvPr id="5" name="TextBox 4"/>
+          <p:cNvSpPr txBox="1"/>
+          <p:nvPr/>
+        </p:nvSpPr>
+        <p:spPr>
+          <a:xfrm>
+            <a:off x="-86106" y="-63366"/>
+            <a:ext cx="1459054" cy="369332"/>
+          </a:xfrm>
+          <a:prstGeom prst="rect">
+            <a:avLst/>
+          </a:prstGeom>
+          <a:noFill/>
+        </p:spPr>
+        <p:txBody>
+          <a:bodyPr wrap="none" rtlCol="0">
+            <a:spAutoFit/>
           </a:bodyPr>
           <a:lstStyle/>
           <a:p>
-            <a:pPr algn="ctr"/>
-            <a:endParaRPr lang="ko-KR" altLang="en-US" dirty="0">
-              <a:solidFill>
-                <a:schemeClr val="tx1"/>
-              </a:solidFill>
-            </a:endParaRPr>
-          </a:p>
-        </p:txBody>
-      </p:sp>
-      <p:sp>
-        <p:nvSpPr>
-          <p:cNvPr id="5" name="직사각형 4"/>
+            <a:r>
+              <a:rPr lang="en-US" altLang="ko-KR" dirty="0" err="1" smtClean="0"/>
+              <a:t>Main_section</a:t>
+            </a:r>
+            <a:endParaRPr lang="ko-KR" altLang="en-US" dirty="0"/>
+          </a:p>
+        </p:txBody>
+      </p:sp>
+      <p:sp>
+        <p:nvSpPr>
+          <p:cNvPr id="8" name="직사각형 7"/>
           <p:cNvSpPr/>
           <p:nvPr/>
         </p:nvSpPr>
         <p:spPr>
           <a:xfrm>
-            <a:off x="0" y="8022336"/>
-            <a:ext cx="18859500" cy="2264665"/>
-          </a:xfrm>
-          <a:prstGeom prst="rect">
-            <a:avLst/>
-          </a:prstGeom>
-          <a:noFill/>
+            <a:off x="182118" y="911352"/>
+            <a:ext cx="4621386" cy="3451860"/>
+          </a:xfrm>
+          <a:prstGeom prst="rect">
+            <a:avLst/>
+          </a:prstGeom>
+          <a:solidFill>
+            <a:schemeClr val="accent1">
+              <a:lumMod val="40000"/>
+              <a:lumOff val="60000"/>
+            </a:schemeClr>
+          </a:solidFill>
         </p:spPr>
         <p:style>
           <a:lnRef idx="2">
@@ -3921,41 +3961,34 @@
           </a:fontRef>
         </p:style>
         <p:txBody>
-          <a:bodyPr rot="0" spcFirstLastPara="0" vertOverflow="overflow" horzOverflow="overflow" vert="horz" wrap="square" lIns="91440" tIns="45720" rIns="91440" bIns="45720" numCol="1" spcCol="0" rtlCol="0" fromWordArt="0" anchor="ctr" anchorCtr="0" forceAA="0" compatLnSpc="1">
-            <a:prstTxWarp prst="textNoShape">
-              <a:avLst/>
-            </a:prstTxWarp>
-            <a:noAutofit/>
-          </a:bodyPr>
-          <a:lstStyle/>
-          <a:p>
-            <a:pPr marL="342900" indent="-342900" algn="ctr">
-              <a:buFont typeface="+mj-lt"/>
-              <a:buAutoNum type="arabicPeriod"/>
-            </a:pPr>
-            <a:endParaRPr lang="ko-KR" altLang="en-US" dirty="0">
-              <a:solidFill>
-                <a:schemeClr val="tx1"/>
-              </a:solidFill>
-            </a:endParaRPr>
-          </a:p>
-        </p:txBody>
-      </p:sp>
-      <p:sp>
-        <p:nvSpPr>
-          <p:cNvPr id="6" name="직사각형 5"/>
+          <a:bodyPr rtlCol="0" anchor="ctr"/>
+          <a:lstStyle/>
+          <a:p>
+            <a:pPr algn="ctr"/>
+            <a:endParaRPr lang="ko-KR" altLang="en-US"/>
+          </a:p>
+        </p:txBody>
+      </p:sp>
+      <p:sp>
+        <p:nvSpPr>
+          <p:cNvPr id="9" name="직사각형 8"/>
           <p:cNvSpPr/>
           <p:nvPr/>
         </p:nvSpPr>
         <p:spPr>
           <a:xfrm>
-            <a:off x="0" y="871096"/>
-            <a:ext cx="18859500" cy="7151240"/>
-          </a:xfrm>
-          <a:prstGeom prst="rect">
-            <a:avLst/>
-          </a:prstGeom>
-          <a:noFill/>
+            <a:off x="14075436" y="911352"/>
+            <a:ext cx="4601946" cy="3451860"/>
+          </a:xfrm>
+          <a:prstGeom prst="rect">
+            <a:avLst/>
+          </a:prstGeom>
+          <a:solidFill>
+            <a:schemeClr val="accent1">
+              <a:lumMod val="40000"/>
+              <a:lumOff val="60000"/>
+            </a:schemeClr>
+          </a:solidFill>
         </p:spPr>
         <p:style>
           <a:lnRef idx="2">
@@ -3974,117 +4007,32 @@
           </a:fontRef>
         </p:style>
         <p:txBody>
-          <a:bodyPr rot="0" spcFirstLastPara="0" vertOverflow="overflow" horzOverflow="overflow" vert="horz" wrap="square" lIns="91440" tIns="45720" rIns="91440" bIns="45720" numCol="1" spcCol="0" rtlCol="0" fromWordArt="0" anchor="ctr" anchorCtr="0" forceAA="0" compatLnSpc="1">
-            <a:prstTxWarp prst="textNoShape">
-              <a:avLst/>
-            </a:prstTxWarp>
-            <a:noAutofit/>
-          </a:bodyPr>
+          <a:bodyPr rtlCol="0" anchor="ctr"/>
           <a:lstStyle/>
           <a:p>
             <a:pPr algn="ctr"/>
-            <a:endParaRPr lang="ko-KR" altLang="en-US" dirty="0">
-              <a:solidFill>
-                <a:schemeClr val="tx1"/>
-              </a:solidFill>
-            </a:endParaRPr>
-          </a:p>
-        </p:txBody>
-      </p:sp>
-      <p:sp>
-        <p:nvSpPr>
-          <p:cNvPr id="10" name="TextBox 9"/>
-          <p:cNvSpPr txBox="1"/>
-          <p:nvPr/>
-        </p:nvSpPr>
-        <p:spPr>
-          <a:xfrm>
-            <a:off x="8672492" y="250490"/>
-            <a:ext cx="1514517" cy="369332"/>
-          </a:xfrm>
-          <a:prstGeom prst="rect">
-            <a:avLst/>
-          </a:prstGeom>
-          <a:noFill/>
-        </p:spPr>
-        <p:txBody>
-          <a:bodyPr wrap="none" rtlCol="0">
-            <a:spAutoFit/>
-          </a:bodyPr>
-          <a:lstStyle/>
-          <a:p>
-            <a:r>
-              <a:rPr lang="en-US" altLang="ko-KR" dirty="0" smtClean="0"/>
-              <a:t>&lt;</a:t>
-            </a:r>
-            <a:r>
-              <a:rPr lang="en-US" altLang="ko-KR" dirty="0" err="1" smtClean="0"/>
-              <a:t>header_top</a:t>
-            </a:r>
-            <a:r>
-              <a:rPr lang="en-US" altLang="ko-KR" dirty="0" smtClean="0"/>
-              <a:t>&gt;</a:t>
-            </a:r>
-            <a:endParaRPr lang="ko-KR" altLang="en-US" dirty="0"/>
-          </a:p>
-        </p:txBody>
-      </p:sp>
-      <p:sp>
-        <p:nvSpPr>
-          <p:cNvPr id="3" name="TextBox 2"/>
-          <p:cNvSpPr txBox="1"/>
-          <p:nvPr/>
-        </p:nvSpPr>
-        <p:spPr>
-          <a:xfrm>
-            <a:off x="8792652" y="8027799"/>
-            <a:ext cx="1274195" cy="369332"/>
-          </a:xfrm>
-          <a:prstGeom prst="rect">
-            <a:avLst/>
-          </a:prstGeom>
-          <a:noFill/>
-        </p:spPr>
-        <p:txBody>
-          <a:bodyPr wrap="none" rtlCol="0">
-            <a:spAutoFit/>
-          </a:bodyPr>
-          <a:lstStyle/>
-          <a:p>
-            <a:r>
-              <a:rPr lang="en-US" altLang="ko-KR" dirty="0" smtClean="0"/>
-              <a:t>&lt;</a:t>
-            </a:r>
-            <a:r>
-              <a:rPr lang="en-US" altLang="ko-KR" dirty="0" err="1" smtClean="0"/>
-              <a:t>Copiright</a:t>
-            </a:r>
-            <a:r>
-              <a:rPr lang="en-US" altLang="ko-KR" dirty="0" smtClean="0"/>
-              <a:t>&gt;</a:t>
-            </a:r>
-            <a:endParaRPr lang="ko-KR" altLang="en-US" dirty="0"/>
-          </a:p>
-        </p:txBody>
-      </p:sp>
-      <p:sp>
-        <p:nvSpPr>
-          <p:cNvPr id="23" name="직사각형 22"/>
+            <a:endParaRPr lang="ko-KR" altLang="en-US"/>
+          </a:p>
+        </p:txBody>
+      </p:sp>
+      <p:sp>
+        <p:nvSpPr>
+          <p:cNvPr id="10" name="직사각형 9"/>
           <p:cNvSpPr/>
           <p:nvPr/>
         </p:nvSpPr>
         <p:spPr>
           <a:xfrm>
-            <a:off x="6564630" y="1194816"/>
-            <a:ext cx="5730240" cy="6412992"/>
+            <a:off x="9444330" y="911352"/>
+            <a:ext cx="4621386" cy="3451860"/>
           </a:xfrm>
           <a:prstGeom prst="rect">
             <a:avLst/>
           </a:prstGeom>
           <a:solidFill>
             <a:schemeClr val="accent1">
-              <a:lumMod val="20000"/>
-              <a:lumOff val="80000"/>
+              <a:lumMod val="40000"/>
+              <a:lumOff val="60000"/>
             </a:schemeClr>
           </a:solidFill>
         </p:spPr>
@@ -4115,44 +4063,14 @@
       </p:sp>
       <p:sp>
         <p:nvSpPr>
-          <p:cNvPr id="24" name="TextBox 23"/>
-          <p:cNvSpPr txBox="1"/>
-          <p:nvPr/>
-        </p:nvSpPr>
-        <p:spPr>
-          <a:xfrm>
-            <a:off x="6689532" y="1280161"/>
-            <a:ext cx="918841" cy="369332"/>
-          </a:xfrm>
-          <a:prstGeom prst="rect">
-            <a:avLst/>
-          </a:prstGeom>
-          <a:noFill/>
-        </p:spPr>
-        <p:txBody>
-          <a:bodyPr wrap="none" rtlCol="0">
-            <a:spAutoFit/>
-          </a:bodyPr>
-          <a:lstStyle/>
-          <a:p>
-            <a:r>
-              <a:rPr lang="en-US" altLang="ko-KR" dirty="0" smtClean="0"/>
-              <a:t>&lt;Login&gt;</a:t>
-            </a:r>
-            <a:endParaRPr lang="ko-KR" altLang="en-US" dirty="0"/>
-          </a:p>
-        </p:txBody>
-      </p:sp>
-      <p:sp>
-        <p:nvSpPr>
-          <p:cNvPr id="25" name="직사각형 24"/>
+          <p:cNvPr id="11" name="직사각형 10"/>
           <p:cNvSpPr/>
           <p:nvPr/>
         </p:nvSpPr>
         <p:spPr>
           <a:xfrm>
-            <a:off x="7101077" y="2773051"/>
-            <a:ext cx="4657344" cy="829056"/>
+            <a:off x="4813224" y="911352"/>
+            <a:ext cx="4621386" cy="3451860"/>
           </a:xfrm>
           <a:prstGeom prst="rect">
             <a:avLst/>
@@ -4191,22 +4109,150 @@
       </p:sp>
       <p:sp>
         <p:nvSpPr>
-          <p:cNvPr id="26" name="직사각형 25"/>
+          <p:cNvPr id="12" name="TextBox 11"/>
+          <p:cNvSpPr txBox="1"/>
+          <p:nvPr/>
+        </p:nvSpPr>
+        <p:spPr>
+          <a:xfrm>
+            <a:off x="1965720" y="390644"/>
+            <a:ext cx="2651688" cy="369332"/>
+          </a:xfrm>
+          <a:prstGeom prst="rect">
+            <a:avLst/>
+          </a:prstGeom>
+          <a:noFill/>
+        </p:spPr>
+        <p:txBody>
+          <a:bodyPr wrap="none" rtlCol="0">
+            <a:spAutoFit/>
+          </a:bodyPr>
+          <a:lstStyle/>
+          <a:p>
+            <a:r>
+              <a:rPr lang="en-US" altLang="ko-KR" dirty="0" smtClean="0"/>
+              <a:t>&lt;h2&gt;</a:t>
+            </a:r>
+            <a:r>
+              <a:rPr lang="ko-KR" altLang="en-US" dirty="0" smtClean="0"/>
+              <a:t>신규 프로젝트</a:t>
+            </a:r>
+            <a:r>
+              <a:rPr lang="en-US" altLang="ko-KR" dirty="0" smtClean="0"/>
+              <a:t>&lt;/h2&gt;</a:t>
+            </a:r>
+            <a:endParaRPr lang="ko-KR" altLang="en-US" dirty="0"/>
+          </a:p>
+        </p:txBody>
+      </p:sp>
+      <p:sp>
+        <p:nvSpPr>
+          <p:cNvPr id="14" name="TextBox 13"/>
+          <p:cNvSpPr txBox="1"/>
+          <p:nvPr/>
+        </p:nvSpPr>
+        <p:spPr>
+          <a:xfrm>
+            <a:off x="6251533" y="2456164"/>
+            <a:ext cx="1755545" cy="369332"/>
+          </a:xfrm>
+          <a:prstGeom prst="rect">
+            <a:avLst/>
+          </a:prstGeom>
+          <a:noFill/>
+        </p:spPr>
+        <p:txBody>
+          <a:bodyPr wrap="none" rtlCol="0">
+            <a:spAutoFit/>
+          </a:bodyPr>
+          <a:lstStyle/>
+          <a:p>
+            <a:r>
+              <a:rPr lang="en-US" altLang="ko-KR" dirty="0" smtClean="0"/>
+              <a:t>&lt;div new_proj2&gt;</a:t>
+            </a:r>
+            <a:endParaRPr lang="ko-KR" altLang="en-US" dirty="0"/>
+          </a:p>
+        </p:txBody>
+      </p:sp>
+      <p:sp>
+        <p:nvSpPr>
+          <p:cNvPr id="15" name="TextBox 14"/>
+          <p:cNvSpPr txBox="1"/>
+          <p:nvPr/>
+        </p:nvSpPr>
+        <p:spPr>
+          <a:xfrm>
+            <a:off x="10872919" y="2456164"/>
+            <a:ext cx="1755545" cy="369332"/>
+          </a:xfrm>
+          <a:prstGeom prst="rect">
+            <a:avLst/>
+          </a:prstGeom>
+          <a:noFill/>
+        </p:spPr>
+        <p:txBody>
+          <a:bodyPr wrap="none" rtlCol="0">
+            <a:spAutoFit/>
+          </a:bodyPr>
+          <a:lstStyle/>
+          <a:p>
+            <a:r>
+              <a:rPr lang="en-US" altLang="ko-KR" dirty="0" smtClean="0"/>
+              <a:t>&lt;div new_proj3&gt;</a:t>
+            </a:r>
+            <a:endParaRPr lang="ko-KR" altLang="en-US" dirty="0"/>
+          </a:p>
+        </p:txBody>
+      </p:sp>
+      <p:sp>
+        <p:nvSpPr>
+          <p:cNvPr id="16" name="TextBox 15"/>
+          <p:cNvSpPr txBox="1"/>
+          <p:nvPr/>
+        </p:nvSpPr>
+        <p:spPr>
+          <a:xfrm>
+            <a:off x="15498636" y="2457164"/>
+            <a:ext cx="1755545" cy="369332"/>
+          </a:xfrm>
+          <a:prstGeom prst="rect">
+            <a:avLst/>
+          </a:prstGeom>
+          <a:noFill/>
+        </p:spPr>
+        <p:txBody>
+          <a:bodyPr wrap="none" rtlCol="0">
+            <a:spAutoFit/>
+          </a:bodyPr>
+          <a:lstStyle/>
+          <a:p>
+            <a:r>
+              <a:rPr lang="en-US" altLang="ko-KR" dirty="0" smtClean="0"/>
+              <a:t>&lt;div new_proj4&gt;</a:t>
+            </a:r>
+            <a:endParaRPr lang="ko-KR" altLang="en-US" dirty="0"/>
+          </a:p>
+        </p:txBody>
+      </p:sp>
+      <p:sp>
+        <p:nvSpPr>
+          <p:cNvPr id="17" name="직사각형 16"/>
           <p:cNvSpPr/>
           <p:nvPr/>
         </p:nvSpPr>
         <p:spPr>
           <a:xfrm>
-            <a:off x="7101077" y="3796283"/>
-            <a:ext cx="4657344" cy="829056"/>
+            <a:off x="187062" y="4370308"/>
+            <a:ext cx="18495264" cy="646176"/>
           </a:xfrm>
           <a:prstGeom prst="rect">
             <a:avLst/>
           </a:prstGeom>
           <a:solidFill>
             <a:schemeClr val="accent1">
-              <a:lumMod val="40000"/>
-              <a:lumOff val="60000"/>
+              <a:lumMod val="20000"/>
+              <a:lumOff val="80000"/>
             </a:schemeClr>
           </a:solidFill>
         </p:spPr>
@@ -4237,22 +4283,22 @@
       </p:sp>
       <p:sp>
         <p:nvSpPr>
-          <p:cNvPr id="27" name="직사각형 26"/>
+          <p:cNvPr id="18" name="직사각형 17"/>
           <p:cNvSpPr/>
           <p:nvPr/>
         </p:nvSpPr>
         <p:spPr>
           <a:xfrm>
-            <a:off x="7101077" y="4928615"/>
-            <a:ext cx="4657344" cy="829056"/>
+            <a:off x="184590" y="5028676"/>
+            <a:ext cx="4621386" cy="3451860"/>
           </a:xfrm>
           <a:prstGeom prst="rect">
             <a:avLst/>
           </a:prstGeom>
           <a:solidFill>
-            <a:schemeClr val="accent4">
-              <a:lumMod val="20000"/>
-              <a:lumOff val="80000"/>
+            <a:schemeClr val="accent1">
+              <a:lumMod val="40000"/>
+              <a:lumOff val="60000"/>
             </a:schemeClr>
           </a:solidFill>
         </p:spPr>
@@ -4283,14 +4329,152 @@
       </p:sp>
       <p:sp>
         <p:nvSpPr>
-          <p:cNvPr id="28" name="TextBox 27"/>
+          <p:cNvPr id="19" name="직사각형 18"/>
+          <p:cNvSpPr/>
+          <p:nvPr/>
+        </p:nvSpPr>
+        <p:spPr>
+          <a:xfrm>
+            <a:off x="14077908" y="5028676"/>
+            <a:ext cx="4601946" cy="3451860"/>
+          </a:xfrm>
+          <a:prstGeom prst="rect">
+            <a:avLst/>
+          </a:prstGeom>
+          <a:solidFill>
+            <a:schemeClr val="accent1">
+              <a:lumMod val="40000"/>
+              <a:lumOff val="60000"/>
+            </a:schemeClr>
+          </a:solidFill>
+        </p:spPr>
+        <p:style>
+          <a:lnRef idx="2">
+            <a:schemeClr val="accent1">
+              <a:shade val="50000"/>
+            </a:schemeClr>
+          </a:lnRef>
+          <a:fillRef idx="1">
+            <a:schemeClr val="accent1"/>
+          </a:fillRef>
+          <a:effectRef idx="0">
+            <a:schemeClr val="accent1"/>
+          </a:effectRef>
+          <a:fontRef idx="minor">
+            <a:schemeClr val="lt1"/>
+          </a:fontRef>
+        </p:style>
+        <p:txBody>
+          <a:bodyPr rtlCol="0" anchor="ctr"/>
+          <a:lstStyle/>
+          <a:p>
+            <a:pPr algn="ctr"/>
+            <a:endParaRPr lang="ko-KR" altLang="en-US"/>
+          </a:p>
+        </p:txBody>
+      </p:sp>
+      <p:sp>
+        <p:nvSpPr>
+          <p:cNvPr id="20" name="직사각형 19"/>
+          <p:cNvSpPr/>
+          <p:nvPr/>
+        </p:nvSpPr>
+        <p:spPr>
+          <a:xfrm>
+            <a:off x="9446802" y="5028676"/>
+            <a:ext cx="4621386" cy="3451860"/>
+          </a:xfrm>
+          <a:prstGeom prst="rect">
+            <a:avLst/>
+          </a:prstGeom>
+          <a:solidFill>
+            <a:schemeClr val="accent1">
+              <a:lumMod val="40000"/>
+              <a:lumOff val="60000"/>
+            </a:schemeClr>
+          </a:solidFill>
+        </p:spPr>
+        <p:style>
+          <a:lnRef idx="2">
+            <a:schemeClr val="accent1">
+              <a:shade val="50000"/>
+            </a:schemeClr>
+          </a:lnRef>
+          <a:fillRef idx="1">
+            <a:schemeClr val="accent1"/>
+          </a:fillRef>
+          <a:effectRef idx="0">
+            <a:schemeClr val="accent1"/>
+          </a:effectRef>
+          <a:fontRef idx="minor">
+            <a:schemeClr val="lt1"/>
+          </a:fontRef>
+        </p:style>
+        <p:txBody>
+          <a:bodyPr rtlCol="0" anchor="ctr"/>
+          <a:lstStyle/>
+          <a:p>
+            <a:pPr algn="ctr"/>
+            <a:endParaRPr lang="ko-KR" altLang="en-US"/>
+          </a:p>
+        </p:txBody>
+      </p:sp>
+      <p:sp>
+        <p:nvSpPr>
+          <p:cNvPr id="21" name="직사각형 20"/>
+          <p:cNvSpPr/>
+          <p:nvPr/>
+        </p:nvSpPr>
+        <p:spPr>
+          <a:xfrm>
+            <a:off x="4815696" y="5028676"/>
+            <a:ext cx="4621386" cy="3451860"/>
+          </a:xfrm>
+          <a:prstGeom prst="rect">
+            <a:avLst/>
+          </a:prstGeom>
+          <a:solidFill>
+            <a:schemeClr val="accent1">
+              <a:lumMod val="40000"/>
+              <a:lumOff val="60000"/>
+            </a:schemeClr>
+          </a:solidFill>
+        </p:spPr>
+        <p:style>
+          <a:lnRef idx="2">
+            <a:schemeClr val="accent1">
+              <a:shade val="50000"/>
+            </a:schemeClr>
+          </a:lnRef>
+          <a:fillRef idx="1">
+            <a:schemeClr val="accent1"/>
+          </a:fillRef>
+          <a:effectRef idx="0">
+            <a:schemeClr val="accent1"/>
+          </a:effectRef>
+          <a:fontRef idx="minor">
+            <a:schemeClr val="lt1"/>
+          </a:fontRef>
+        </p:style>
+        <p:txBody>
+          <a:bodyPr rtlCol="0" anchor="ctr"/>
+          <a:lstStyle/>
+          <a:p>
+            <a:pPr algn="ctr"/>
+            <a:endParaRPr lang="ko-KR" altLang="en-US"/>
+          </a:p>
+        </p:txBody>
+      </p:sp>
+      <p:sp>
+        <p:nvSpPr>
+          <p:cNvPr id="22" name="TextBox 21"/>
           <p:cNvSpPr txBox="1"/>
           <p:nvPr/>
         </p:nvSpPr>
         <p:spPr>
           <a:xfrm>
-            <a:off x="9093022" y="3026353"/>
-            <a:ext cx="590226" cy="369332"/>
+            <a:off x="1948806" y="4508730"/>
+            <a:ext cx="3397084" cy="369332"/>
           </a:xfrm>
           <a:prstGeom prst="rect">
             <a:avLst/>
@@ -4305,7 +4489,15 @@
           <a:p>
             <a:r>
               <a:rPr lang="en-US" altLang="ko-KR" dirty="0" smtClean="0"/>
-              <a:t>&lt;id&gt;</a:t>
+              <a:t>&lt;h2&gt;</a:t>
+            </a:r>
+            <a:r>
+              <a:rPr lang="ko-KR" altLang="en-US" dirty="0" smtClean="0"/>
+              <a:t>주목할 만한 프로젝트</a:t>
+            </a:r>
+            <a:r>
+              <a:rPr lang="en-US" altLang="ko-KR" dirty="0" smtClean="0"/>
+              <a:t>&lt;/h2&gt;</a:t>
             </a:r>
             <a:endParaRPr lang="ko-KR" altLang="en-US" dirty="0"/>
           </a:p>
@@ -4313,14 +4505,14 @@
       </p:sp>
       <p:sp>
         <p:nvSpPr>
-          <p:cNvPr id="29" name="TextBox 28"/>
+          <p:cNvPr id="23" name="TextBox 22"/>
           <p:cNvSpPr txBox="1"/>
           <p:nvPr/>
         </p:nvSpPr>
         <p:spPr>
           <a:xfrm>
-            <a:off x="8733148" y="4006340"/>
-            <a:ext cx="1309974" cy="369332"/>
+            <a:off x="1519105" y="6561296"/>
+            <a:ext cx="1719830" cy="369332"/>
           </a:xfrm>
           <a:prstGeom prst="rect">
             <a:avLst/>
@@ -4335,7 +4527,7 @@
           <a:p>
             <a:r>
               <a:rPr lang="en-US" altLang="ko-KR" dirty="0" smtClean="0"/>
-              <a:t>&lt;password&gt;</a:t>
+              <a:t>&lt;div pop_proj1&gt;</a:t>
             </a:r>
             <a:endParaRPr lang="ko-KR" altLang="en-US" dirty="0"/>
           </a:p>
@@ -4343,14 +4535,14 @@
       </p:sp>
       <p:sp>
         <p:nvSpPr>
-          <p:cNvPr id="30" name="TextBox 29"/>
+          <p:cNvPr id="24" name="TextBox 23"/>
           <p:cNvSpPr txBox="1"/>
           <p:nvPr/>
         </p:nvSpPr>
         <p:spPr>
           <a:xfrm>
-            <a:off x="8928715" y="5158477"/>
-            <a:ext cx="918841" cy="369332"/>
+            <a:off x="6241813" y="6561296"/>
+            <a:ext cx="1755545" cy="369332"/>
           </a:xfrm>
           <a:prstGeom prst="rect">
             <a:avLst/>
@@ -4365,7 +4557,15 @@
           <a:p>
             <a:r>
               <a:rPr lang="en-US" altLang="ko-KR" dirty="0" smtClean="0"/>
-              <a:t>&lt;Login&gt;</a:t>
+              <a:t>&lt;div </a:t>
+            </a:r>
+            <a:r>
+              <a:rPr lang="en-US" altLang="ko-KR" dirty="0" smtClean="0"/>
+              <a:t>pop</a:t>
+            </a:r>
+            <a:r>
+              <a:rPr lang="en-US" altLang="ko-KR" dirty="0" smtClean="0"/>
+              <a:t>_proj2&gt;</a:t>
             </a:r>
             <a:endParaRPr lang="ko-KR" altLang="en-US" dirty="0"/>
           </a:p>
@@ -4373,14 +4573,14 @@
       </p:sp>
       <p:sp>
         <p:nvSpPr>
-          <p:cNvPr id="31" name="TextBox 30"/>
+          <p:cNvPr id="25" name="TextBox 24"/>
           <p:cNvSpPr txBox="1"/>
           <p:nvPr/>
         </p:nvSpPr>
         <p:spPr>
           <a:xfrm>
-            <a:off x="8298671" y="6166156"/>
-            <a:ext cx="2262158" cy="646331"/>
+            <a:off x="10863199" y="6561296"/>
+            <a:ext cx="1755545" cy="369332"/>
           </a:xfrm>
           <a:prstGeom prst="rect">
             <a:avLst/>
@@ -4393,42 +4593,424 @@
           </a:bodyPr>
           <a:lstStyle/>
           <a:p>
+            <a:r>
+              <a:rPr lang="en-US" altLang="ko-KR" dirty="0" smtClean="0"/>
+              <a:t>&lt;div </a:t>
+            </a:r>
+            <a:r>
+              <a:rPr lang="en-US" altLang="ko-KR" dirty="0" smtClean="0"/>
+              <a:t>pop</a:t>
+            </a:r>
+            <a:r>
+              <a:rPr lang="en-US" altLang="ko-KR" dirty="0" smtClean="0"/>
+              <a:t>_proj3&gt;</a:t>
+            </a:r>
+            <a:endParaRPr lang="ko-KR" altLang="en-US" dirty="0"/>
+          </a:p>
+        </p:txBody>
+      </p:sp>
+      <p:sp>
+        <p:nvSpPr>
+          <p:cNvPr id="26" name="TextBox 25"/>
+          <p:cNvSpPr txBox="1"/>
+          <p:nvPr/>
+        </p:nvSpPr>
+        <p:spPr>
+          <a:xfrm>
+            <a:off x="15488916" y="6562296"/>
+            <a:ext cx="1755545" cy="369332"/>
+          </a:xfrm>
+          <a:prstGeom prst="rect">
+            <a:avLst/>
+          </a:prstGeom>
+          <a:noFill/>
+        </p:spPr>
+        <p:txBody>
+          <a:bodyPr wrap="none" rtlCol="0">
+            <a:spAutoFit/>
+          </a:bodyPr>
+          <a:lstStyle/>
+          <a:p>
+            <a:r>
+              <a:rPr lang="en-US" altLang="ko-KR" dirty="0" smtClean="0"/>
+              <a:t>&lt;div </a:t>
+            </a:r>
+            <a:r>
+              <a:rPr lang="en-US" altLang="ko-KR" dirty="0" smtClean="0"/>
+              <a:t>pop</a:t>
+            </a:r>
+            <a:r>
+              <a:rPr lang="en-US" altLang="ko-KR" dirty="0" smtClean="0"/>
+              <a:t>_proj4&gt;</a:t>
+            </a:r>
+            <a:endParaRPr lang="ko-KR" altLang="en-US" dirty="0"/>
+          </a:p>
+        </p:txBody>
+      </p:sp>
+      <p:sp>
+        <p:nvSpPr>
+          <p:cNvPr id="27" name="직사각형 26"/>
+          <p:cNvSpPr/>
+          <p:nvPr/>
+        </p:nvSpPr>
+        <p:spPr>
+          <a:xfrm>
+            <a:off x="187062" y="8499824"/>
+            <a:ext cx="18495264" cy="646176"/>
+          </a:xfrm>
+          <a:prstGeom prst="rect">
+            <a:avLst/>
+          </a:prstGeom>
+          <a:solidFill>
+            <a:schemeClr val="accent1">
+              <a:lumMod val="20000"/>
+              <a:lumOff val="80000"/>
+            </a:schemeClr>
+          </a:solidFill>
+        </p:spPr>
+        <p:style>
+          <a:lnRef idx="2">
+            <a:schemeClr val="accent1">
+              <a:shade val="50000"/>
+            </a:schemeClr>
+          </a:lnRef>
+          <a:fillRef idx="1">
+            <a:schemeClr val="accent1"/>
+          </a:fillRef>
+          <a:effectRef idx="0">
+            <a:schemeClr val="accent1"/>
+          </a:effectRef>
+          <a:fontRef idx="minor">
+            <a:schemeClr val="lt1"/>
+          </a:fontRef>
+        </p:style>
+        <p:txBody>
+          <a:bodyPr rtlCol="0" anchor="ctr"/>
+          <a:lstStyle/>
+          <a:p>
             <a:pPr algn="ctr"/>
-            <a:r>
-              <a:rPr lang="en-US" altLang="ko-KR" dirty="0" smtClean="0"/>
-              <a:t>&lt;id &amp; password </a:t>
+            <a:endParaRPr lang="ko-KR" altLang="en-US"/>
+          </a:p>
+        </p:txBody>
+      </p:sp>
+      <p:sp>
+        <p:nvSpPr>
+          <p:cNvPr id="28" name="TextBox 27"/>
+          <p:cNvSpPr txBox="1"/>
+          <p:nvPr/>
+        </p:nvSpPr>
+        <p:spPr>
+          <a:xfrm>
+            <a:off x="1948806" y="8662630"/>
+            <a:ext cx="3166251" cy="369332"/>
+          </a:xfrm>
+          <a:prstGeom prst="rect">
+            <a:avLst/>
+          </a:prstGeom>
+          <a:noFill/>
+        </p:spPr>
+        <p:txBody>
+          <a:bodyPr wrap="none" rtlCol="0">
+            <a:spAutoFit/>
+          </a:bodyPr>
+          <a:lstStyle/>
+          <a:p>
+            <a:r>
+              <a:rPr lang="en-US" altLang="ko-KR" dirty="0" smtClean="0"/>
+              <a:t>&lt;h2&gt;</a:t>
             </a:r>
             <a:r>
               <a:rPr lang="ko-KR" altLang="en-US" dirty="0" smtClean="0"/>
-              <a:t>찾기</a:t>
-            </a:r>
-            <a:r>
-              <a:rPr lang="en-US" altLang="ko-KR" dirty="0" smtClean="0"/>
-              <a:t>&gt;</a:t>
-            </a:r>
-          </a:p>
+              <a:t>마감 임박 프로젝트</a:t>
+            </a:r>
+            <a:r>
+              <a:rPr lang="en-US" altLang="ko-KR" dirty="0" smtClean="0"/>
+              <a:t>&lt;/h2&gt;</a:t>
+            </a:r>
+            <a:endParaRPr lang="ko-KR" altLang="en-US" dirty="0"/>
+          </a:p>
+        </p:txBody>
+      </p:sp>
+      <p:sp>
+        <p:nvSpPr>
+          <p:cNvPr id="30" name="직사각형 29"/>
+          <p:cNvSpPr/>
+          <p:nvPr/>
+        </p:nvSpPr>
+        <p:spPr>
+          <a:xfrm>
+            <a:off x="303718" y="1026604"/>
+            <a:ext cx="4386842" cy="2557844"/>
+          </a:xfrm>
+          <a:prstGeom prst="rect">
+            <a:avLst/>
+          </a:prstGeom>
+          <a:solidFill>
+            <a:schemeClr val="accent1">
+              <a:lumMod val="60000"/>
+              <a:lumOff val="40000"/>
+            </a:schemeClr>
+          </a:solidFill>
+        </p:spPr>
+        <p:style>
+          <a:lnRef idx="2">
+            <a:schemeClr val="accent1">
+              <a:shade val="50000"/>
+            </a:schemeClr>
+          </a:lnRef>
+          <a:fillRef idx="1">
+            <a:schemeClr val="accent1"/>
+          </a:fillRef>
+          <a:effectRef idx="0">
+            <a:schemeClr val="accent1"/>
+          </a:effectRef>
+          <a:fontRef idx="minor">
+            <a:schemeClr val="lt1"/>
+          </a:fontRef>
+        </p:style>
+        <p:txBody>
+          <a:bodyPr rtlCol="0" anchor="ctr"/>
+          <a:lstStyle/>
           <a:p>
             <a:pPr algn="ctr"/>
-            <a:r>
-              <a:rPr lang="en-US" altLang="ko-KR" dirty="0" smtClean="0"/>
-              <a:t>&lt;</a:t>
+            <a:endParaRPr lang="ko-KR" altLang="en-US"/>
+          </a:p>
+        </p:txBody>
+      </p:sp>
+      <p:sp>
+        <p:nvSpPr>
+          <p:cNvPr id="29" name="TextBox 28"/>
+          <p:cNvSpPr txBox="1"/>
+          <p:nvPr/>
+        </p:nvSpPr>
+        <p:spPr>
+          <a:xfrm>
+            <a:off x="7789069" y="9393150"/>
+            <a:ext cx="3310522" cy="369332"/>
+          </a:xfrm>
+          <a:prstGeom prst="rect">
+            <a:avLst/>
+          </a:prstGeom>
+          <a:noFill/>
+        </p:spPr>
+        <p:txBody>
+          <a:bodyPr wrap="none" rtlCol="0">
+            <a:spAutoFit/>
+          </a:bodyPr>
+          <a:lstStyle/>
+          <a:p>
+            <a:r>
+              <a:rPr lang="en-US" altLang="ko-KR" dirty="0" smtClean="0"/>
+              <a:t>… </a:t>
             </a:r>
             <a:r>
               <a:rPr lang="ko-KR" altLang="en-US" dirty="0" smtClean="0"/>
-              <a:t>회원가입</a:t>
-            </a:r>
-            <a:r>
-              <a:rPr lang="en-US" altLang="ko-KR" dirty="0" smtClean="0"/>
-              <a:t>&gt;</a:t>
+              <a:t>위 처럼 </a:t>
+            </a:r>
+            <a:r>
+              <a:rPr lang="ko-KR" altLang="en-US" dirty="0" err="1" smtClean="0"/>
+              <a:t>세개</a:t>
+            </a:r>
+            <a:r>
+              <a:rPr lang="en-US" altLang="ko-KR" dirty="0" smtClean="0"/>
+              <a:t>~</a:t>
+            </a:r>
+            <a:r>
+              <a:rPr lang="ko-KR" altLang="en-US" dirty="0" err="1" smtClean="0"/>
+              <a:t>네개의</a:t>
+            </a:r>
+            <a:r>
+              <a:rPr lang="ko-KR" altLang="en-US" dirty="0" smtClean="0"/>
+              <a:t> </a:t>
+            </a:r>
+            <a:r>
+              <a:rPr lang="en-US" altLang="ko-KR" dirty="0" smtClean="0"/>
+              <a:t>div </a:t>
+            </a:r>
+            <a:r>
+              <a:rPr lang="ko-KR" altLang="en-US" dirty="0" smtClean="0"/>
+              <a:t>사용</a:t>
             </a:r>
             <a:endParaRPr lang="ko-KR" altLang="en-US" dirty="0"/>
+          </a:p>
+        </p:txBody>
+      </p:sp>
+      <p:sp>
+        <p:nvSpPr>
+          <p:cNvPr id="13" name="TextBox 12"/>
+          <p:cNvSpPr txBox="1"/>
+          <p:nvPr/>
+        </p:nvSpPr>
+        <p:spPr>
+          <a:xfrm>
+            <a:off x="182118" y="841938"/>
+            <a:ext cx="1755545" cy="369332"/>
+          </a:xfrm>
+          <a:prstGeom prst="rect">
+            <a:avLst/>
+          </a:prstGeom>
+          <a:noFill/>
+        </p:spPr>
+        <p:txBody>
+          <a:bodyPr wrap="none" rtlCol="0">
+            <a:spAutoFit/>
+          </a:bodyPr>
+          <a:lstStyle/>
+          <a:p>
+            <a:r>
+              <a:rPr lang="en-US" altLang="ko-KR" dirty="0" smtClean="0"/>
+              <a:t>&lt;div new_proj1&gt;</a:t>
+            </a:r>
+            <a:endParaRPr lang="ko-KR" altLang="en-US" dirty="0"/>
+          </a:p>
+        </p:txBody>
+      </p:sp>
+      <p:sp>
+        <p:nvSpPr>
+          <p:cNvPr id="31" name="TextBox 30"/>
+          <p:cNvSpPr txBox="1"/>
+          <p:nvPr/>
+        </p:nvSpPr>
+        <p:spPr>
+          <a:xfrm>
+            <a:off x="1940438" y="2116574"/>
+            <a:ext cx="877163" cy="369332"/>
+          </a:xfrm>
+          <a:prstGeom prst="rect">
+            <a:avLst/>
+          </a:prstGeom>
+          <a:noFill/>
+        </p:spPr>
+        <p:txBody>
+          <a:bodyPr wrap="none" rtlCol="0">
+            <a:spAutoFit/>
+          </a:bodyPr>
+          <a:lstStyle/>
+          <a:p>
+            <a:r>
+              <a:rPr lang="ko-KR" altLang="en-US" smtClean="0"/>
+              <a:t>썸네일</a:t>
+            </a:r>
+            <a:endParaRPr lang="ko-KR" altLang="en-US" dirty="0"/>
+          </a:p>
+        </p:txBody>
+      </p:sp>
+      <p:sp>
+        <p:nvSpPr>
+          <p:cNvPr id="32" name="TextBox 31"/>
+          <p:cNvSpPr txBox="1"/>
+          <p:nvPr/>
+        </p:nvSpPr>
+        <p:spPr>
+          <a:xfrm>
+            <a:off x="290947" y="3640312"/>
+            <a:ext cx="2526654" cy="369332"/>
+          </a:xfrm>
+          <a:prstGeom prst="rect">
+            <a:avLst/>
+          </a:prstGeom>
+          <a:noFill/>
+        </p:spPr>
+        <p:txBody>
+          <a:bodyPr wrap="none" rtlCol="0">
+            <a:spAutoFit/>
+          </a:bodyPr>
+          <a:lstStyle/>
+          <a:p>
+            <a:r>
+              <a:rPr lang="ko-KR" altLang="en-US" dirty="0" smtClean="0"/>
+              <a:t>카테고리 </a:t>
+            </a:r>
+            <a:r>
+              <a:rPr lang="en-US" altLang="ko-KR" dirty="0" smtClean="0"/>
+              <a:t>| </a:t>
+            </a:r>
+            <a:r>
+              <a:rPr lang="ko-KR" altLang="en-US" dirty="0" smtClean="0"/>
+              <a:t>프로젝트 명</a:t>
+            </a:r>
+            <a:endParaRPr lang="ko-KR" altLang="en-US" dirty="0"/>
+          </a:p>
+        </p:txBody>
+      </p:sp>
+      <p:sp>
+        <p:nvSpPr>
+          <p:cNvPr id="33" name="TextBox 32"/>
+          <p:cNvSpPr txBox="1"/>
+          <p:nvPr/>
+        </p:nvSpPr>
+        <p:spPr>
+          <a:xfrm>
+            <a:off x="290947" y="3949053"/>
+            <a:ext cx="877163" cy="369332"/>
+          </a:xfrm>
+          <a:prstGeom prst="rect">
+            <a:avLst/>
+          </a:prstGeom>
+          <a:noFill/>
+        </p:spPr>
+        <p:txBody>
+          <a:bodyPr wrap="none" rtlCol="0">
+            <a:spAutoFit/>
+          </a:bodyPr>
+          <a:lstStyle/>
+          <a:p>
+            <a:r>
+              <a:rPr lang="ko-KR" altLang="en-US" dirty="0" err="1" smtClean="0"/>
+              <a:t>달성</a:t>
+            </a:r>
+            <a:r>
+              <a:rPr lang="ko-KR" altLang="en-US" dirty="0" err="1"/>
+              <a:t>률</a:t>
+            </a:r>
+            <a:endParaRPr lang="ko-KR" altLang="en-US" dirty="0"/>
+          </a:p>
+        </p:txBody>
+      </p:sp>
+      <p:sp>
+        <p:nvSpPr>
+          <p:cNvPr id="34" name="하트 33"/>
+          <p:cNvSpPr/>
+          <p:nvPr/>
+        </p:nvSpPr>
+        <p:spPr>
+          <a:xfrm>
+            <a:off x="4323672" y="980766"/>
+            <a:ext cx="423360" cy="375476"/>
+          </a:xfrm>
+          <a:prstGeom prst="heart">
+            <a:avLst/>
+          </a:prstGeom>
+        </p:spPr>
+        <p:style>
+          <a:lnRef idx="2">
+            <a:schemeClr val="accent1">
+              <a:shade val="50000"/>
+            </a:schemeClr>
+          </a:lnRef>
+          <a:fillRef idx="1">
+            <a:schemeClr val="accent1"/>
+          </a:fillRef>
+          <a:effectRef idx="0">
+            <a:schemeClr val="accent1"/>
+          </a:effectRef>
+          <a:fontRef idx="minor">
+            <a:schemeClr val="lt1"/>
+          </a:fontRef>
+        </p:style>
+        <p:txBody>
+          <a:bodyPr rtlCol="0" anchor="ctr"/>
+          <a:lstStyle/>
+          <a:p>
+            <a:pPr algn="ctr"/>
+            <a:endParaRPr lang="ko-KR" altLang="en-US"/>
           </a:p>
         </p:txBody>
       </p:sp>
     </p:spTree>
     <p:extLst>
       <p:ext uri="{BB962C8B-B14F-4D97-AF65-F5344CB8AC3E}">
-        <p14:creationId xmlns:p14="http://schemas.microsoft.com/office/powerpoint/2010/main" val="474057211"/>
+        <p14:creationId xmlns:p14="http://schemas.microsoft.com/office/powerpoint/2010/main" val="4021926463"/>
       </p:ext>
     </p:extLst>
   </p:cSld>
@@ -4457,22 +5039,22 @@
       </p:grpSpPr>
       <p:sp>
         <p:nvSpPr>
-          <p:cNvPr id="7" name="직사각형 6"/>
+          <p:cNvPr id="3" name="직사각형 2"/>
           <p:cNvSpPr/>
           <p:nvPr/>
         </p:nvSpPr>
         <p:spPr>
           <a:xfrm>
-            <a:off x="182118" y="265176"/>
-            <a:ext cx="18495264" cy="646176"/>
+            <a:off x="0" y="1"/>
+            <a:ext cx="18859500" cy="865632"/>
           </a:xfrm>
           <a:prstGeom prst="rect">
             <a:avLst/>
           </a:prstGeom>
           <a:solidFill>
             <a:schemeClr val="accent1">
-              <a:lumMod val="20000"/>
-              <a:lumOff val="80000"/>
+              <a:lumMod val="40000"/>
+              <a:lumOff val="60000"/>
             </a:schemeClr>
           </a:solidFill>
         </p:spPr>
@@ -4503,19 +5085,20 @@
       </p:sp>
       <p:sp>
         <p:nvSpPr>
-          <p:cNvPr id="4" name="직사각형 3"/>
+          <p:cNvPr id="14" name="실행 단추: 사용자 지정 13">
+            <a:hlinkClick r:id="" action="ppaction://noaction" highlightClick="1"/>
+          </p:cNvPr>
           <p:cNvSpPr/>
           <p:nvPr/>
         </p:nvSpPr>
         <p:spPr>
           <a:xfrm>
-            <a:off x="182118" y="265176"/>
-            <a:ext cx="18495264" cy="9924288"/>
-          </a:xfrm>
-          <a:prstGeom prst="rect">
-            <a:avLst/>
-          </a:prstGeom>
-          <a:noFill/>
+            <a:off x="0" y="-12192"/>
+            <a:ext cx="1109472" cy="865633"/>
+          </a:xfrm>
+          <a:prstGeom prst="actionButtonBlank">
+            <a:avLst/>
+          </a:prstGeom>
         </p:spPr>
         <p:style>
           <a:lnRef idx="2">
@@ -4538,60 +5121,25 @@
           <a:lstStyle/>
           <a:p>
             <a:pPr algn="ctr"/>
-            <a:endParaRPr lang="ko-KR" altLang="en-US" dirty="0"/>
-          </a:p>
-        </p:txBody>
-      </p:sp>
-      <p:sp>
-        <p:nvSpPr>
-          <p:cNvPr id="5" name="TextBox 4"/>
-          <p:cNvSpPr txBox="1"/>
-          <p:nvPr/>
-        </p:nvSpPr>
-        <p:spPr>
-          <a:xfrm>
-            <a:off x="-86106" y="-63366"/>
-            <a:ext cx="1459054" cy="369332"/>
+            <a:endParaRPr lang="ko-KR" altLang="en-US"/>
+          </a:p>
+        </p:txBody>
+      </p:sp>
+      <p:sp>
+        <p:nvSpPr>
+          <p:cNvPr id="2" name="직사각형 1"/>
+          <p:cNvSpPr/>
+          <p:nvPr/>
+        </p:nvSpPr>
+        <p:spPr>
+          <a:xfrm>
+            <a:off x="0" y="1"/>
+            <a:ext cx="18859500" cy="865632"/>
           </a:xfrm>
           <a:prstGeom prst="rect">
             <a:avLst/>
           </a:prstGeom>
           <a:noFill/>
-        </p:spPr>
-        <p:txBody>
-          <a:bodyPr wrap="none" rtlCol="0">
-            <a:spAutoFit/>
-          </a:bodyPr>
-          <a:lstStyle/>
-          <a:p>
-            <a:r>
-              <a:rPr lang="en-US" altLang="ko-KR" dirty="0" err="1" smtClean="0"/>
-              <a:t>Main_section</a:t>
-            </a:r>
-            <a:endParaRPr lang="ko-KR" altLang="en-US" dirty="0"/>
-          </a:p>
-        </p:txBody>
-      </p:sp>
-      <p:sp>
-        <p:nvSpPr>
-          <p:cNvPr id="8" name="직사각형 7"/>
-          <p:cNvSpPr/>
-          <p:nvPr/>
-        </p:nvSpPr>
-        <p:spPr>
-          <a:xfrm>
-            <a:off x="182118" y="911352"/>
-            <a:ext cx="4621386" cy="3451860"/>
-          </a:xfrm>
-          <a:prstGeom prst="rect">
-            <a:avLst/>
-          </a:prstGeom>
-          <a:solidFill>
-            <a:schemeClr val="accent1">
-              <a:lumMod val="40000"/>
-              <a:lumOff val="60000"/>
-            </a:schemeClr>
-          </a:solidFill>
         </p:spPr>
         <p:style>
           <a:lnRef idx="2">
@@ -4610,11 +5158,125 @@
           </a:fontRef>
         </p:style>
         <p:txBody>
-          <a:bodyPr rtlCol="0" anchor="ctr"/>
+          <a:bodyPr rot="0" spcFirstLastPara="0" vertOverflow="overflow" horzOverflow="overflow" vert="horz" wrap="square" lIns="91440" tIns="45720" rIns="91440" bIns="45720" numCol="1" spcCol="0" rtlCol="0" fromWordArt="0" anchor="ctr" anchorCtr="0" forceAA="0" compatLnSpc="1">
+            <a:prstTxWarp prst="textNoShape">
+              <a:avLst/>
+            </a:prstTxWarp>
+            <a:noAutofit/>
+          </a:bodyPr>
           <a:lstStyle/>
           <a:p>
             <a:pPr algn="ctr"/>
-            <a:endParaRPr lang="ko-KR" altLang="en-US"/>
+            <a:endParaRPr lang="ko-KR" altLang="en-US" dirty="0">
+              <a:solidFill>
+                <a:schemeClr val="tx1"/>
+              </a:solidFill>
+            </a:endParaRPr>
+          </a:p>
+        </p:txBody>
+      </p:sp>
+      <p:sp>
+        <p:nvSpPr>
+          <p:cNvPr id="5" name="TextBox 4"/>
+          <p:cNvSpPr txBox="1"/>
+          <p:nvPr/>
+        </p:nvSpPr>
+        <p:spPr>
+          <a:xfrm>
+            <a:off x="8672492" y="250490"/>
+            <a:ext cx="1514517" cy="369332"/>
+          </a:xfrm>
+          <a:prstGeom prst="rect">
+            <a:avLst/>
+          </a:prstGeom>
+          <a:noFill/>
+        </p:spPr>
+        <p:txBody>
+          <a:bodyPr wrap="none" rtlCol="0">
+            <a:spAutoFit/>
+          </a:bodyPr>
+          <a:lstStyle/>
+          <a:p>
+            <a:r>
+              <a:rPr lang="en-US" altLang="ko-KR" dirty="0" smtClean="0"/>
+              <a:t>&lt;</a:t>
+            </a:r>
+            <a:r>
+              <a:rPr lang="en-US" altLang="ko-KR" dirty="0" err="1" smtClean="0"/>
+              <a:t>header_top</a:t>
+            </a:r>
+            <a:r>
+              <a:rPr lang="en-US" altLang="ko-KR" dirty="0" smtClean="0"/>
+              <a:t>&gt;</a:t>
+            </a:r>
+            <a:endParaRPr lang="ko-KR" altLang="en-US" dirty="0"/>
+          </a:p>
+        </p:txBody>
+      </p:sp>
+      <p:sp>
+        <p:nvSpPr>
+          <p:cNvPr id="6" name="TextBox 5"/>
+          <p:cNvSpPr txBox="1"/>
+          <p:nvPr/>
+        </p:nvSpPr>
+        <p:spPr>
+          <a:xfrm>
+            <a:off x="18118592" y="19028"/>
+            <a:ext cx="740908" cy="369332"/>
+          </a:xfrm>
+          <a:prstGeom prst="rect">
+            <a:avLst/>
+          </a:prstGeom>
+          <a:noFill/>
+        </p:spPr>
+        <p:txBody>
+          <a:bodyPr wrap="none" rtlCol="0">
+            <a:spAutoFit/>
+          </a:bodyPr>
+          <a:lstStyle/>
+          <a:p>
+            <a:r>
+              <a:rPr lang="en-US" altLang="ko-KR" dirty="0" smtClean="0"/>
+              <a:t>Menu</a:t>
+            </a:r>
+            <a:endParaRPr lang="ko-KR" altLang="en-US" dirty="0"/>
+          </a:p>
+        </p:txBody>
+      </p:sp>
+      <p:sp>
+        <p:nvSpPr>
+          <p:cNvPr id="8" name="TextBox 7"/>
+          <p:cNvSpPr txBox="1"/>
+          <p:nvPr/>
+        </p:nvSpPr>
+        <p:spPr>
+          <a:xfrm>
+            <a:off x="144559" y="124814"/>
+            <a:ext cx="820353" cy="646331"/>
+          </a:xfrm>
+          <a:prstGeom prst="rect">
+            <a:avLst/>
+          </a:prstGeom>
+          <a:noFill/>
+        </p:spPr>
+        <p:txBody>
+          <a:bodyPr wrap="none" rtlCol="0">
+            <a:spAutoFit/>
+          </a:bodyPr>
+          <a:lstStyle/>
+          <a:p>
+            <a:r>
+              <a:rPr lang="en-US" altLang="ko-KR" dirty="0" err="1" smtClean="0"/>
+              <a:t>Cancle</a:t>
+            </a:r>
+            <a:endParaRPr lang="en-US" altLang="ko-KR" dirty="0" smtClean="0"/>
+          </a:p>
+          <a:p>
+            <a:r>
+              <a:rPr lang="en-US" altLang="ko-KR" dirty="0" smtClean="0"/>
+              <a:t>button</a:t>
+            </a:r>
+            <a:endParaRPr lang="ko-KR" altLang="en-US" dirty="0"/>
           </a:p>
         </p:txBody>
       </p:sp>
@@ -4626,18 +5288,13 @@
         </p:nvSpPr>
         <p:spPr>
           <a:xfrm>
-            <a:off x="14075436" y="911352"/>
-            <a:ext cx="4601946" cy="3451860"/>
-          </a:xfrm>
-          <a:prstGeom prst="rect">
-            <a:avLst/>
-          </a:prstGeom>
-          <a:solidFill>
-            <a:schemeClr val="accent1">
-              <a:lumMod val="40000"/>
-              <a:lumOff val="60000"/>
-            </a:schemeClr>
-          </a:solidFill>
+            <a:off x="0" y="865633"/>
+            <a:ext cx="18859500" cy="865632"/>
+          </a:xfrm>
+          <a:prstGeom prst="rect">
+            <a:avLst/>
+          </a:prstGeom>
+          <a:noFill/>
         </p:spPr>
         <p:style>
           <a:lnRef idx="2">
@@ -4656,11 +5313,20 @@
           </a:fontRef>
         </p:style>
         <p:txBody>
-          <a:bodyPr rtlCol="0" anchor="ctr"/>
+          <a:bodyPr rot="0" spcFirstLastPara="0" vertOverflow="overflow" horzOverflow="overflow" vert="horz" wrap="square" lIns="91440" tIns="45720" rIns="91440" bIns="45720" numCol="1" spcCol="0" rtlCol="0" fromWordArt="0" anchor="ctr" anchorCtr="0" forceAA="0" compatLnSpc="1">
+            <a:prstTxWarp prst="textNoShape">
+              <a:avLst/>
+            </a:prstTxWarp>
+            <a:noAutofit/>
+          </a:bodyPr>
           <a:lstStyle/>
           <a:p>
             <a:pPr algn="ctr"/>
-            <a:endParaRPr lang="ko-KR" altLang="en-US"/>
+            <a:endParaRPr lang="ko-KR" altLang="en-US" dirty="0">
+              <a:solidFill>
+                <a:schemeClr val="tx1"/>
+              </a:solidFill>
+            </a:endParaRPr>
           </a:p>
         </p:txBody>
       </p:sp>
@@ -4672,18 +5338,13 @@
         </p:nvSpPr>
         <p:spPr>
           <a:xfrm>
-            <a:off x="9444330" y="911352"/>
-            <a:ext cx="4621386" cy="3451860"/>
-          </a:xfrm>
-          <a:prstGeom prst="rect">
-            <a:avLst/>
-          </a:prstGeom>
-          <a:solidFill>
-            <a:schemeClr val="accent1">
-              <a:lumMod val="40000"/>
-              <a:lumOff val="60000"/>
-            </a:schemeClr>
-          </a:solidFill>
+            <a:off x="0" y="1731265"/>
+            <a:ext cx="18859500" cy="8555735"/>
+          </a:xfrm>
+          <a:prstGeom prst="rect">
+            <a:avLst/>
+          </a:prstGeom>
+          <a:noFill/>
         </p:spPr>
         <p:style>
           <a:lnRef idx="2">
@@ -4702,70 +5363,33 @@
           </a:fontRef>
         </p:style>
         <p:txBody>
-          <a:bodyPr rtlCol="0" anchor="ctr"/>
+          <a:bodyPr rot="0" spcFirstLastPara="0" vertOverflow="overflow" horzOverflow="overflow" vert="horz" wrap="square" lIns="91440" tIns="45720" rIns="91440" bIns="45720" numCol="1" spcCol="0" rtlCol="0" fromWordArt="0" anchor="ctr" anchorCtr="0" forceAA="0" compatLnSpc="1">
+            <a:prstTxWarp prst="textNoShape">
+              <a:avLst/>
+            </a:prstTxWarp>
+            <a:noAutofit/>
+          </a:bodyPr>
           <a:lstStyle/>
           <a:p>
             <a:pPr algn="ctr"/>
-            <a:endParaRPr lang="ko-KR" altLang="en-US"/>
-          </a:p>
-        </p:txBody>
-      </p:sp>
-      <p:sp>
-        <p:nvSpPr>
-          <p:cNvPr id="11" name="직사각형 10"/>
-          <p:cNvSpPr/>
-          <p:nvPr/>
-        </p:nvSpPr>
-        <p:spPr>
-          <a:xfrm>
-            <a:off x="4813224" y="911352"/>
-            <a:ext cx="4621386" cy="3451860"/>
-          </a:xfrm>
-          <a:prstGeom prst="rect">
-            <a:avLst/>
-          </a:prstGeom>
-          <a:solidFill>
-            <a:schemeClr val="accent1">
-              <a:lumMod val="40000"/>
-              <a:lumOff val="60000"/>
-            </a:schemeClr>
-          </a:solidFill>
-        </p:spPr>
-        <p:style>
-          <a:lnRef idx="2">
-            <a:schemeClr val="accent1">
-              <a:shade val="50000"/>
-            </a:schemeClr>
-          </a:lnRef>
-          <a:fillRef idx="1">
-            <a:schemeClr val="accent1"/>
-          </a:fillRef>
-          <a:effectRef idx="0">
-            <a:schemeClr val="accent1"/>
-          </a:effectRef>
-          <a:fontRef idx="minor">
-            <a:schemeClr val="lt1"/>
-          </a:fontRef>
-        </p:style>
-        <p:txBody>
-          <a:bodyPr rtlCol="0" anchor="ctr"/>
-          <a:lstStyle/>
-          <a:p>
-            <a:pPr algn="ctr"/>
-            <a:endParaRPr lang="ko-KR" altLang="en-US"/>
-          </a:p>
-        </p:txBody>
-      </p:sp>
-      <p:sp>
-        <p:nvSpPr>
-          <p:cNvPr id="12" name="TextBox 11"/>
+            <a:endParaRPr lang="ko-KR" altLang="en-US" dirty="0">
+              <a:solidFill>
+                <a:schemeClr val="tx1"/>
+              </a:solidFill>
+            </a:endParaRPr>
+          </a:p>
+        </p:txBody>
+      </p:sp>
+      <p:sp>
+        <p:nvSpPr>
+          <p:cNvPr id="11" name="TextBox 10"/>
           <p:cNvSpPr txBox="1"/>
           <p:nvPr/>
         </p:nvSpPr>
         <p:spPr>
           <a:xfrm>
-            <a:off x="1965720" y="390644"/>
-            <a:ext cx="2651688" cy="369332"/>
+            <a:off x="187231" y="1105349"/>
+            <a:ext cx="1248868" cy="369332"/>
           </a:xfrm>
           <a:prstGeom prst="rect">
             <a:avLst/>
@@ -4780,15 +5404,15 @@
           <a:p>
             <a:r>
               <a:rPr lang="en-US" altLang="ko-KR" dirty="0" smtClean="0"/>
-              <a:t>&lt;h2&gt;</a:t>
-            </a:r>
-            <a:r>
-              <a:rPr lang="ko-KR" altLang="en-US" dirty="0" smtClean="0"/>
-              <a:t>신규 프로젝트</a:t>
-            </a:r>
-            <a:r>
-              <a:rPr lang="en-US" altLang="ko-KR" dirty="0" smtClean="0"/>
-              <a:t>&lt;/h2&gt;</a:t>
+              <a:t>&lt;div </a:t>
+            </a:r>
+            <a:r>
+              <a:rPr lang="en-US" altLang="ko-KR" dirty="0" err="1" smtClean="0"/>
+              <a:t>serch</a:t>
+            </a:r>
+            <a:r>
+              <a:rPr lang="en-US" altLang="ko-KR" dirty="0" smtClean="0"/>
+              <a:t>&gt;</a:t>
             </a:r>
             <a:endParaRPr lang="ko-KR" altLang="en-US" dirty="0"/>
           </a:p>
@@ -4796,14 +5420,14 @@
       </p:sp>
       <p:sp>
         <p:nvSpPr>
-          <p:cNvPr id="14" name="TextBox 13"/>
+          <p:cNvPr id="12" name="TextBox 11"/>
           <p:cNvSpPr txBox="1"/>
           <p:nvPr/>
         </p:nvSpPr>
         <p:spPr>
           <a:xfrm>
-            <a:off x="6251533" y="2456164"/>
-            <a:ext cx="1755545" cy="369332"/>
+            <a:off x="187231" y="1825753"/>
+            <a:ext cx="4042582" cy="5864106"/>
           </a:xfrm>
           <a:prstGeom prst="rect">
             <a:avLst/>
@@ -4816,826 +5440,232 @@
           </a:bodyPr>
           <a:lstStyle/>
           <a:p>
-            <a:r>
-              <a:rPr lang="en-US" altLang="ko-KR" dirty="0" smtClean="0"/>
-              <a:t>&lt;div new_proj2&gt;</a:t>
-            </a:r>
-            <a:endParaRPr lang="ko-KR" altLang="en-US" dirty="0"/>
-          </a:p>
-        </p:txBody>
-      </p:sp>
-      <p:sp>
-        <p:nvSpPr>
-          <p:cNvPr id="15" name="TextBox 14"/>
-          <p:cNvSpPr txBox="1"/>
-          <p:nvPr/>
-        </p:nvSpPr>
-        <p:spPr>
-          <a:xfrm>
-            <a:off x="10872919" y="2456164"/>
-            <a:ext cx="1755545" cy="369332"/>
-          </a:xfrm>
-          <a:prstGeom prst="rect">
-            <a:avLst/>
-          </a:prstGeom>
-          <a:noFill/>
-        </p:spPr>
-        <p:txBody>
-          <a:bodyPr wrap="none" rtlCol="0">
-            <a:spAutoFit/>
-          </a:bodyPr>
-          <a:lstStyle/>
-          <a:p>
-            <a:r>
-              <a:rPr lang="en-US" altLang="ko-KR" dirty="0" smtClean="0"/>
-              <a:t>&lt;div new_proj3&gt;</a:t>
-            </a:r>
-            <a:endParaRPr lang="ko-KR" altLang="en-US" dirty="0"/>
-          </a:p>
-        </p:txBody>
-      </p:sp>
-      <p:sp>
-        <p:nvSpPr>
-          <p:cNvPr id="16" name="TextBox 15"/>
-          <p:cNvSpPr txBox="1"/>
-          <p:nvPr/>
-        </p:nvSpPr>
-        <p:spPr>
-          <a:xfrm>
-            <a:off x="15498636" y="2457164"/>
-            <a:ext cx="1755545" cy="369332"/>
-          </a:xfrm>
-          <a:prstGeom prst="rect">
-            <a:avLst/>
-          </a:prstGeom>
-          <a:noFill/>
-        </p:spPr>
-        <p:txBody>
-          <a:bodyPr wrap="none" rtlCol="0">
-            <a:spAutoFit/>
-          </a:bodyPr>
-          <a:lstStyle/>
-          <a:p>
-            <a:r>
-              <a:rPr lang="en-US" altLang="ko-KR" dirty="0" smtClean="0"/>
-              <a:t>&lt;div new_proj4&gt;</a:t>
-            </a:r>
-            <a:endParaRPr lang="ko-KR" altLang="en-US" dirty="0"/>
-          </a:p>
-        </p:txBody>
-      </p:sp>
-      <p:sp>
-        <p:nvSpPr>
-          <p:cNvPr id="17" name="직사각형 16"/>
-          <p:cNvSpPr/>
-          <p:nvPr/>
-        </p:nvSpPr>
-        <p:spPr>
-          <a:xfrm>
-            <a:off x="187062" y="4370308"/>
-            <a:ext cx="18495264" cy="646176"/>
-          </a:xfrm>
-          <a:prstGeom prst="rect">
-            <a:avLst/>
-          </a:prstGeom>
-          <a:solidFill>
-            <a:schemeClr val="accent1">
-              <a:lumMod val="20000"/>
-              <a:lumOff val="80000"/>
-            </a:schemeClr>
-          </a:solidFill>
-        </p:spPr>
-        <p:style>
-          <a:lnRef idx="2">
-            <a:schemeClr val="accent1">
-              <a:shade val="50000"/>
-            </a:schemeClr>
-          </a:lnRef>
-          <a:fillRef idx="1">
-            <a:schemeClr val="accent1"/>
-          </a:fillRef>
-          <a:effectRef idx="0">
-            <a:schemeClr val="accent1"/>
-          </a:effectRef>
-          <a:fontRef idx="minor">
-            <a:schemeClr val="lt1"/>
-          </a:fontRef>
-        </p:style>
-        <p:txBody>
-          <a:bodyPr rtlCol="0" anchor="ctr"/>
-          <a:lstStyle/>
-          <a:p>
-            <a:pPr algn="ctr"/>
-            <a:endParaRPr lang="ko-KR" altLang="en-US"/>
-          </a:p>
-        </p:txBody>
-      </p:sp>
-      <p:sp>
-        <p:nvSpPr>
-          <p:cNvPr id="18" name="직사각형 17"/>
-          <p:cNvSpPr/>
-          <p:nvPr/>
-        </p:nvSpPr>
-        <p:spPr>
-          <a:xfrm>
-            <a:off x="184590" y="5028676"/>
-            <a:ext cx="4621386" cy="3451860"/>
-          </a:xfrm>
-          <a:prstGeom prst="rect">
-            <a:avLst/>
-          </a:prstGeom>
-          <a:solidFill>
-            <a:schemeClr val="accent1">
-              <a:lumMod val="40000"/>
-              <a:lumOff val="60000"/>
-            </a:schemeClr>
-          </a:solidFill>
-        </p:spPr>
-        <p:style>
-          <a:lnRef idx="2">
-            <a:schemeClr val="accent1">
-              <a:shade val="50000"/>
-            </a:schemeClr>
-          </a:lnRef>
-          <a:fillRef idx="1">
-            <a:schemeClr val="accent1"/>
-          </a:fillRef>
-          <a:effectRef idx="0">
-            <a:schemeClr val="accent1"/>
-          </a:effectRef>
-          <a:fontRef idx="minor">
-            <a:schemeClr val="lt1"/>
-          </a:fontRef>
-        </p:style>
-        <p:txBody>
-          <a:bodyPr rtlCol="0" anchor="ctr"/>
-          <a:lstStyle/>
-          <a:p>
-            <a:pPr algn="ctr"/>
-            <a:endParaRPr lang="ko-KR" altLang="en-US"/>
-          </a:p>
-        </p:txBody>
-      </p:sp>
-      <p:sp>
-        <p:nvSpPr>
-          <p:cNvPr id="19" name="직사각형 18"/>
-          <p:cNvSpPr/>
-          <p:nvPr/>
-        </p:nvSpPr>
-        <p:spPr>
-          <a:xfrm>
-            <a:off x="14077908" y="5028676"/>
-            <a:ext cx="4601946" cy="3451860"/>
-          </a:xfrm>
-          <a:prstGeom prst="rect">
-            <a:avLst/>
-          </a:prstGeom>
-          <a:solidFill>
-            <a:schemeClr val="accent1">
-              <a:lumMod val="40000"/>
-              <a:lumOff val="60000"/>
-            </a:schemeClr>
-          </a:solidFill>
-        </p:spPr>
-        <p:style>
-          <a:lnRef idx="2">
-            <a:schemeClr val="accent1">
-              <a:shade val="50000"/>
-            </a:schemeClr>
-          </a:lnRef>
-          <a:fillRef idx="1">
-            <a:schemeClr val="accent1"/>
-          </a:fillRef>
-          <a:effectRef idx="0">
-            <a:schemeClr val="accent1"/>
-          </a:effectRef>
-          <a:fontRef idx="minor">
-            <a:schemeClr val="lt1"/>
-          </a:fontRef>
-        </p:style>
-        <p:txBody>
-          <a:bodyPr rtlCol="0" anchor="ctr"/>
-          <a:lstStyle/>
-          <a:p>
-            <a:pPr algn="ctr"/>
-            <a:endParaRPr lang="ko-KR" altLang="en-US"/>
-          </a:p>
-        </p:txBody>
-      </p:sp>
-      <p:sp>
-        <p:nvSpPr>
-          <p:cNvPr id="20" name="직사각형 19"/>
-          <p:cNvSpPr/>
-          <p:nvPr/>
-        </p:nvSpPr>
-        <p:spPr>
-          <a:xfrm>
-            <a:off x="9446802" y="5028676"/>
-            <a:ext cx="4621386" cy="3451860"/>
-          </a:xfrm>
-          <a:prstGeom prst="rect">
-            <a:avLst/>
-          </a:prstGeom>
-          <a:solidFill>
-            <a:schemeClr val="accent1">
-              <a:lumMod val="40000"/>
-              <a:lumOff val="60000"/>
-            </a:schemeClr>
-          </a:solidFill>
-        </p:spPr>
-        <p:style>
-          <a:lnRef idx="2">
-            <a:schemeClr val="accent1">
-              <a:shade val="50000"/>
-            </a:schemeClr>
-          </a:lnRef>
-          <a:fillRef idx="1">
-            <a:schemeClr val="accent1"/>
-          </a:fillRef>
-          <a:effectRef idx="0">
-            <a:schemeClr val="accent1"/>
-          </a:effectRef>
-          <a:fontRef idx="minor">
-            <a:schemeClr val="lt1"/>
-          </a:fontRef>
-        </p:style>
-        <p:txBody>
-          <a:bodyPr rtlCol="0" anchor="ctr"/>
-          <a:lstStyle/>
-          <a:p>
-            <a:pPr algn="ctr"/>
-            <a:endParaRPr lang="ko-KR" altLang="en-US"/>
-          </a:p>
-        </p:txBody>
-      </p:sp>
-      <p:sp>
-        <p:nvSpPr>
-          <p:cNvPr id="21" name="직사각형 20"/>
-          <p:cNvSpPr/>
-          <p:nvPr/>
-        </p:nvSpPr>
-        <p:spPr>
-          <a:xfrm>
-            <a:off x="4815696" y="5028676"/>
-            <a:ext cx="4621386" cy="3451860"/>
-          </a:xfrm>
-          <a:prstGeom prst="rect">
-            <a:avLst/>
-          </a:prstGeom>
-          <a:solidFill>
-            <a:schemeClr val="accent1">
-              <a:lumMod val="40000"/>
-              <a:lumOff val="60000"/>
-            </a:schemeClr>
-          </a:solidFill>
-        </p:spPr>
-        <p:style>
-          <a:lnRef idx="2">
-            <a:schemeClr val="accent1">
-              <a:shade val="50000"/>
-            </a:schemeClr>
-          </a:lnRef>
-          <a:fillRef idx="1">
-            <a:schemeClr val="accent1"/>
-          </a:fillRef>
-          <a:effectRef idx="0">
-            <a:schemeClr val="accent1"/>
-          </a:effectRef>
-          <a:fontRef idx="minor">
-            <a:schemeClr val="lt1"/>
-          </a:fontRef>
-        </p:style>
-        <p:txBody>
-          <a:bodyPr rtlCol="0" anchor="ctr"/>
-          <a:lstStyle/>
-          <a:p>
-            <a:pPr algn="ctr"/>
-            <a:endParaRPr lang="ko-KR" altLang="en-US"/>
-          </a:p>
-        </p:txBody>
-      </p:sp>
-      <p:sp>
-        <p:nvSpPr>
-          <p:cNvPr id="22" name="TextBox 21"/>
-          <p:cNvSpPr txBox="1"/>
-          <p:nvPr/>
-        </p:nvSpPr>
-        <p:spPr>
-          <a:xfrm>
-            <a:off x="1948806" y="4508730"/>
-            <a:ext cx="3397084" cy="369332"/>
-          </a:xfrm>
-          <a:prstGeom prst="rect">
-            <a:avLst/>
-          </a:prstGeom>
-          <a:noFill/>
-        </p:spPr>
-        <p:txBody>
-          <a:bodyPr wrap="none" rtlCol="0">
-            <a:spAutoFit/>
-          </a:bodyPr>
-          <a:lstStyle/>
-          <a:p>
-            <a:r>
-              <a:rPr lang="en-US" altLang="ko-KR" dirty="0" smtClean="0"/>
-              <a:t>&lt;h2&gt;</a:t>
+            <a:pPr>
+              <a:lnSpc>
+                <a:spcPct val="150000"/>
+              </a:lnSpc>
+            </a:pPr>
+            <a:r>
+              <a:rPr lang="en-US" altLang="ko-KR" dirty="0" smtClean="0"/>
+              <a:t>&lt;div </a:t>
+            </a:r>
+            <a:r>
+              <a:rPr lang="en-US" altLang="ko-KR" dirty="0" err="1" smtClean="0"/>
+              <a:t>project_all</a:t>
+            </a:r>
+            <a:r>
+              <a:rPr lang="en-US" altLang="ko-KR" dirty="0" smtClean="0"/>
+              <a:t>&gt; </a:t>
             </a:r>
             <a:r>
               <a:rPr lang="ko-KR" altLang="en-US" dirty="0" smtClean="0"/>
-              <a:t>주목할 만한 프로젝트</a:t>
-            </a:r>
-            <a:r>
-              <a:rPr lang="en-US" altLang="ko-KR" dirty="0" smtClean="0"/>
-              <a:t>&lt;/h2&gt;</a:t>
-            </a:r>
-            <a:endParaRPr lang="ko-KR" altLang="en-US" dirty="0"/>
-          </a:p>
-        </p:txBody>
-      </p:sp>
-      <p:sp>
-        <p:nvSpPr>
-          <p:cNvPr id="23" name="TextBox 22"/>
-          <p:cNvSpPr txBox="1"/>
-          <p:nvPr/>
-        </p:nvSpPr>
-        <p:spPr>
-          <a:xfrm>
-            <a:off x="1519105" y="6561296"/>
-            <a:ext cx="1719830" cy="369332"/>
-          </a:xfrm>
-          <a:prstGeom prst="rect">
-            <a:avLst/>
-          </a:prstGeom>
-          <a:noFill/>
-        </p:spPr>
-        <p:txBody>
-          <a:bodyPr wrap="none" rtlCol="0">
-            <a:spAutoFit/>
-          </a:bodyPr>
-          <a:lstStyle/>
-          <a:p>
-            <a:r>
-              <a:rPr lang="en-US" altLang="ko-KR" dirty="0" smtClean="0"/>
-              <a:t>&lt;div pop_proj1&gt;</a:t>
-            </a:r>
-            <a:endParaRPr lang="ko-KR" altLang="en-US" dirty="0"/>
-          </a:p>
-        </p:txBody>
-      </p:sp>
-      <p:sp>
-        <p:nvSpPr>
-          <p:cNvPr id="24" name="TextBox 23"/>
-          <p:cNvSpPr txBox="1"/>
-          <p:nvPr/>
-        </p:nvSpPr>
-        <p:spPr>
-          <a:xfrm>
-            <a:off x="6241813" y="6561296"/>
-            <a:ext cx="1755545" cy="369332"/>
-          </a:xfrm>
-          <a:prstGeom prst="rect">
-            <a:avLst/>
-          </a:prstGeom>
-          <a:noFill/>
-        </p:spPr>
-        <p:txBody>
-          <a:bodyPr wrap="none" rtlCol="0">
-            <a:spAutoFit/>
-          </a:bodyPr>
-          <a:lstStyle/>
-          <a:p>
-            <a:r>
-              <a:rPr lang="en-US" altLang="ko-KR" dirty="0" smtClean="0"/>
-              <a:t>&lt;div pop_proj2&gt;</a:t>
-            </a:r>
-            <a:endParaRPr lang="ko-KR" altLang="en-US" dirty="0"/>
-          </a:p>
-        </p:txBody>
-      </p:sp>
-      <p:sp>
-        <p:nvSpPr>
-          <p:cNvPr id="25" name="TextBox 24"/>
-          <p:cNvSpPr txBox="1"/>
-          <p:nvPr/>
-        </p:nvSpPr>
-        <p:spPr>
-          <a:xfrm>
-            <a:off x="10863199" y="6561296"/>
-            <a:ext cx="1755545" cy="369332"/>
-          </a:xfrm>
-          <a:prstGeom prst="rect">
-            <a:avLst/>
-          </a:prstGeom>
-          <a:noFill/>
-        </p:spPr>
-        <p:txBody>
-          <a:bodyPr wrap="none" rtlCol="0">
-            <a:spAutoFit/>
-          </a:bodyPr>
-          <a:lstStyle/>
-          <a:p>
-            <a:r>
-              <a:rPr lang="en-US" altLang="ko-KR" dirty="0" smtClean="0"/>
-              <a:t>&lt;div pop_proj3&gt;</a:t>
-            </a:r>
-            <a:endParaRPr lang="ko-KR" altLang="en-US" dirty="0"/>
-          </a:p>
-        </p:txBody>
-      </p:sp>
-      <p:sp>
-        <p:nvSpPr>
-          <p:cNvPr id="26" name="TextBox 25"/>
-          <p:cNvSpPr txBox="1"/>
-          <p:nvPr/>
-        </p:nvSpPr>
-        <p:spPr>
-          <a:xfrm>
-            <a:off x="15488916" y="6562296"/>
-            <a:ext cx="1755545" cy="369332"/>
-          </a:xfrm>
-          <a:prstGeom prst="rect">
-            <a:avLst/>
-          </a:prstGeom>
-          <a:noFill/>
-        </p:spPr>
-        <p:txBody>
-          <a:bodyPr wrap="none" rtlCol="0">
-            <a:spAutoFit/>
-          </a:bodyPr>
-          <a:lstStyle/>
-          <a:p>
-            <a:r>
-              <a:rPr lang="en-US" altLang="ko-KR" dirty="0" smtClean="0"/>
-              <a:t>&lt;div pop_proj4&gt;</a:t>
-            </a:r>
-            <a:endParaRPr lang="ko-KR" altLang="en-US" dirty="0"/>
-          </a:p>
-        </p:txBody>
-      </p:sp>
-      <p:sp>
-        <p:nvSpPr>
-          <p:cNvPr id="27" name="직사각형 26"/>
-          <p:cNvSpPr/>
-          <p:nvPr/>
-        </p:nvSpPr>
-        <p:spPr>
-          <a:xfrm>
-            <a:off x="187062" y="8499824"/>
-            <a:ext cx="18495264" cy="646176"/>
-          </a:xfrm>
-          <a:prstGeom prst="rect">
-            <a:avLst/>
-          </a:prstGeom>
-          <a:solidFill>
-            <a:schemeClr val="accent1">
-              <a:lumMod val="20000"/>
-              <a:lumOff val="80000"/>
-            </a:schemeClr>
-          </a:solidFill>
-        </p:spPr>
-        <p:style>
-          <a:lnRef idx="2">
-            <a:schemeClr val="accent1">
-              <a:shade val="50000"/>
-            </a:schemeClr>
-          </a:lnRef>
-          <a:fillRef idx="1">
-            <a:schemeClr val="accent1"/>
-          </a:fillRef>
-          <a:effectRef idx="0">
-            <a:schemeClr val="accent1"/>
-          </a:effectRef>
-          <a:fontRef idx="minor">
-            <a:schemeClr val="lt1"/>
-          </a:fontRef>
-        </p:style>
-        <p:txBody>
-          <a:bodyPr rtlCol="0" anchor="ctr"/>
-          <a:lstStyle/>
-          <a:p>
-            <a:pPr algn="ctr"/>
-            <a:endParaRPr lang="ko-KR" altLang="en-US"/>
-          </a:p>
-        </p:txBody>
-      </p:sp>
-      <p:sp>
-        <p:nvSpPr>
-          <p:cNvPr id="28" name="TextBox 27"/>
-          <p:cNvSpPr txBox="1"/>
-          <p:nvPr/>
-        </p:nvSpPr>
-        <p:spPr>
-          <a:xfrm>
-            <a:off x="1948806" y="8662630"/>
-            <a:ext cx="3166251" cy="369332"/>
-          </a:xfrm>
-          <a:prstGeom prst="rect">
-            <a:avLst/>
-          </a:prstGeom>
-          <a:noFill/>
-        </p:spPr>
-        <p:txBody>
-          <a:bodyPr wrap="none" rtlCol="0">
-            <a:spAutoFit/>
-          </a:bodyPr>
-          <a:lstStyle/>
-          <a:p>
-            <a:r>
-              <a:rPr lang="en-US" altLang="ko-KR" dirty="0" smtClean="0"/>
-              <a:t>&lt;h2&gt;</a:t>
+              <a:t>모든 프로젝트</a:t>
+            </a:r>
+          </a:p>
+          <a:p>
+            <a:pPr>
+              <a:lnSpc>
+                <a:spcPct val="150000"/>
+              </a:lnSpc>
+            </a:pPr>
+            <a:endParaRPr lang="en-US" altLang="ko-KR" dirty="0" smtClean="0"/>
+          </a:p>
+          <a:p>
+            <a:pPr>
+              <a:lnSpc>
+                <a:spcPct val="150000"/>
+              </a:lnSpc>
+            </a:pPr>
+            <a:r>
+              <a:rPr lang="en-US" altLang="ko-KR" dirty="0" smtClean="0"/>
+              <a:t>&lt;div </a:t>
+            </a:r>
+            <a:r>
+              <a:rPr lang="en-US" altLang="ko-KR" dirty="0" err="1" smtClean="0"/>
+              <a:t>project_rec</a:t>
+            </a:r>
+            <a:r>
+              <a:rPr lang="en-US" altLang="ko-KR" dirty="0" smtClean="0"/>
+              <a:t>&gt; </a:t>
             </a:r>
             <a:r>
               <a:rPr lang="ko-KR" altLang="en-US" dirty="0" smtClean="0"/>
-              <a:t>마감 임박 프로젝트</a:t>
-            </a:r>
-            <a:r>
-              <a:rPr lang="en-US" altLang="ko-KR" dirty="0" smtClean="0"/>
-              <a:t>&lt;/h2&gt;</a:t>
-            </a:r>
-            <a:endParaRPr lang="ko-KR" altLang="en-US" dirty="0"/>
-          </a:p>
-        </p:txBody>
-      </p:sp>
-      <p:sp>
-        <p:nvSpPr>
-          <p:cNvPr id="30" name="직사각형 29"/>
-          <p:cNvSpPr/>
-          <p:nvPr/>
-        </p:nvSpPr>
-        <p:spPr>
-          <a:xfrm>
-            <a:off x="303718" y="1026604"/>
-            <a:ext cx="4386842" cy="2557844"/>
-          </a:xfrm>
-          <a:prstGeom prst="rect">
-            <a:avLst/>
-          </a:prstGeom>
-          <a:solidFill>
-            <a:schemeClr val="accent1">
-              <a:lumMod val="60000"/>
-              <a:lumOff val="40000"/>
-            </a:schemeClr>
-          </a:solidFill>
-        </p:spPr>
-        <p:style>
-          <a:lnRef idx="2">
-            <a:schemeClr val="accent1">
-              <a:shade val="50000"/>
-            </a:schemeClr>
-          </a:lnRef>
-          <a:fillRef idx="1">
-            <a:schemeClr val="accent1"/>
-          </a:fillRef>
-          <a:effectRef idx="0">
-            <a:schemeClr val="accent1"/>
-          </a:effectRef>
-          <a:fontRef idx="minor">
-            <a:schemeClr val="lt1"/>
-          </a:fontRef>
-        </p:style>
-        <p:txBody>
-          <a:bodyPr rtlCol="0" anchor="ctr"/>
-          <a:lstStyle/>
-          <a:p>
-            <a:pPr algn="ctr"/>
-            <a:endParaRPr lang="ko-KR" altLang="en-US"/>
-          </a:p>
-        </p:txBody>
-      </p:sp>
-      <p:sp>
-        <p:nvSpPr>
-          <p:cNvPr id="29" name="TextBox 28"/>
-          <p:cNvSpPr txBox="1"/>
-          <p:nvPr/>
-        </p:nvSpPr>
-        <p:spPr>
-          <a:xfrm>
-            <a:off x="7789069" y="9393150"/>
-            <a:ext cx="3310522" cy="369332"/>
-          </a:xfrm>
-          <a:prstGeom prst="rect">
-            <a:avLst/>
-          </a:prstGeom>
-          <a:noFill/>
-        </p:spPr>
-        <p:txBody>
-          <a:bodyPr wrap="none" rtlCol="0">
-            <a:spAutoFit/>
-          </a:bodyPr>
-          <a:lstStyle/>
-          <a:p>
-            <a:r>
-              <a:rPr lang="en-US" altLang="ko-KR" dirty="0" smtClean="0"/>
-              <a:t>… </a:t>
+              <a:t>추천 프로젝트</a:t>
+            </a:r>
+          </a:p>
+          <a:p>
+            <a:pPr>
+              <a:lnSpc>
+                <a:spcPct val="150000"/>
+              </a:lnSpc>
+            </a:pPr>
+            <a:endParaRPr lang="en-US" altLang="ko-KR" dirty="0" smtClean="0"/>
+          </a:p>
+          <a:p>
+            <a:pPr>
+              <a:lnSpc>
+                <a:spcPct val="150000"/>
+              </a:lnSpc>
+            </a:pPr>
+            <a:r>
+              <a:rPr lang="en-US" altLang="ko-KR" dirty="0" smtClean="0"/>
+              <a:t>&lt;div </a:t>
+            </a:r>
+            <a:r>
+              <a:rPr lang="en-US" altLang="ko-KR" dirty="0" err="1" smtClean="0"/>
+              <a:t>project_finish</a:t>
+            </a:r>
+            <a:r>
+              <a:rPr lang="en-US" altLang="ko-KR" dirty="0" smtClean="0"/>
+              <a:t>&gt; </a:t>
             </a:r>
             <a:r>
               <a:rPr lang="ko-KR" altLang="en-US" dirty="0" smtClean="0"/>
-              <a:t>위 처럼 </a:t>
-            </a:r>
-            <a:r>
-              <a:rPr lang="ko-KR" altLang="en-US" dirty="0" err="1" smtClean="0"/>
-              <a:t>세개</a:t>
-            </a:r>
-            <a:r>
-              <a:rPr lang="en-US" altLang="ko-KR" dirty="0" smtClean="0"/>
-              <a:t>~</a:t>
-            </a:r>
-            <a:r>
-              <a:rPr lang="ko-KR" altLang="en-US" dirty="0" err="1" smtClean="0"/>
-              <a:t>네개의</a:t>
+              <a:t>성공 임박 프로젝트</a:t>
+            </a:r>
+          </a:p>
+          <a:p>
+            <a:pPr>
+              <a:lnSpc>
+                <a:spcPct val="150000"/>
+              </a:lnSpc>
+            </a:pPr>
+            <a:endParaRPr lang="en-US" altLang="ko-KR" dirty="0" smtClean="0"/>
+          </a:p>
+          <a:p>
+            <a:pPr>
+              <a:lnSpc>
+                <a:spcPct val="150000"/>
+              </a:lnSpc>
+            </a:pPr>
+            <a:r>
+              <a:rPr lang="en-US" altLang="ko-KR" dirty="0" smtClean="0"/>
+              <a:t>&lt;div </a:t>
+            </a:r>
+            <a:r>
+              <a:rPr lang="en-US" altLang="ko-KR" dirty="0" err="1" smtClean="0"/>
+              <a:t>project_new</a:t>
+            </a:r>
+            <a:r>
+              <a:rPr lang="en-US" altLang="ko-KR" dirty="0" smtClean="0"/>
+              <a:t>&gt; </a:t>
             </a:r>
             <a:r>
               <a:rPr lang="ko-KR" altLang="en-US" dirty="0" smtClean="0"/>
-              <a:t> </a:t>
-            </a:r>
-            <a:r>
-              <a:rPr lang="en-US" altLang="ko-KR" dirty="0" smtClean="0"/>
-              <a:t>div </a:t>
+              <a:t>신규 프로젝트</a:t>
+            </a:r>
+            <a:endParaRPr lang="en-US" altLang="ko-KR" dirty="0" smtClean="0"/>
+          </a:p>
+          <a:p>
+            <a:pPr>
+              <a:lnSpc>
+                <a:spcPct val="150000"/>
+              </a:lnSpc>
+            </a:pPr>
+            <a:endParaRPr lang="en-US" altLang="ko-KR" dirty="0" smtClean="0"/>
+          </a:p>
+          <a:p>
+            <a:pPr>
+              <a:lnSpc>
+                <a:spcPct val="150000"/>
+              </a:lnSpc>
+            </a:pPr>
+            <a:r>
+              <a:rPr lang="en-US" altLang="ko-KR" dirty="0" smtClean="0"/>
+              <a:t>&lt;h4&gt;</a:t>
             </a:r>
             <a:r>
               <a:rPr lang="ko-KR" altLang="en-US" dirty="0" smtClean="0"/>
-              <a:t>사용</a:t>
-            </a:r>
-            <a:endParaRPr lang="ko-KR" altLang="en-US" dirty="0"/>
-          </a:p>
-        </p:txBody>
-      </p:sp>
-      <p:sp>
-        <p:nvSpPr>
-          <p:cNvPr id="13" name="TextBox 12"/>
-          <p:cNvSpPr txBox="1"/>
-          <p:nvPr/>
-        </p:nvSpPr>
-        <p:spPr>
-          <a:xfrm>
-            <a:off x="182118" y="841938"/>
-            <a:ext cx="1755545" cy="369332"/>
-          </a:xfrm>
-          <a:prstGeom prst="rect">
-            <a:avLst/>
-          </a:prstGeom>
-          <a:noFill/>
-        </p:spPr>
-        <p:txBody>
-          <a:bodyPr wrap="none" rtlCol="0">
-            <a:spAutoFit/>
-          </a:bodyPr>
-          <a:lstStyle/>
-          <a:p>
-            <a:r>
-              <a:rPr lang="en-US" altLang="ko-KR" dirty="0" smtClean="0"/>
-              <a:t>&lt;div new_proj1&gt;</a:t>
-            </a:r>
-            <a:endParaRPr lang="ko-KR" altLang="en-US" dirty="0"/>
-          </a:p>
-        </p:txBody>
-      </p:sp>
-      <p:sp>
-        <p:nvSpPr>
-          <p:cNvPr id="31" name="TextBox 30"/>
-          <p:cNvSpPr txBox="1"/>
-          <p:nvPr/>
-        </p:nvSpPr>
-        <p:spPr>
-          <a:xfrm>
-            <a:off x="1940438" y="2116574"/>
-            <a:ext cx="877163" cy="369332"/>
-          </a:xfrm>
-          <a:prstGeom prst="rect">
-            <a:avLst/>
-          </a:prstGeom>
-          <a:noFill/>
-        </p:spPr>
-        <p:txBody>
-          <a:bodyPr wrap="none" rtlCol="0">
-            <a:spAutoFit/>
-          </a:bodyPr>
-          <a:lstStyle/>
-          <a:p>
-            <a:r>
-              <a:rPr lang="ko-KR" altLang="en-US" smtClean="0"/>
-              <a:t>썸네일</a:t>
-            </a:r>
-            <a:endParaRPr lang="ko-KR" altLang="en-US" dirty="0"/>
-          </a:p>
-        </p:txBody>
-      </p:sp>
-      <p:sp>
-        <p:nvSpPr>
-          <p:cNvPr id="32" name="TextBox 31"/>
-          <p:cNvSpPr txBox="1"/>
-          <p:nvPr/>
-        </p:nvSpPr>
-        <p:spPr>
-          <a:xfrm>
-            <a:off x="290947" y="3640312"/>
-            <a:ext cx="2526654" cy="369332"/>
-          </a:xfrm>
-          <a:prstGeom prst="rect">
-            <a:avLst/>
-          </a:prstGeom>
-          <a:noFill/>
-        </p:spPr>
-        <p:txBody>
-          <a:bodyPr wrap="none" rtlCol="0">
-            <a:spAutoFit/>
-          </a:bodyPr>
-          <a:lstStyle/>
-          <a:p>
+              <a:t>카테고리</a:t>
+            </a:r>
+            <a:r>
+              <a:rPr lang="en-US" altLang="ko-KR" dirty="0" smtClean="0"/>
+              <a:t>&lt;/h4&gt;</a:t>
+            </a:r>
+            <a:endParaRPr lang="en-US" altLang="ko-KR" dirty="0" smtClean="0"/>
+          </a:p>
+          <a:p>
+            <a:pPr>
+              <a:lnSpc>
+                <a:spcPct val="150000"/>
+              </a:lnSpc>
+            </a:pPr>
+            <a:r>
+              <a:rPr lang="en-US" altLang="ko-KR" dirty="0" smtClean="0"/>
+              <a:t>&lt;div project_cate1&gt; </a:t>
+            </a:r>
             <a:r>
               <a:rPr lang="ko-KR" altLang="en-US" dirty="0" smtClean="0"/>
-              <a:t>카테고리 </a:t>
-            </a:r>
-            <a:r>
-              <a:rPr lang="en-US" altLang="ko-KR" dirty="0" smtClean="0"/>
-              <a:t>| </a:t>
+              <a:t>카테고리</a:t>
+            </a:r>
+            <a:r>
+              <a:rPr lang="en-US" altLang="ko-KR" dirty="0" smtClean="0"/>
+              <a:t>1</a:t>
+            </a:r>
+            <a:endParaRPr lang="ko-KR" altLang="en-US" dirty="0" smtClean="0"/>
+          </a:p>
+          <a:p>
+            <a:pPr>
+              <a:lnSpc>
+                <a:spcPct val="150000"/>
+              </a:lnSpc>
+            </a:pPr>
+            <a:endParaRPr lang="ko-KR" altLang="en-US" dirty="0" smtClean="0"/>
+          </a:p>
+          <a:p>
+            <a:pPr>
+              <a:lnSpc>
+                <a:spcPct val="150000"/>
+              </a:lnSpc>
+            </a:pPr>
+            <a:r>
+              <a:rPr lang="en-US" altLang="ko-KR" dirty="0" smtClean="0"/>
+              <a:t>&lt;div project_cate2&gt; </a:t>
             </a:r>
             <a:r>
               <a:rPr lang="ko-KR" altLang="en-US" dirty="0" smtClean="0"/>
-              <a:t>프로젝트 명</a:t>
-            </a:r>
-            <a:endParaRPr lang="ko-KR" altLang="en-US" dirty="0"/>
-          </a:p>
-        </p:txBody>
-      </p:sp>
-      <p:sp>
-        <p:nvSpPr>
-          <p:cNvPr id="33" name="TextBox 32"/>
-          <p:cNvSpPr txBox="1"/>
-          <p:nvPr/>
-        </p:nvSpPr>
-        <p:spPr>
-          <a:xfrm>
-            <a:off x="290947" y="3949053"/>
-            <a:ext cx="877163" cy="369332"/>
-          </a:xfrm>
-          <a:prstGeom prst="rect">
-            <a:avLst/>
-          </a:prstGeom>
-          <a:noFill/>
-        </p:spPr>
-        <p:txBody>
-          <a:bodyPr wrap="none" rtlCol="0">
-            <a:spAutoFit/>
-          </a:bodyPr>
-          <a:lstStyle/>
-          <a:p>
-            <a:r>
-              <a:rPr lang="ko-KR" altLang="en-US" dirty="0" err="1" smtClean="0"/>
-              <a:t>달성</a:t>
-            </a:r>
-            <a:r>
-              <a:rPr lang="ko-KR" altLang="en-US" dirty="0" err="1"/>
-              <a:t>률</a:t>
-            </a:r>
-            <a:endParaRPr lang="ko-KR" altLang="en-US" dirty="0"/>
-          </a:p>
-        </p:txBody>
-      </p:sp>
-      <p:sp>
-        <p:nvSpPr>
-          <p:cNvPr id="34" name="하트 33"/>
-          <p:cNvSpPr/>
-          <p:nvPr/>
-        </p:nvSpPr>
-        <p:spPr>
-          <a:xfrm>
-            <a:off x="4323672" y="980766"/>
-            <a:ext cx="423360" cy="375476"/>
-          </a:xfrm>
-          <a:prstGeom prst="heart">
-            <a:avLst/>
-          </a:prstGeom>
-        </p:spPr>
-        <p:style>
-          <a:lnRef idx="2">
-            <a:schemeClr val="accent1">
-              <a:shade val="50000"/>
-            </a:schemeClr>
-          </a:lnRef>
-          <a:fillRef idx="1">
-            <a:schemeClr val="accent1"/>
-          </a:fillRef>
-          <a:effectRef idx="0">
-            <a:schemeClr val="accent1"/>
-          </a:effectRef>
-          <a:fontRef idx="minor">
-            <a:schemeClr val="lt1"/>
-          </a:fontRef>
-        </p:style>
-        <p:txBody>
-          <a:bodyPr rtlCol="0" anchor="ctr"/>
-          <a:lstStyle/>
-          <a:p>
-            <a:pPr algn="ctr"/>
-            <a:endParaRPr lang="ko-KR" altLang="en-US"/>
+              <a:t>카테고리</a:t>
+            </a:r>
+            <a:r>
+              <a:rPr lang="en-US" altLang="ko-KR" dirty="0"/>
+              <a:t>2</a:t>
+            </a:r>
+            <a:endParaRPr lang="ko-KR" altLang="en-US" dirty="0" smtClean="0"/>
+          </a:p>
+          <a:p>
+            <a:pPr>
+              <a:lnSpc>
+                <a:spcPct val="150000"/>
+              </a:lnSpc>
+            </a:pPr>
+            <a:endParaRPr lang="en-US" altLang="ko-KR" dirty="0" smtClean="0"/>
+          </a:p>
+          <a:p>
+            <a:pPr>
+              <a:lnSpc>
+                <a:spcPct val="150000"/>
+              </a:lnSpc>
+            </a:pPr>
+            <a:r>
+              <a:rPr lang="en-US" altLang="ko-KR" dirty="0" smtClean="0"/>
+              <a:t>&lt;div project_cate3&gt; </a:t>
+            </a:r>
+            <a:r>
+              <a:rPr lang="ko-KR" altLang="en-US" dirty="0" smtClean="0"/>
+              <a:t>카테고리</a:t>
+            </a:r>
+            <a:r>
+              <a:rPr lang="en-US" altLang="ko-KR" dirty="0"/>
+              <a:t>3</a:t>
+            </a:r>
+            <a:endParaRPr lang="ko-KR" altLang="en-US" dirty="0" smtClean="0"/>
           </a:p>
         </p:txBody>
       </p:sp>
     </p:spTree>
     <p:extLst>
       <p:ext uri="{BB962C8B-B14F-4D97-AF65-F5344CB8AC3E}">
-        <p14:creationId xmlns:p14="http://schemas.microsoft.com/office/powerpoint/2010/main" val="4021926463"/>
+        <p14:creationId xmlns:p14="http://schemas.microsoft.com/office/powerpoint/2010/main" val="1129576940"/>
       </p:ext>
     </p:extLst>
   </p:cSld>
@@ -5664,22 +5694,22 @@
       </p:grpSpPr>
       <p:sp>
         <p:nvSpPr>
-          <p:cNvPr id="3" name="직사각형 2"/>
+          <p:cNvPr id="7" name="직사각형 6"/>
           <p:cNvSpPr/>
           <p:nvPr/>
         </p:nvSpPr>
         <p:spPr>
           <a:xfrm>
-            <a:off x="0" y="1"/>
-            <a:ext cx="18859500" cy="865632"/>
+            <a:off x="182118" y="265176"/>
+            <a:ext cx="18495264" cy="646176"/>
           </a:xfrm>
           <a:prstGeom prst="rect">
             <a:avLst/>
           </a:prstGeom>
           <a:solidFill>
             <a:schemeClr val="accent1">
-              <a:lumMod val="40000"/>
-              <a:lumOff val="60000"/>
+              <a:lumMod val="20000"/>
+              <a:lumOff val="80000"/>
             </a:schemeClr>
           </a:solidFill>
         </p:spPr>
@@ -5710,20 +5740,19 @@
       </p:sp>
       <p:sp>
         <p:nvSpPr>
-          <p:cNvPr id="14" name="실행 단추: 사용자 지정 13">
-            <a:hlinkClick r:id="" action="ppaction://noaction" highlightClick="1"/>
-          </p:cNvPr>
+          <p:cNvPr id="4" name="직사각형 3"/>
           <p:cNvSpPr/>
           <p:nvPr/>
         </p:nvSpPr>
         <p:spPr>
           <a:xfrm>
-            <a:off x="0" y="-12192"/>
-            <a:ext cx="1109472" cy="865633"/>
-          </a:xfrm>
-          <a:prstGeom prst="actionButtonBlank">
-            <a:avLst/>
-          </a:prstGeom>
+            <a:off x="182118" y="265176"/>
+            <a:ext cx="18495264" cy="9924288"/>
+          </a:xfrm>
+          <a:prstGeom prst="rect">
+            <a:avLst/>
+          </a:prstGeom>
+          <a:noFill/>
         </p:spPr>
         <p:style>
           <a:lnRef idx="2">
@@ -5746,25 +5775,60 @@
           <a:lstStyle/>
           <a:p>
             <a:pPr algn="ctr"/>
-            <a:endParaRPr lang="ko-KR" altLang="en-US"/>
-          </a:p>
-        </p:txBody>
-      </p:sp>
-      <p:sp>
-        <p:nvSpPr>
-          <p:cNvPr id="2" name="직사각형 1"/>
+            <a:endParaRPr lang="ko-KR" altLang="en-US" dirty="0"/>
+          </a:p>
+        </p:txBody>
+      </p:sp>
+      <p:sp>
+        <p:nvSpPr>
+          <p:cNvPr id="5" name="TextBox 4"/>
+          <p:cNvSpPr txBox="1"/>
+          <p:nvPr/>
+        </p:nvSpPr>
+        <p:spPr>
+          <a:xfrm>
+            <a:off x="-2322" y="-88392"/>
+            <a:ext cx="1291379" cy="369332"/>
+          </a:xfrm>
+          <a:prstGeom prst="rect">
+            <a:avLst/>
+          </a:prstGeom>
+          <a:noFill/>
+        </p:spPr>
+        <p:txBody>
+          <a:bodyPr wrap="none" rtlCol="0">
+            <a:spAutoFit/>
+          </a:bodyPr>
+          <a:lstStyle/>
+          <a:p>
+            <a:r>
+              <a:rPr lang="en-US" altLang="ko-KR" dirty="0" err="1" smtClean="0"/>
+              <a:t>List_section</a:t>
+            </a:r>
+            <a:endParaRPr lang="ko-KR" altLang="en-US" dirty="0"/>
+          </a:p>
+        </p:txBody>
+      </p:sp>
+      <p:sp>
+        <p:nvSpPr>
+          <p:cNvPr id="8" name="직사각형 7"/>
           <p:cNvSpPr/>
           <p:nvPr/>
         </p:nvSpPr>
         <p:spPr>
           <a:xfrm>
-            <a:off x="0" y="1"/>
-            <a:ext cx="18859500" cy="865632"/>
-          </a:xfrm>
-          <a:prstGeom prst="rect">
-            <a:avLst/>
-          </a:prstGeom>
-          <a:noFill/>
+            <a:off x="184590" y="1559528"/>
+            <a:ext cx="4621386" cy="3451860"/>
+          </a:xfrm>
+          <a:prstGeom prst="rect">
+            <a:avLst/>
+          </a:prstGeom>
+          <a:solidFill>
+            <a:schemeClr val="accent1">
+              <a:lumMod val="40000"/>
+              <a:lumOff val="60000"/>
+            </a:schemeClr>
+          </a:solidFill>
         </p:spPr>
         <p:style>
           <a:lnRef idx="2">
@@ -5783,125 +5847,11 @@
           </a:fontRef>
         </p:style>
         <p:txBody>
-          <a:bodyPr rot="0" spcFirstLastPara="0" vertOverflow="overflow" horzOverflow="overflow" vert="horz" wrap="square" lIns="91440" tIns="45720" rIns="91440" bIns="45720" numCol="1" spcCol="0" rtlCol="0" fromWordArt="0" anchor="ctr" anchorCtr="0" forceAA="0" compatLnSpc="1">
-            <a:prstTxWarp prst="textNoShape">
-              <a:avLst/>
-            </a:prstTxWarp>
-            <a:noAutofit/>
-          </a:bodyPr>
+          <a:bodyPr rtlCol="0" anchor="ctr"/>
           <a:lstStyle/>
           <a:p>
             <a:pPr algn="ctr"/>
-            <a:endParaRPr lang="ko-KR" altLang="en-US" dirty="0">
-              <a:solidFill>
-                <a:schemeClr val="tx1"/>
-              </a:solidFill>
-            </a:endParaRPr>
-          </a:p>
-        </p:txBody>
-      </p:sp>
-      <p:sp>
-        <p:nvSpPr>
-          <p:cNvPr id="5" name="TextBox 4"/>
-          <p:cNvSpPr txBox="1"/>
-          <p:nvPr/>
-        </p:nvSpPr>
-        <p:spPr>
-          <a:xfrm>
-            <a:off x="8672492" y="250490"/>
-            <a:ext cx="1514517" cy="369332"/>
-          </a:xfrm>
-          <a:prstGeom prst="rect">
-            <a:avLst/>
-          </a:prstGeom>
-          <a:noFill/>
-        </p:spPr>
-        <p:txBody>
-          <a:bodyPr wrap="none" rtlCol="0">
-            <a:spAutoFit/>
-          </a:bodyPr>
-          <a:lstStyle/>
-          <a:p>
-            <a:r>
-              <a:rPr lang="en-US" altLang="ko-KR" dirty="0" smtClean="0"/>
-              <a:t>&lt;</a:t>
-            </a:r>
-            <a:r>
-              <a:rPr lang="en-US" altLang="ko-KR" dirty="0" err="1" smtClean="0"/>
-              <a:t>header_top</a:t>
-            </a:r>
-            <a:r>
-              <a:rPr lang="en-US" altLang="ko-KR" dirty="0" smtClean="0"/>
-              <a:t>&gt;</a:t>
-            </a:r>
-            <a:endParaRPr lang="ko-KR" altLang="en-US" dirty="0"/>
-          </a:p>
-        </p:txBody>
-      </p:sp>
-      <p:sp>
-        <p:nvSpPr>
-          <p:cNvPr id="6" name="TextBox 5"/>
-          <p:cNvSpPr txBox="1"/>
-          <p:nvPr/>
-        </p:nvSpPr>
-        <p:spPr>
-          <a:xfrm>
-            <a:off x="18118592" y="19028"/>
-            <a:ext cx="740908" cy="369332"/>
-          </a:xfrm>
-          <a:prstGeom prst="rect">
-            <a:avLst/>
-          </a:prstGeom>
-          <a:noFill/>
-        </p:spPr>
-        <p:txBody>
-          <a:bodyPr wrap="none" rtlCol="0">
-            <a:spAutoFit/>
-          </a:bodyPr>
-          <a:lstStyle/>
-          <a:p>
-            <a:r>
-              <a:rPr lang="en-US" altLang="ko-KR" dirty="0" smtClean="0"/>
-              <a:t>Menu</a:t>
-            </a:r>
-            <a:endParaRPr lang="ko-KR" altLang="en-US" dirty="0"/>
-          </a:p>
-        </p:txBody>
-      </p:sp>
-      <p:sp>
-        <p:nvSpPr>
-          <p:cNvPr id="8" name="TextBox 7"/>
-          <p:cNvSpPr txBox="1"/>
-          <p:nvPr/>
-        </p:nvSpPr>
-        <p:spPr>
-          <a:xfrm>
-            <a:off x="144559" y="124814"/>
-            <a:ext cx="820353" cy="646331"/>
-          </a:xfrm>
-          <a:prstGeom prst="rect">
-            <a:avLst/>
-          </a:prstGeom>
-          <a:noFill/>
-        </p:spPr>
-        <p:txBody>
-          <a:bodyPr wrap="none" rtlCol="0">
-            <a:spAutoFit/>
-          </a:bodyPr>
-          <a:lstStyle/>
-          <a:p>
-            <a:r>
-              <a:rPr lang="en-US" altLang="ko-KR" dirty="0" err="1" smtClean="0"/>
-              <a:t>Cancle</a:t>
-            </a:r>
-            <a:endParaRPr lang="en-US" altLang="ko-KR" dirty="0" smtClean="0"/>
-          </a:p>
-          <a:p>
-            <a:r>
-              <a:rPr lang="en-US" altLang="ko-KR" dirty="0" smtClean="0"/>
-              <a:t>button</a:t>
-            </a:r>
-            <a:endParaRPr lang="ko-KR" altLang="en-US" dirty="0"/>
+            <a:endParaRPr lang="ko-KR" altLang="en-US"/>
           </a:p>
         </p:txBody>
       </p:sp>
@@ -5913,13 +5863,18 @@
         </p:nvSpPr>
         <p:spPr>
           <a:xfrm>
-            <a:off x="0" y="865633"/>
-            <a:ext cx="18859500" cy="865632"/>
-          </a:xfrm>
-          <a:prstGeom prst="rect">
-            <a:avLst/>
-          </a:prstGeom>
-          <a:noFill/>
+            <a:off x="14077908" y="1559528"/>
+            <a:ext cx="4601946" cy="3451860"/>
+          </a:xfrm>
+          <a:prstGeom prst="rect">
+            <a:avLst/>
+          </a:prstGeom>
+          <a:solidFill>
+            <a:schemeClr val="accent1">
+              <a:lumMod val="40000"/>
+              <a:lumOff val="60000"/>
+            </a:schemeClr>
+          </a:solidFill>
         </p:spPr>
         <p:style>
           <a:lnRef idx="2">
@@ -5938,20 +5893,11 @@
           </a:fontRef>
         </p:style>
         <p:txBody>
-          <a:bodyPr rot="0" spcFirstLastPara="0" vertOverflow="overflow" horzOverflow="overflow" vert="horz" wrap="square" lIns="91440" tIns="45720" rIns="91440" bIns="45720" numCol="1" spcCol="0" rtlCol="0" fromWordArt="0" anchor="ctr" anchorCtr="0" forceAA="0" compatLnSpc="1">
-            <a:prstTxWarp prst="textNoShape">
-              <a:avLst/>
-            </a:prstTxWarp>
-            <a:noAutofit/>
-          </a:bodyPr>
+          <a:bodyPr rtlCol="0" anchor="ctr"/>
           <a:lstStyle/>
           <a:p>
             <a:pPr algn="ctr"/>
-            <a:endParaRPr lang="ko-KR" altLang="en-US" dirty="0">
-              <a:solidFill>
-                <a:schemeClr val="tx1"/>
-              </a:solidFill>
-            </a:endParaRPr>
+            <a:endParaRPr lang="ko-KR" altLang="en-US"/>
           </a:p>
         </p:txBody>
       </p:sp>
@@ -5963,13 +5909,18 @@
         </p:nvSpPr>
         <p:spPr>
           <a:xfrm>
-            <a:off x="0" y="1731265"/>
-            <a:ext cx="18859500" cy="8555735"/>
-          </a:xfrm>
-          <a:prstGeom prst="rect">
-            <a:avLst/>
-          </a:prstGeom>
-          <a:noFill/>
+            <a:off x="9446802" y="1559528"/>
+            <a:ext cx="4621386" cy="3451860"/>
+          </a:xfrm>
+          <a:prstGeom prst="rect">
+            <a:avLst/>
+          </a:prstGeom>
+          <a:solidFill>
+            <a:schemeClr val="accent1">
+              <a:lumMod val="40000"/>
+              <a:lumOff val="60000"/>
+            </a:schemeClr>
+          </a:solidFill>
         </p:spPr>
         <p:style>
           <a:lnRef idx="2">
@@ -5988,352 +5939,32 @@
           </a:fontRef>
         </p:style>
         <p:txBody>
-          <a:bodyPr rot="0" spcFirstLastPara="0" vertOverflow="overflow" horzOverflow="overflow" vert="horz" wrap="square" lIns="91440" tIns="45720" rIns="91440" bIns="45720" numCol="1" spcCol="0" rtlCol="0" fromWordArt="0" anchor="ctr" anchorCtr="0" forceAA="0" compatLnSpc="1">
-            <a:prstTxWarp prst="textNoShape">
-              <a:avLst/>
-            </a:prstTxWarp>
-            <a:noAutofit/>
-          </a:bodyPr>
+          <a:bodyPr rtlCol="0" anchor="ctr"/>
           <a:lstStyle/>
           <a:p>
             <a:pPr algn="ctr"/>
-            <a:endParaRPr lang="ko-KR" altLang="en-US" dirty="0">
-              <a:solidFill>
-                <a:schemeClr val="tx1"/>
-              </a:solidFill>
-            </a:endParaRPr>
-          </a:p>
-        </p:txBody>
-      </p:sp>
-      <p:sp>
-        <p:nvSpPr>
-          <p:cNvPr id="11" name="TextBox 10"/>
-          <p:cNvSpPr txBox="1"/>
-          <p:nvPr/>
-        </p:nvSpPr>
-        <p:spPr>
-          <a:xfrm>
-            <a:off x="187231" y="1105349"/>
-            <a:ext cx="1248868" cy="369332"/>
-          </a:xfrm>
-          <a:prstGeom prst="rect">
-            <a:avLst/>
-          </a:prstGeom>
-          <a:noFill/>
-        </p:spPr>
-        <p:txBody>
-          <a:bodyPr wrap="none" rtlCol="0">
-            <a:spAutoFit/>
-          </a:bodyPr>
-          <a:lstStyle/>
-          <a:p>
-            <a:r>
-              <a:rPr lang="en-US" altLang="ko-KR" dirty="0" smtClean="0"/>
-              <a:t>&lt;div </a:t>
-            </a:r>
-            <a:r>
-              <a:rPr lang="en-US" altLang="ko-KR" dirty="0" err="1" smtClean="0"/>
-              <a:t>serch</a:t>
-            </a:r>
-            <a:r>
-              <a:rPr lang="en-US" altLang="ko-KR" dirty="0" smtClean="0"/>
-              <a:t>&gt;</a:t>
-            </a:r>
-            <a:endParaRPr lang="ko-KR" altLang="en-US" dirty="0"/>
-          </a:p>
-        </p:txBody>
-      </p:sp>
-      <p:sp>
-        <p:nvSpPr>
-          <p:cNvPr id="12" name="TextBox 11"/>
-          <p:cNvSpPr txBox="1"/>
-          <p:nvPr/>
-        </p:nvSpPr>
-        <p:spPr>
-          <a:xfrm>
-            <a:off x="187231" y="1825753"/>
-            <a:ext cx="4042582" cy="5864106"/>
-          </a:xfrm>
-          <a:prstGeom prst="rect">
-            <a:avLst/>
-          </a:prstGeom>
-          <a:noFill/>
-        </p:spPr>
-        <p:txBody>
-          <a:bodyPr wrap="none" rtlCol="0">
-            <a:spAutoFit/>
-          </a:bodyPr>
-          <a:lstStyle/>
-          <a:p>
-            <a:pPr>
-              <a:lnSpc>
-                <a:spcPct val="150000"/>
-              </a:lnSpc>
-            </a:pPr>
-            <a:r>
-              <a:rPr lang="en-US" altLang="ko-KR" dirty="0" smtClean="0"/>
-              <a:t>&lt;div </a:t>
-            </a:r>
-            <a:r>
-              <a:rPr lang="en-US" altLang="ko-KR" dirty="0" err="1" smtClean="0"/>
-              <a:t>project_all</a:t>
-            </a:r>
-            <a:r>
-              <a:rPr lang="en-US" altLang="ko-KR" dirty="0" smtClean="0"/>
-              <a:t>&gt; </a:t>
-            </a:r>
-            <a:r>
-              <a:rPr lang="ko-KR" altLang="en-US" dirty="0" smtClean="0"/>
-              <a:t>모든 프로젝트</a:t>
-            </a:r>
-          </a:p>
-          <a:p>
-            <a:pPr>
-              <a:lnSpc>
-                <a:spcPct val="150000"/>
-              </a:lnSpc>
-            </a:pPr>
-            <a:endParaRPr lang="en-US" altLang="ko-KR" dirty="0" smtClean="0"/>
-          </a:p>
-          <a:p>
-            <a:pPr>
-              <a:lnSpc>
-                <a:spcPct val="150000"/>
-              </a:lnSpc>
-            </a:pPr>
-            <a:r>
-              <a:rPr lang="en-US" altLang="ko-KR" dirty="0" smtClean="0"/>
-              <a:t>&lt;div </a:t>
-            </a:r>
-            <a:r>
-              <a:rPr lang="en-US" altLang="ko-KR" dirty="0" err="1" smtClean="0"/>
-              <a:t>project_rec</a:t>
-            </a:r>
-            <a:r>
-              <a:rPr lang="en-US" altLang="ko-KR" dirty="0" smtClean="0"/>
-              <a:t>&gt; </a:t>
-            </a:r>
-            <a:r>
-              <a:rPr lang="ko-KR" altLang="en-US" dirty="0" smtClean="0"/>
-              <a:t>추천 프로젝트</a:t>
-            </a:r>
-          </a:p>
-          <a:p>
-            <a:pPr>
-              <a:lnSpc>
-                <a:spcPct val="150000"/>
-              </a:lnSpc>
-            </a:pPr>
-            <a:endParaRPr lang="en-US" altLang="ko-KR" dirty="0" smtClean="0"/>
-          </a:p>
-          <a:p>
-            <a:pPr>
-              <a:lnSpc>
-                <a:spcPct val="150000"/>
-              </a:lnSpc>
-            </a:pPr>
-            <a:r>
-              <a:rPr lang="en-US" altLang="ko-KR" dirty="0" smtClean="0"/>
-              <a:t>&lt;div </a:t>
-            </a:r>
-            <a:r>
-              <a:rPr lang="en-US" altLang="ko-KR" dirty="0" err="1" smtClean="0"/>
-              <a:t>project_finish</a:t>
-            </a:r>
-            <a:r>
-              <a:rPr lang="en-US" altLang="ko-KR" dirty="0" smtClean="0"/>
-              <a:t>&gt; </a:t>
-            </a:r>
-            <a:r>
-              <a:rPr lang="ko-KR" altLang="en-US" dirty="0" smtClean="0"/>
-              <a:t>성공 임박 프로젝트</a:t>
-            </a:r>
-          </a:p>
-          <a:p>
-            <a:pPr>
-              <a:lnSpc>
-                <a:spcPct val="150000"/>
-              </a:lnSpc>
-            </a:pPr>
-            <a:endParaRPr lang="en-US" altLang="ko-KR" dirty="0" smtClean="0"/>
-          </a:p>
-          <a:p>
-            <a:pPr>
-              <a:lnSpc>
-                <a:spcPct val="150000"/>
-              </a:lnSpc>
-            </a:pPr>
-            <a:r>
-              <a:rPr lang="en-US" altLang="ko-KR" dirty="0" smtClean="0"/>
-              <a:t>&lt;div </a:t>
-            </a:r>
-            <a:r>
-              <a:rPr lang="en-US" altLang="ko-KR" dirty="0" err="1" smtClean="0"/>
-              <a:t>project_new</a:t>
-            </a:r>
-            <a:r>
-              <a:rPr lang="en-US" altLang="ko-KR" dirty="0" smtClean="0"/>
-              <a:t>&gt; </a:t>
-            </a:r>
-            <a:r>
-              <a:rPr lang="ko-KR" altLang="en-US" dirty="0" smtClean="0"/>
-              <a:t>신규 프로젝트</a:t>
-            </a:r>
-            <a:endParaRPr lang="en-US" altLang="ko-KR" dirty="0" smtClean="0"/>
-          </a:p>
-          <a:p>
-            <a:pPr>
-              <a:lnSpc>
-                <a:spcPct val="150000"/>
-              </a:lnSpc>
-            </a:pPr>
-            <a:endParaRPr lang="en-US" altLang="ko-KR" dirty="0" smtClean="0"/>
-          </a:p>
-          <a:p>
-            <a:pPr>
-              <a:lnSpc>
-                <a:spcPct val="150000"/>
-              </a:lnSpc>
-            </a:pPr>
-            <a:r>
-              <a:rPr lang="en-US" altLang="ko-KR" dirty="0" smtClean="0"/>
-              <a:t>&lt;h4&gt;</a:t>
-            </a:r>
-            <a:r>
-              <a:rPr lang="ko-KR" altLang="en-US" dirty="0" smtClean="0"/>
-              <a:t>카테고리</a:t>
-            </a:r>
-            <a:r>
-              <a:rPr lang="en-US" altLang="ko-KR" dirty="0" smtClean="0"/>
-              <a:t>&lt;/h4&gt;</a:t>
-            </a:r>
-          </a:p>
-          <a:p>
-            <a:pPr>
-              <a:lnSpc>
-                <a:spcPct val="150000"/>
-              </a:lnSpc>
-            </a:pPr>
-            <a:r>
-              <a:rPr lang="en-US" altLang="ko-KR" dirty="0" smtClean="0"/>
-              <a:t>&lt;div project_cate1&gt; </a:t>
-            </a:r>
-            <a:r>
-              <a:rPr lang="ko-KR" altLang="en-US" dirty="0" smtClean="0"/>
-              <a:t>카테고리</a:t>
-            </a:r>
-            <a:r>
-              <a:rPr lang="en-US" altLang="ko-KR" dirty="0" smtClean="0"/>
-              <a:t>1</a:t>
-            </a:r>
-            <a:endParaRPr lang="ko-KR" altLang="en-US" dirty="0" smtClean="0"/>
-          </a:p>
-          <a:p>
-            <a:pPr>
-              <a:lnSpc>
-                <a:spcPct val="150000"/>
-              </a:lnSpc>
-            </a:pPr>
-            <a:endParaRPr lang="ko-KR" altLang="en-US" dirty="0" smtClean="0"/>
-          </a:p>
-          <a:p>
-            <a:pPr>
-              <a:lnSpc>
-                <a:spcPct val="150000"/>
-              </a:lnSpc>
-            </a:pPr>
-            <a:r>
-              <a:rPr lang="en-US" altLang="ko-KR" dirty="0" smtClean="0"/>
-              <a:t>&lt;div project_cate2&gt; </a:t>
-            </a:r>
-            <a:r>
-              <a:rPr lang="ko-KR" altLang="en-US" dirty="0" smtClean="0"/>
-              <a:t>카테고리</a:t>
-            </a:r>
-            <a:r>
-              <a:rPr lang="en-US" altLang="ko-KR" dirty="0"/>
-              <a:t>2</a:t>
-            </a:r>
-            <a:endParaRPr lang="ko-KR" altLang="en-US" dirty="0" smtClean="0"/>
-          </a:p>
-          <a:p>
-            <a:pPr>
-              <a:lnSpc>
-                <a:spcPct val="150000"/>
-              </a:lnSpc>
-            </a:pPr>
-            <a:endParaRPr lang="en-US" altLang="ko-KR" dirty="0" smtClean="0"/>
-          </a:p>
-          <a:p>
-            <a:pPr>
-              <a:lnSpc>
-                <a:spcPct val="150000"/>
-              </a:lnSpc>
-            </a:pPr>
-            <a:r>
-              <a:rPr lang="en-US" altLang="ko-KR" dirty="0" smtClean="0"/>
-              <a:t>&lt;div project_cate3&gt; </a:t>
-            </a:r>
-            <a:r>
-              <a:rPr lang="ko-KR" altLang="en-US" dirty="0" smtClean="0"/>
-              <a:t>카테고리</a:t>
-            </a:r>
-            <a:r>
-              <a:rPr lang="en-US" altLang="ko-KR" dirty="0"/>
-              <a:t>3</a:t>
-            </a:r>
-            <a:endParaRPr lang="ko-KR" altLang="en-US" dirty="0" smtClean="0"/>
-          </a:p>
-        </p:txBody>
-      </p:sp>
-    </p:spTree>
-    <p:extLst>
-      <p:ext uri="{BB962C8B-B14F-4D97-AF65-F5344CB8AC3E}">
-        <p14:creationId xmlns:p14="http://schemas.microsoft.com/office/powerpoint/2010/main" val="1129576940"/>
-      </p:ext>
-    </p:extLst>
-  </p:cSld>
-  <p:clrMapOvr>
-    <a:masterClrMapping/>
-  </p:clrMapOvr>
-</p:sld>
-</file>
-
-<file path=ppt/slides/slide5.xml><?xml version="1.0" encoding="utf-8"?>
-<p:sld xmlns:a="http://schemas.openxmlformats.org/drawingml/2006/main" xmlns:r="http://schemas.openxmlformats.org/officeDocument/2006/relationships" xmlns:p="http://schemas.openxmlformats.org/presentationml/2006/main">
-  <p:cSld>
-    <p:spTree>
-      <p:nvGrpSpPr>
-        <p:cNvPr id="1" name=""/>
-        <p:cNvGrpSpPr/>
-        <p:nvPr/>
-      </p:nvGrpSpPr>
-      <p:grpSpPr>
-        <a:xfrm>
-          <a:off x="0" y="0"/>
-          <a:ext cx="0" cy="0"/>
-          <a:chOff x="0" y="0"/>
-          <a:chExt cx="0" cy="0"/>
-        </a:xfrm>
-      </p:grpSpPr>
-      <p:sp>
-        <p:nvSpPr>
-          <p:cNvPr id="7" name="직사각형 6"/>
+            <a:endParaRPr lang="ko-KR" altLang="en-US"/>
+          </a:p>
+        </p:txBody>
+      </p:sp>
+      <p:sp>
+        <p:nvSpPr>
+          <p:cNvPr id="11" name="직사각형 10"/>
           <p:cNvSpPr/>
           <p:nvPr/>
         </p:nvSpPr>
         <p:spPr>
           <a:xfrm>
-            <a:off x="182118" y="265176"/>
-            <a:ext cx="18495264" cy="646176"/>
+            <a:off x="4815696" y="1559528"/>
+            <a:ext cx="4621386" cy="3451860"/>
           </a:xfrm>
           <a:prstGeom prst="rect">
             <a:avLst/>
           </a:prstGeom>
           <a:solidFill>
             <a:schemeClr val="accent1">
-              <a:lumMod val="20000"/>
-              <a:lumOff val="80000"/>
+              <a:lumMod val="40000"/>
+              <a:lumOff val="60000"/>
             </a:schemeClr>
           </a:solidFill>
         </p:spPr>
@@ -6364,19 +5995,152 @@
       </p:sp>
       <p:sp>
         <p:nvSpPr>
-          <p:cNvPr id="4" name="직사각형 3"/>
+          <p:cNvPr id="12" name="TextBox 11"/>
+          <p:cNvSpPr txBox="1"/>
+          <p:nvPr/>
+        </p:nvSpPr>
+        <p:spPr>
+          <a:xfrm>
+            <a:off x="16072864" y="366022"/>
+            <a:ext cx="2362634" cy="369332"/>
+          </a:xfrm>
+          <a:prstGeom prst="rect">
+            <a:avLst/>
+          </a:prstGeom>
+          <a:noFill/>
+        </p:spPr>
+        <p:txBody>
+          <a:bodyPr wrap="none" rtlCol="0">
+            <a:spAutoFit/>
+          </a:bodyPr>
+          <a:lstStyle/>
+          <a:p>
+            <a:r>
+              <a:rPr lang="en-US" altLang="ko-KR" dirty="0" smtClean="0"/>
+              <a:t>&lt;div </a:t>
+            </a:r>
+            <a:r>
+              <a:rPr lang="en-US" altLang="ko-KR" dirty="0" err="1" smtClean="0"/>
+              <a:t>search_condition</a:t>
+            </a:r>
+            <a:r>
+              <a:rPr lang="en-US" altLang="ko-KR" dirty="0" smtClean="0"/>
+              <a:t>&gt;</a:t>
+            </a:r>
+            <a:endParaRPr lang="ko-KR" altLang="en-US" dirty="0"/>
+          </a:p>
+        </p:txBody>
+      </p:sp>
+      <p:sp>
+        <p:nvSpPr>
+          <p:cNvPr id="14" name="TextBox 13"/>
+          <p:cNvSpPr txBox="1"/>
+          <p:nvPr/>
+        </p:nvSpPr>
+        <p:spPr>
+          <a:xfrm>
+            <a:off x="6254005" y="3104340"/>
+            <a:ext cx="1755545" cy="369332"/>
+          </a:xfrm>
+          <a:prstGeom prst="rect">
+            <a:avLst/>
+          </a:prstGeom>
+          <a:noFill/>
+        </p:spPr>
+        <p:txBody>
+          <a:bodyPr wrap="none" rtlCol="0">
+            <a:spAutoFit/>
+          </a:bodyPr>
+          <a:lstStyle/>
+          <a:p>
+            <a:r>
+              <a:rPr lang="en-US" altLang="ko-KR" dirty="0" smtClean="0"/>
+              <a:t>&lt;div new_proj2&gt;</a:t>
+            </a:r>
+            <a:endParaRPr lang="ko-KR" altLang="en-US" dirty="0"/>
+          </a:p>
+        </p:txBody>
+      </p:sp>
+      <p:sp>
+        <p:nvSpPr>
+          <p:cNvPr id="15" name="TextBox 14"/>
+          <p:cNvSpPr txBox="1"/>
+          <p:nvPr/>
+        </p:nvSpPr>
+        <p:spPr>
+          <a:xfrm>
+            <a:off x="10875391" y="3104340"/>
+            <a:ext cx="1755545" cy="369332"/>
+          </a:xfrm>
+          <a:prstGeom prst="rect">
+            <a:avLst/>
+          </a:prstGeom>
+          <a:noFill/>
+        </p:spPr>
+        <p:txBody>
+          <a:bodyPr wrap="none" rtlCol="0">
+            <a:spAutoFit/>
+          </a:bodyPr>
+          <a:lstStyle/>
+          <a:p>
+            <a:r>
+              <a:rPr lang="en-US" altLang="ko-KR" dirty="0" smtClean="0"/>
+              <a:t>&lt;div new_proj3&gt;</a:t>
+            </a:r>
+            <a:endParaRPr lang="ko-KR" altLang="en-US" dirty="0"/>
+          </a:p>
+        </p:txBody>
+      </p:sp>
+      <p:sp>
+        <p:nvSpPr>
+          <p:cNvPr id="16" name="TextBox 15"/>
+          <p:cNvSpPr txBox="1"/>
+          <p:nvPr/>
+        </p:nvSpPr>
+        <p:spPr>
+          <a:xfrm>
+            <a:off x="15501108" y="3105340"/>
+            <a:ext cx="1755545" cy="369332"/>
+          </a:xfrm>
+          <a:prstGeom prst="rect">
+            <a:avLst/>
+          </a:prstGeom>
+          <a:noFill/>
+        </p:spPr>
+        <p:txBody>
+          <a:bodyPr wrap="none" rtlCol="0">
+            <a:spAutoFit/>
+          </a:bodyPr>
+          <a:lstStyle/>
+          <a:p>
+            <a:r>
+              <a:rPr lang="en-US" altLang="ko-KR" dirty="0" smtClean="0"/>
+              <a:t>&lt;div new_proj4&gt;</a:t>
+            </a:r>
+            <a:endParaRPr lang="ko-KR" altLang="en-US" dirty="0"/>
+          </a:p>
+        </p:txBody>
+      </p:sp>
+      <p:sp>
+        <p:nvSpPr>
+          <p:cNvPr id="18" name="직사각형 17"/>
           <p:cNvSpPr/>
           <p:nvPr/>
         </p:nvSpPr>
         <p:spPr>
           <a:xfrm>
-            <a:off x="182118" y="265176"/>
-            <a:ext cx="18495264" cy="9924288"/>
-          </a:xfrm>
-          <a:prstGeom prst="rect">
-            <a:avLst/>
-          </a:prstGeom>
-          <a:noFill/>
+            <a:off x="184590" y="5028676"/>
+            <a:ext cx="4621386" cy="3451860"/>
+          </a:xfrm>
+          <a:prstGeom prst="rect">
+            <a:avLst/>
+          </a:prstGeom>
+          <a:solidFill>
+            <a:schemeClr val="accent1">
+              <a:lumMod val="40000"/>
+              <a:lumOff val="60000"/>
+            </a:schemeClr>
+          </a:solidFill>
         </p:spPr>
         <p:style>
           <a:lnRef idx="2">
@@ -6399,50 +6163,20 @@
           <a:lstStyle/>
           <a:p>
             <a:pPr algn="ctr"/>
-            <a:endParaRPr lang="ko-KR" altLang="en-US" dirty="0"/>
-          </a:p>
-        </p:txBody>
-      </p:sp>
-      <p:sp>
-        <p:nvSpPr>
-          <p:cNvPr id="5" name="TextBox 4"/>
-          <p:cNvSpPr txBox="1"/>
-          <p:nvPr/>
-        </p:nvSpPr>
-        <p:spPr>
-          <a:xfrm>
-            <a:off x="-2322" y="-88392"/>
-            <a:ext cx="1291379" cy="369332"/>
-          </a:xfrm>
-          <a:prstGeom prst="rect">
-            <a:avLst/>
-          </a:prstGeom>
-          <a:noFill/>
-        </p:spPr>
-        <p:txBody>
-          <a:bodyPr wrap="none" rtlCol="0">
-            <a:spAutoFit/>
-          </a:bodyPr>
-          <a:lstStyle/>
-          <a:p>
-            <a:r>
-              <a:rPr lang="en-US" altLang="ko-KR" dirty="0" err="1" smtClean="0"/>
-              <a:t>List_section</a:t>
-            </a:r>
-            <a:endParaRPr lang="ko-KR" altLang="en-US" dirty="0"/>
-          </a:p>
-        </p:txBody>
-      </p:sp>
-      <p:sp>
-        <p:nvSpPr>
-          <p:cNvPr id="8" name="직사각형 7"/>
+            <a:endParaRPr lang="ko-KR" altLang="en-US"/>
+          </a:p>
+        </p:txBody>
+      </p:sp>
+      <p:sp>
+        <p:nvSpPr>
+          <p:cNvPr id="19" name="직사각형 18"/>
           <p:cNvSpPr/>
           <p:nvPr/>
         </p:nvSpPr>
         <p:spPr>
           <a:xfrm>
-            <a:off x="184590" y="1559528"/>
-            <a:ext cx="4621386" cy="3451860"/>
+            <a:off x="14077908" y="5028676"/>
+            <a:ext cx="4601946" cy="3451860"/>
           </a:xfrm>
           <a:prstGeom prst="rect">
             <a:avLst/>
@@ -6481,14 +6215,14 @@
       </p:sp>
       <p:sp>
         <p:nvSpPr>
-          <p:cNvPr id="9" name="직사각형 8"/>
+          <p:cNvPr id="20" name="직사각형 19"/>
           <p:cNvSpPr/>
           <p:nvPr/>
         </p:nvSpPr>
         <p:spPr>
           <a:xfrm>
-            <a:off x="14077908" y="1559528"/>
-            <a:ext cx="4601946" cy="3451860"/>
+            <a:off x="9446802" y="5028676"/>
+            <a:ext cx="4621386" cy="3451860"/>
           </a:xfrm>
           <a:prstGeom prst="rect">
             <a:avLst/>
@@ -6527,13 +6261,13 @@
       </p:sp>
       <p:sp>
         <p:nvSpPr>
-          <p:cNvPr id="10" name="직사각형 9"/>
+          <p:cNvPr id="21" name="직사각형 20"/>
           <p:cNvSpPr/>
           <p:nvPr/>
         </p:nvSpPr>
         <p:spPr>
           <a:xfrm>
-            <a:off x="9446802" y="1559528"/>
+            <a:off x="4815696" y="5028676"/>
             <a:ext cx="4621386" cy="3451860"/>
           </a:xfrm>
           <a:prstGeom prst="rect">
@@ -6573,60 +6307,14 @@
       </p:sp>
       <p:sp>
         <p:nvSpPr>
-          <p:cNvPr id="11" name="직사각형 10"/>
-          <p:cNvSpPr/>
-          <p:nvPr/>
-        </p:nvSpPr>
-        <p:spPr>
-          <a:xfrm>
-            <a:off x="4815696" y="1559528"/>
-            <a:ext cx="4621386" cy="3451860"/>
-          </a:xfrm>
-          <a:prstGeom prst="rect">
-            <a:avLst/>
-          </a:prstGeom>
-          <a:solidFill>
-            <a:schemeClr val="accent1">
-              <a:lumMod val="40000"/>
-              <a:lumOff val="60000"/>
-            </a:schemeClr>
-          </a:solidFill>
-        </p:spPr>
-        <p:style>
-          <a:lnRef idx="2">
-            <a:schemeClr val="accent1">
-              <a:shade val="50000"/>
-            </a:schemeClr>
-          </a:lnRef>
-          <a:fillRef idx="1">
-            <a:schemeClr val="accent1"/>
-          </a:fillRef>
-          <a:effectRef idx="0">
-            <a:schemeClr val="accent1"/>
-          </a:effectRef>
-          <a:fontRef idx="minor">
-            <a:schemeClr val="lt1"/>
-          </a:fontRef>
-        </p:style>
-        <p:txBody>
-          <a:bodyPr rtlCol="0" anchor="ctr"/>
-          <a:lstStyle/>
-          <a:p>
-            <a:pPr algn="ctr"/>
-            <a:endParaRPr lang="ko-KR" altLang="en-US"/>
-          </a:p>
-        </p:txBody>
-      </p:sp>
-      <p:sp>
-        <p:nvSpPr>
-          <p:cNvPr id="12" name="TextBox 11"/>
+          <p:cNvPr id="23" name="TextBox 22"/>
           <p:cNvSpPr txBox="1"/>
           <p:nvPr/>
         </p:nvSpPr>
         <p:spPr>
           <a:xfrm>
-            <a:off x="16072864" y="366022"/>
-            <a:ext cx="2362634" cy="369332"/>
+            <a:off x="1519105" y="6561296"/>
+            <a:ext cx="1719830" cy="369332"/>
           </a:xfrm>
           <a:prstGeom prst="rect">
             <a:avLst/>
@@ -6641,15 +6329,7 @@
           <a:p>
             <a:r>
               <a:rPr lang="en-US" altLang="ko-KR" dirty="0" smtClean="0"/>
-              <a:t>&lt;div </a:t>
-            </a:r>
-            <a:r>
-              <a:rPr lang="en-US" altLang="ko-KR" dirty="0" err="1" smtClean="0"/>
-              <a:t>search_condition</a:t>
-            </a:r>
-            <a:r>
-              <a:rPr lang="en-US" altLang="ko-KR" dirty="0" smtClean="0"/>
-              <a:t>&gt;</a:t>
+              <a:t>&lt;div pop_proj1&gt;</a:t>
             </a:r>
             <a:endParaRPr lang="ko-KR" altLang="en-US" dirty="0"/>
           </a:p>
@@ -6657,13 +6337,13 @@
       </p:sp>
       <p:sp>
         <p:nvSpPr>
-          <p:cNvPr id="14" name="TextBox 13"/>
+          <p:cNvPr id="24" name="TextBox 23"/>
           <p:cNvSpPr txBox="1"/>
           <p:nvPr/>
         </p:nvSpPr>
         <p:spPr>
           <a:xfrm>
-            <a:off x="6254005" y="3104340"/>
+            <a:off x="6241813" y="6561296"/>
             <a:ext cx="1755545" cy="369332"/>
           </a:xfrm>
           <a:prstGeom prst="rect">
@@ -6679,7 +6359,15 @@
           <a:p>
             <a:r>
               <a:rPr lang="en-US" altLang="ko-KR" dirty="0" smtClean="0"/>
-              <a:t>&lt;div new_proj2&gt;</a:t>
+              <a:t>&lt;div </a:t>
+            </a:r>
+            <a:r>
+              <a:rPr lang="en-US" altLang="ko-KR" dirty="0" smtClean="0"/>
+              <a:t>pop</a:t>
+            </a:r>
+            <a:r>
+              <a:rPr lang="en-US" altLang="ko-KR" dirty="0" smtClean="0"/>
+              <a:t>_proj2&gt;</a:t>
             </a:r>
             <a:endParaRPr lang="ko-KR" altLang="en-US" dirty="0"/>
           </a:p>
@@ -6687,13 +6375,13 @@
       </p:sp>
       <p:sp>
         <p:nvSpPr>
-          <p:cNvPr id="15" name="TextBox 14"/>
+          <p:cNvPr id="25" name="TextBox 24"/>
           <p:cNvSpPr txBox="1"/>
           <p:nvPr/>
         </p:nvSpPr>
         <p:spPr>
           <a:xfrm>
-            <a:off x="10875391" y="3104340"/>
+            <a:off x="10863199" y="6561296"/>
             <a:ext cx="1755545" cy="369332"/>
           </a:xfrm>
           <a:prstGeom prst="rect">
@@ -6709,7 +6397,15 @@
           <a:p>
             <a:r>
               <a:rPr lang="en-US" altLang="ko-KR" dirty="0" smtClean="0"/>
-              <a:t>&lt;div new_proj3&gt;</a:t>
+              <a:t>&lt;div </a:t>
+            </a:r>
+            <a:r>
+              <a:rPr lang="en-US" altLang="ko-KR" dirty="0" smtClean="0"/>
+              <a:t>pop</a:t>
+            </a:r>
+            <a:r>
+              <a:rPr lang="en-US" altLang="ko-KR" dirty="0" smtClean="0"/>
+              <a:t>_proj3&gt;</a:t>
             </a:r>
             <a:endParaRPr lang="ko-KR" altLang="en-US" dirty="0"/>
           </a:p>
@@ -6717,13 +6413,13 @@
       </p:sp>
       <p:sp>
         <p:nvSpPr>
-          <p:cNvPr id="16" name="TextBox 15"/>
+          <p:cNvPr id="26" name="TextBox 25"/>
           <p:cNvSpPr txBox="1"/>
           <p:nvPr/>
         </p:nvSpPr>
         <p:spPr>
           <a:xfrm>
-            <a:off x="15501108" y="3105340"/>
+            <a:off x="15488916" y="6562296"/>
             <a:ext cx="1755545" cy="369332"/>
           </a:xfrm>
           <a:prstGeom prst="rect">
@@ -6739,311 +6435,15 @@
           <a:p>
             <a:r>
               <a:rPr lang="en-US" altLang="ko-KR" dirty="0" smtClean="0"/>
-              <a:t>&lt;div new_proj4&gt;</a:t>
-            </a:r>
-            <a:endParaRPr lang="ko-KR" altLang="en-US" dirty="0"/>
-          </a:p>
-        </p:txBody>
-      </p:sp>
-      <p:sp>
-        <p:nvSpPr>
-          <p:cNvPr id="18" name="직사각형 17"/>
-          <p:cNvSpPr/>
-          <p:nvPr/>
-        </p:nvSpPr>
-        <p:spPr>
-          <a:xfrm>
-            <a:off x="184590" y="5028676"/>
-            <a:ext cx="4621386" cy="3451860"/>
-          </a:xfrm>
-          <a:prstGeom prst="rect">
-            <a:avLst/>
-          </a:prstGeom>
-          <a:solidFill>
-            <a:schemeClr val="accent1">
-              <a:lumMod val="40000"/>
-              <a:lumOff val="60000"/>
-            </a:schemeClr>
-          </a:solidFill>
-        </p:spPr>
-        <p:style>
-          <a:lnRef idx="2">
-            <a:schemeClr val="accent1">
-              <a:shade val="50000"/>
-            </a:schemeClr>
-          </a:lnRef>
-          <a:fillRef idx="1">
-            <a:schemeClr val="accent1"/>
-          </a:fillRef>
-          <a:effectRef idx="0">
-            <a:schemeClr val="accent1"/>
-          </a:effectRef>
-          <a:fontRef idx="minor">
-            <a:schemeClr val="lt1"/>
-          </a:fontRef>
-        </p:style>
-        <p:txBody>
-          <a:bodyPr rtlCol="0" anchor="ctr"/>
-          <a:lstStyle/>
-          <a:p>
-            <a:pPr algn="ctr"/>
-            <a:endParaRPr lang="ko-KR" altLang="en-US"/>
-          </a:p>
-        </p:txBody>
-      </p:sp>
-      <p:sp>
-        <p:nvSpPr>
-          <p:cNvPr id="19" name="직사각형 18"/>
-          <p:cNvSpPr/>
-          <p:nvPr/>
-        </p:nvSpPr>
-        <p:spPr>
-          <a:xfrm>
-            <a:off x="14077908" y="5028676"/>
-            <a:ext cx="4601946" cy="3451860"/>
-          </a:xfrm>
-          <a:prstGeom prst="rect">
-            <a:avLst/>
-          </a:prstGeom>
-          <a:solidFill>
-            <a:schemeClr val="accent1">
-              <a:lumMod val="40000"/>
-              <a:lumOff val="60000"/>
-            </a:schemeClr>
-          </a:solidFill>
-        </p:spPr>
-        <p:style>
-          <a:lnRef idx="2">
-            <a:schemeClr val="accent1">
-              <a:shade val="50000"/>
-            </a:schemeClr>
-          </a:lnRef>
-          <a:fillRef idx="1">
-            <a:schemeClr val="accent1"/>
-          </a:fillRef>
-          <a:effectRef idx="0">
-            <a:schemeClr val="accent1"/>
-          </a:effectRef>
-          <a:fontRef idx="minor">
-            <a:schemeClr val="lt1"/>
-          </a:fontRef>
-        </p:style>
-        <p:txBody>
-          <a:bodyPr rtlCol="0" anchor="ctr"/>
-          <a:lstStyle/>
-          <a:p>
-            <a:pPr algn="ctr"/>
-            <a:endParaRPr lang="ko-KR" altLang="en-US"/>
-          </a:p>
-        </p:txBody>
-      </p:sp>
-      <p:sp>
-        <p:nvSpPr>
-          <p:cNvPr id="20" name="직사각형 19"/>
-          <p:cNvSpPr/>
-          <p:nvPr/>
-        </p:nvSpPr>
-        <p:spPr>
-          <a:xfrm>
-            <a:off x="9446802" y="5028676"/>
-            <a:ext cx="4621386" cy="3451860"/>
-          </a:xfrm>
-          <a:prstGeom prst="rect">
-            <a:avLst/>
-          </a:prstGeom>
-          <a:solidFill>
-            <a:schemeClr val="accent1">
-              <a:lumMod val="40000"/>
-              <a:lumOff val="60000"/>
-            </a:schemeClr>
-          </a:solidFill>
-        </p:spPr>
-        <p:style>
-          <a:lnRef idx="2">
-            <a:schemeClr val="accent1">
-              <a:shade val="50000"/>
-            </a:schemeClr>
-          </a:lnRef>
-          <a:fillRef idx="1">
-            <a:schemeClr val="accent1"/>
-          </a:fillRef>
-          <a:effectRef idx="0">
-            <a:schemeClr val="accent1"/>
-          </a:effectRef>
-          <a:fontRef idx="minor">
-            <a:schemeClr val="lt1"/>
-          </a:fontRef>
-        </p:style>
-        <p:txBody>
-          <a:bodyPr rtlCol="0" anchor="ctr"/>
-          <a:lstStyle/>
-          <a:p>
-            <a:pPr algn="ctr"/>
-            <a:endParaRPr lang="ko-KR" altLang="en-US"/>
-          </a:p>
-        </p:txBody>
-      </p:sp>
-      <p:sp>
-        <p:nvSpPr>
-          <p:cNvPr id="21" name="직사각형 20"/>
-          <p:cNvSpPr/>
-          <p:nvPr/>
-        </p:nvSpPr>
-        <p:spPr>
-          <a:xfrm>
-            <a:off x="4815696" y="5028676"/>
-            <a:ext cx="4621386" cy="3451860"/>
-          </a:xfrm>
-          <a:prstGeom prst="rect">
-            <a:avLst/>
-          </a:prstGeom>
-          <a:solidFill>
-            <a:schemeClr val="accent1">
-              <a:lumMod val="40000"/>
-              <a:lumOff val="60000"/>
-            </a:schemeClr>
-          </a:solidFill>
-        </p:spPr>
-        <p:style>
-          <a:lnRef idx="2">
-            <a:schemeClr val="accent1">
-              <a:shade val="50000"/>
-            </a:schemeClr>
-          </a:lnRef>
-          <a:fillRef idx="1">
-            <a:schemeClr val="accent1"/>
-          </a:fillRef>
-          <a:effectRef idx="0">
-            <a:schemeClr val="accent1"/>
-          </a:effectRef>
-          <a:fontRef idx="minor">
-            <a:schemeClr val="lt1"/>
-          </a:fontRef>
-        </p:style>
-        <p:txBody>
-          <a:bodyPr rtlCol="0" anchor="ctr"/>
-          <a:lstStyle/>
-          <a:p>
-            <a:pPr algn="ctr"/>
-            <a:endParaRPr lang="ko-KR" altLang="en-US"/>
-          </a:p>
-        </p:txBody>
-      </p:sp>
-      <p:sp>
-        <p:nvSpPr>
-          <p:cNvPr id="23" name="TextBox 22"/>
-          <p:cNvSpPr txBox="1"/>
-          <p:nvPr/>
-        </p:nvSpPr>
-        <p:spPr>
-          <a:xfrm>
-            <a:off x="1519105" y="6561296"/>
-            <a:ext cx="1719830" cy="369332"/>
-          </a:xfrm>
-          <a:prstGeom prst="rect">
-            <a:avLst/>
-          </a:prstGeom>
-          <a:noFill/>
-        </p:spPr>
-        <p:txBody>
-          <a:bodyPr wrap="none" rtlCol="0">
-            <a:spAutoFit/>
-          </a:bodyPr>
-          <a:lstStyle/>
-          <a:p>
-            <a:r>
-              <a:rPr lang="en-US" altLang="ko-KR" dirty="0" smtClean="0"/>
-              <a:t>&lt;div pop_proj1&gt;</a:t>
-            </a:r>
-            <a:endParaRPr lang="ko-KR" altLang="en-US" dirty="0"/>
-          </a:p>
-        </p:txBody>
-      </p:sp>
-      <p:sp>
-        <p:nvSpPr>
-          <p:cNvPr id="24" name="TextBox 23"/>
-          <p:cNvSpPr txBox="1"/>
-          <p:nvPr/>
-        </p:nvSpPr>
-        <p:spPr>
-          <a:xfrm>
-            <a:off x="6241813" y="6561296"/>
-            <a:ext cx="1755545" cy="369332"/>
-          </a:xfrm>
-          <a:prstGeom prst="rect">
-            <a:avLst/>
-          </a:prstGeom>
-          <a:noFill/>
-        </p:spPr>
-        <p:txBody>
-          <a:bodyPr wrap="none" rtlCol="0">
-            <a:spAutoFit/>
-          </a:bodyPr>
-          <a:lstStyle/>
-          <a:p>
-            <a:r>
-              <a:rPr lang="en-US" altLang="ko-KR" dirty="0" smtClean="0"/>
-              <a:t>&lt;div pop_proj2&gt;</a:t>
-            </a:r>
-            <a:endParaRPr lang="ko-KR" altLang="en-US" dirty="0"/>
-          </a:p>
-        </p:txBody>
-      </p:sp>
-      <p:sp>
-        <p:nvSpPr>
-          <p:cNvPr id="25" name="TextBox 24"/>
-          <p:cNvSpPr txBox="1"/>
-          <p:nvPr/>
-        </p:nvSpPr>
-        <p:spPr>
-          <a:xfrm>
-            <a:off x="10863199" y="6561296"/>
-            <a:ext cx="1755545" cy="369332"/>
-          </a:xfrm>
-          <a:prstGeom prst="rect">
-            <a:avLst/>
-          </a:prstGeom>
-          <a:noFill/>
-        </p:spPr>
-        <p:txBody>
-          <a:bodyPr wrap="none" rtlCol="0">
-            <a:spAutoFit/>
-          </a:bodyPr>
-          <a:lstStyle/>
-          <a:p>
-            <a:r>
-              <a:rPr lang="en-US" altLang="ko-KR" dirty="0" smtClean="0"/>
-              <a:t>&lt;div pop_proj3&gt;</a:t>
-            </a:r>
-            <a:endParaRPr lang="ko-KR" altLang="en-US" dirty="0"/>
-          </a:p>
-        </p:txBody>
-      </p:sp>
-      <p:sp>
-        <p:nvSpPr>
-          <p:cNvPr id="26" name="TextBox 25"/>
-          <p:cNvSpPr txBox="1"/>
-          <p:nvPr/>
-        </p:nvSpPr>
-        <p:spPr>
-          <a:xfrm>
-            <a:off x="15488916" y="6562296"/>
-            <a:ext cx="1755545" cy="369332"/>
-          </a:xfrm>
-          <a:prstGeom prst="rect">
-            <a:avLst/>
-          </a:prstGeom>
-          <a:noFill/>
-        </p:spPr>
-        <p:txBody>
-          <a:bodyPr wrap="none" rtlCol="0">
-            <a:spAutoFit/>
-          </a:bodyPr>
-          <a:lstStyle/>
-          <a:p>
-            <a:r>
-              <a:rPr lang="en-US" altLang="ko-KR" dirty="0" smtClean="0"/>
-              <a:t>&lt;div pop_proj4&gt;</a:t>
+              <a:t>&lt;div </a:t>
+            </a:r>
+            <a:r>
+              <a:rPr lang="en-US" altLang="ko-KR" dirty="0" smtClean="0"/>
+              <a:t>pop</a:t>
+            </a:r>
+            <a:r>
+              <a:rPr lang="en-US" altLang="ko-KR" dirty="0" smtClean="0"/>
+              <a:t>_proj4&gt;</a:t>
             </a:r>
             <a:endParaRPr lang="ko-KR" altLang="en-US" dirty="0"/>
           </a:p>

--- a/CSSGuide/스프링프로젝트1.pptx
+++ b/CSSGuide/스프링프로젝트1.pptx
@@ -1,6 +1,6 @@
 
 <file path=ppt/presentation.xml><?xml version="1.0" encoding="utf-8"?>
-<p:presentation xmlns:a="http://schemas.openxmlformats.org/drawingml/2006/main" xmlns:r="http://schemas.openxmlformats.org/officeDocument/2006/relationships" xmlns:p="http://schemas.openxmlformats.org/presentationml/2006/main" saveSubsetFonts="1">
+<p:presentation xmlns:a="http://schemas.openxmlformats.org/drawingml/2006/main" xmlns:r="http://schemas.openxmlformats.org/officeDocument/2006/relationships" xmlns:p="http://schemas.openxmlformats.org/presentationml/2006/main" serverZoom="27032" saveSubsetFonts="1">
   <p:sldMasterIdLst>
     <p:sldMasterId id="2147483684" r:id="rId1"/>
   </p:sldMasterIdLst>
@@ -247,7 +247,7 @@
           <a:p>
             <a:fld id="{BE6C9B85-A7C9-4C74-A618-4E1D3FF7A410}" type="datetimeFigureOut">
               <a:rPr lang="ko-KR" altLang="en-US" smtClean="0"/>
-              <a:t>2021-06-01</a:t>
+              <a:t>2021-06-04</a:t>
             </a:fld>
             <a:endParaRPr lang="ko-KR" altLang="en-US"/>
           </a:p>
@@ -417,7 +417,7 @@
           <a:p>
             <a:fld id="{BE6C9B85-A7C9-4C74-A618-4E1D3FF7A410}" type="datetimeFigureOut">
               <a:rPr lang="ko-KR" altLang="en-US" smtClean="0"/>
-              <a:t>2021-06-01</a:t>
+              <a:t>2021-06-04</a:t>
             </a:fld>
             <a:endParaRPr lang="ko-KR" altLang="en-US"/>
           </a:p>
@@ -597,7 +597,7 @@
           <a:p>
             <a:fld id="{BE6C9B85-A7C9-4C74-A618-4E1D3FF7A410}" type="datetimeFigureOut">
               <a:rPr lang="ko-KR" altLang="en-US" smtClean="0"/>
-              <a:t>2021-06-01</a:t>
+              <a:t>2021-06-04</a:t>
             </a:fld>
             <a:endParaRPr lang="ko-KR" altLang="en-US"/>
           </a:p>
@@ -767,7 +767,7 @@
           <a:p>
             <a:fld id="{BE6C9B85-A7C9-4C74-A618-4E1D3FF7A410}" type="datetimeFigureOut">
               <a:rPr lang="ko-KR" altLang="en-US" smtClean="0"/>
-              <a:t>2021-06-01</a:t>
+              <a:t>2021-06-04</a:t>
             </a:fld>
             <a:endParaRPr lang="ko-KR" altLang="en-US"/>
           </a:p>
@@ -1013,7 +1013,7 @@
           <a:p>
             <a:fld id="{BE6C9B85-A7C9-4C74-A618-4E1D3FF7A410}" type="datetimeFigureOut">
               <a:rPr lang="ko-KR" altLang="en-US" smtClean="0"/>
-              <a:t>2021-06-01</a:t>
+              <a:t>2021-06-04</a:t>
             </a:fld>
             <a:endParaRPr lang="ko-KR" altLang="en-US"/>
           </a:p>
@@ -1245,7 +1245,7 @@
           <a:p>
             <a:fld id="{BE6C9B85-A7C9-4C74-A618-4E1D3FF7A410}" type="datetimeFigureOut">
               <a:rPr lang="ko-KR" altLang="en-US" smtClean="0"/>
-              <a:t>2021-06-01</a:t>
+              <a:t>2021-06-04</a:t>
             </a:fld>
             <a:endParaRPr lang="ko-KR" altLang="en-US"/>
           </a:p>
@@ -1612,7 +1612,7 @@
           <a:p>
             <a:fld id="{BE6C9B85-A7C9-4C74-A618-4E1D3FF7A410}" type="datetimeFigureOut">
               <a:rPr lang="ko-KR" altLang="en-US" smtClean="0"/>
-              <a:t>2021-06-01</a:t>
+              <a:t>2021-06-04</a:t>
             </a:fld>
             <a:endParaRPr lang="ko-KR" altLang="en-US"/>
           </a:p>
@@ -1730,7 +1730,7 @@
           <a:p>
             <a:fld id="{BE6C9B85-A7C9-4C74-A618-4E1D3FF7A410}" type="datetimeFigureOut">
               <a:rPr lang="ko-KR" altLang="en-US" smtClean="0"/>
-              <a:t>2021-06-01</a:t>
+              <a:t>2021-06-04</a:t>
             </a:fld>
             <a:endParaRPr lang="ko-KR" altLang="en-US"/>
           </a:p>
@@ -1825,7 +1825,7 @@
           <a:p>
             <a:fld id="{BE6C9B85-A7C9-4C74-A618-4E1D3FF7A410}" type="datetimeFigureOut">
               <a:rPr lang="ko-KR" altLang="en-US" smtClean="0"/>
-              <a:t>2021-06-01</a:t>
+              <a:t>2021-06-04</a:t>
             </a:fld>
             <a:endParaRPr lang="ko-KR" altLang="en-US"/>
           </a:p>
@@ -2102,7 +2102,7 @@
           <a:p>
             <a:fld id="{BE6C9B85-A7C9-4C74-A618-4E1D3FF7A410}" type="datetimeFigureOut">
               <a:rPr lang="ko-KR" altLang="en-US" smtClean="0"/>
-              <a:t>2021-06-01</a:t>
+              <a:t>2021-06-04</a:t>
             </a:fld>
             <a:endParaRPr lang="ko-KR" altLang="en-US"/>
           </a:p>
@@ -2359,7 +2359,7 @@
           <a:p>
             <a:fld id="{BE6C9B85-A7C9-4C74-A618-4E1D3FF7A410}" type="datetimeFigureOut">
               <a:rPr lang="ko-KR" altLang="en-US" smtClean="0"/>
-              <a:t>2021-06-01</a:t>
+              <a:t>2021-06-04</a:t>
             </a:fld>
             <a:endParaRPr lang="ko-KR" altLang="en-US"/>
           </a:p>
@@ -2572,7 +2572,7 @@
           <a:p>
             <a:fld id="{BE6C9B85-A7C9-4C74-A618-4E1D3FF7A410}" type="datetimeFigureOut">
               <a:rPr lang="ko-KR" altLang="en-US" smtClean="0"/>
-              <a:t>2021-06-01</a:t>
+              <a:t>2021-06-04</a:t>
             </a:fld>
             <a:endParaRPr lang="ko-KR" altLang="en-US"/>
           </a:p>
